--- a/Presentatie chips and circuits.pptx
+++ b/Presentatie chips and circuits.pptx
@@ -8,9 +8,10 @@
     <p:sldId id="256" r:id="rId2"/>
     <p:sldId id="257" r:id="rId3"/>
     <p:sldId id="258" r:id="rId4"/>
-    <p:sldId id="259" r:id="rId5"/>
-    <p:sldId id="260" r:id="rId6"/>
-    <p:sldId id="261" r:id="rId7"/>
+    <p:sldId id="262" r:id="rId5"/>
+    <p:sldId id="259" r:id="rId6"/>
+    <p:sldId id="260" r:id="rId7"/>
+    <p:sldId id="261" r:id="rId8"/>
   </p:sldIdLst>
   <p:sldSz cx="9144000" cy="6858000" type="screen4x3"/>
   <p:notesSz cx="6858000" cy="9144000"/>
@@ -3325,25 +3326,31 @@
           </a:p>
         </p:txBody>
       </p:sp>
-      <p:sp>
-        <p:nvSpPr>
-          <p:cNvPr id="3" name="Content Placeholder 2"/>
-          <p:cNvSpPr>
-            <a:spLocks noGrp="1"/>
-          </p:cNvSpPr>
+      <p:pic>
+        <p:nvPicPr>
+          <p:cNvPr id="4" name="Content Placeholder 3" descr="Schermafbeelding 2014-11-11 om 14.10.33.png"/>
+          <p:cNvPicPr>
+            <a:picLocks noGrp="1" noChangeAspect="1"/>
+          </p:cNvPicPr>
           <p:nvPr>
             <p:ph idx="1"/>
           </p:nvPr>
-        </p:nvSpPr>
-        <p:spPr/>
-        <p:txBody>
-          <a:bodyPr/>
-          <a:lstStyle/>
-          <a:p>
-            <a:endParaRPr lang="en-US"/>
-          </a:p>
-        </p:txBody>
-      </p:sp>
+        </p:nvPicPr>
+        <p:blipFill>
+          <a:blip r:embed="rId2">
+            <a:extLst>
+              <a:ext uri="{28A0092B-C50C-407E-A947-70E740481C1C}">
+                <a14:useLocalDpi xmlns:a14="http://schemas.microsoft.com/office/drawing/2010/main" val="0"/>
+              </a:ext>
+            </a:extLst>
+          </a:blip>
+          <a:srcRect t="18950" b="18950"/>
+          <a:stretch>
+            <a:fillRect/>
+          </a:stretch>
+        </p:blipFill>
+        <p:spPr/>
+      </p:pic>
     </p:spTree>
     <p:extLst>
       <p:ext uri="{BB962C8B-B14F-4D97-AF65-F5344CB8AC3E}">
@@ -3397,29 +3404,66 @@
           </a:p>
         </p:txBody>
       </p:sp>
-      <p:sp>
-        <p:nvSpPr>
-          <p:cNvPr id="3" name="Content Placeholder 2"/>
-          <p:cNvSpPr>
-            <a:spLocks noGrp="1"/>
-          </p:cNvSpPr>
+      <p:pic>
+        <p:nvPicPr>
+          <p:cNvPr id="6" name="Content Placeholder 5" descr="Schermafbeelding 2014-11-11 om 14.21.10.png"/>
+          <p:cNvPicPr>
+            <a:picLocks noGrp="1" noChangeAspect="1"/>
+          </p:cNvPicPr>
           <p:nvPr>
             <p:ph idx="1"/>
           </p:nvPr>
-        </p:nvSpPr>
-        <p:spPr/>
-        <p:txBody>
-          <a:bodyPr/>
-          <a:lstStyle/>
-          <a:p>
-            <a:endParaRPr lang="en-US"/>
-          </a:p>
-        </p:txBody>
-      </p:sp>
+        </p:nvPicPr>
+        <p:blipFill>
+          <a:blip r:embed="rId2">
+            <a:extLst>
+              <a:ext uri="{28A0092B-C50C-407E-A947-70E740481C1C}">
+                <a14:useLocalDpi xmlns:a14="http://schemas.microsoft.com/office/drawing/2010/main" val="0"/>
+              </a:ext>
+            </a:extLst>
+          </a:blip>
+          <a:srcRect t="19733" b="19733"/>
+          <a:stretch>
+            <a:fillRect/>
+          </a:stretch>
+        </p:blipFill>
+        <p:spPr/>
+      </p:pic>
+      <p:pic>
+        <p:nvPicPr>
+          <p:cNvPr id="7" name="Content Placeholder 3" descr="Schermafbeelding 2014-11-11 om 14.22.14.png"/>
+          <p:cNvPicPr>
+            <a:picLocks noChangeAspect="1"/>
+          </p:cNvPicPr>
+          <p:nvPr/>
+        </p:nvPicPr>
+        <p:blipFill>
+          <a:blip r:embed="rId3">
+            <a:extLst>
+              <a:ext uri="{28A0092B-C50C-407E-A947-70E740481C1C}">
+                <a14:useLocalDpi xmlns:a14="http://schemas.microsoft.com/office/drawing/2010/main" val="0"/>
+              </a:ext>
+            </a:extLst>
+          </a:blip>
+          <a:srcRect t="25189" b="25189"/>
+          <a:stretch>
+            <a:fillRect/>
+          </a:stretch>
+        </p:blipFill>
+        <p:spPr>
+          <a:xfrm>
+            <a:off x="457200" y="1600200"/>
+            <a:ext cx="8229600" cy="4525963"/>
+          </a:xfrm>
+          <a:prstGeom prst="rect">
+            <a:avLst/>
+          </a:prstGeom>
+        </p:spPr>
+      </p:pic>
     </p:spTree>
     <p:extLst>
       <p:ext uri="{BB962C8B-B14F-4D97-AF65-F5344CB8AC3E}">
-        <p14:creationId xmlns:p14="http://schemas.microsoft.com/office/powerpoint/2010/main" val="3920283164"/>
+        <p14:creationId xmlns:p14="http://schemas.microsoft.com/office/powerpoint/2010/main" val="2640160733"/>
       </p:ext>
     </p:extLst>
   </p:cSld>
@@ -3463,35 +3507,41 @@
           <a:p>
             <a:r>
               <a:rPr lang="en-US" dirty="0" smtClean="0"/>
-              <a:t>Layers</a:t>
+              <a:t>Routes</a:t>
             </a:r>
             <a:endParaRPr lang="en-US" dirty="0"/>
           </a:p>
         </p:txBody>
       </p:sp>
-      <p:sp>
-        <p:nvSpPr>
-          <p:cNvPr id="3" name="Content Placeholder 2"/>
-          <p:cNvSpPr>
-            <a:spLocks noGrp="1"/>
-          </p:cNvSpPr>
+      <p:pic>
+        <p:nvPicPr>
+          <p:cNvPr id="6" name="Content Placeholder 5" descr="Schermafbeelding 2014-11-11 om 14.21.10.png"/>
+          <p:cNvPicPr>
+            <a:picLocks noGrp="1" noChangeAspect="1"/>
+          </p:cNvPicPr>
           <p:nvPr>
             <p:ph idx="1"/>
           </p:nvPr>
-        </p:nvSpPr>
-        <p:spPr/>
-        <p:txBody>
-          <a:bodyPr/>
-          <a:lstStyle/>
-          <a:p>
-            <a:endParaRPr lang="en-US"/>
-          </a:p>
-        </p:txBody>
-      </p:sp>
+        </p:nvPicPr>
+        <p:blipFill>
+          <a:blip r:embed="rId2">
+            <a:extLst>
+              <a:ext uri="{28A0092B-C50C-407E-A947-70E740481C1C}">
+                <a14:useLocalDpi xmlns:a14="http://schemas.microsoft.com/office/drawing/2010/main" val="0"/>
+              </a:ext>
+            </a:extLst>
+          </a:blip>
+          <a:srcRect t="19733" b="19733"/>
+          <a:stretch>
+            <a:fillRect/>
+          </a:stretch>
+        </p:blipFill>
+        <p:spPr/>
+      </p:pic>
     </p:spTree>
     <p:extLst>
       <p:ext uri="{BB962C8B-B14F-4D97-AF65-F5344CB8AC3E}">
-        <p14:creationId xmlns:p14="http://schemas.microsoft.com/office/powerpoint/2010/main" val="1927676121"/>
+        <p14:creationId xmlns:p14="http://schemas.microsoft.com/office/powerpoint/2010/main" val="3920283164"/>
       </p:ext>
     </p:extLst>
   </p:cSld>
@@ -3535,6 +3585,109 @@
           <a:p>
             <a:r>
               <a:rPr lang="en-US" dirty="0" smtClean="0"/>
+              <a:t>Layers</a:t>
+            </a:r>
+            <a:endParaRPr lang="en-US" dirty="0"/>
+          </a:p>
+        </p:txBody>
+      </p:sp>
+      <p:sp>
+        <p:nvSpPr>
+          <p:cNvPr id="3" name="Content Placeholder 2"/>
+          <p:cNvSpPr>
+            <a:spLocks noGrp="1"/>
+          </p:cNvSpPr>
+          <p:nvPr>
+            <p:ph idx="1"/>
+          </p:nvPr>
+        </p:nvSpPr>
+        <p:spPr/>
+        <p:txBody>
+          <a:bodyPr/>
+          <a:lstStyle/>
+          <a:p>
+            <a:endParaRPr lang="en-US"/>
+          </a:p>
+        </p:txBody>
+      </p:sp>
+      <p:pic>
+        <p:nvPicPr>
+          <p:cNvPr id="4" name="Content Placeholder 3" descr="Schermafbeelding 2014-11-11 om 14.20.43.png"/>
+          <p:cNvPicPr>
+            <a:picLocks noChangeAspect="1"/>
+          </p:cNvPicPr>
+          <p:nvPr/>
+        </p:nvPicPr>
+        <p:blipFill>
+          <a:blip r:embed="rId2">
+            <a:extLst>
+              <a:ext uri="{28A0092B-C50C-407E-A947-70E740481C1C}">
+                <a14:useLocalDpi xmlns:a14="http://schemas.microsoft.com/office/drawing/2010/main" val="0"/>
+              </a:ext>
+            </a:extLst>
+          </a:blip>
+          <a:srcRect t="27105" b="27105"/>
+          <a:stretch>
+            <a:fillRect/>
+          </a:stretch>
+        </p:blipFill>
+        <p:spPr>
+          <a:xfrm>
+            <a:off x="165099" y="1417638"/>
+            <a:ext cx="8876189" cy="4881562"/>
+          </a:xfrm>
+          <a:prstGeom prst="rect">
+            <a:avLst/>
+          </a:prstGeom>
+        </p:spPr>
+      </p:pic>
+    </p:spTree>
+    <p:extLst>
+      <p:ext uri="{BB962C8B-B14F-4D97-AF65-F5344CB8AC3E}">
+        <p14:creationId xmlns:p14="http://schemas.microsoft.com/office/powerpoint/2010/main" val="1927676121"/>
+      </p:ext>
+    </p:extLst>
+  </p:cSld>
+  <p:clrMapOvr>
+    <a:masterClrMapping/>
+  </p:clrMapOvr>
+</p:sld>
+</file>
+
+<file path=ppt/slides/slide7.xml><?xml version="1.0" encoding="utf-8"?>
+<p:sld xmlns:a="http://schemas.openxmlformats.org/drawingml/2006/main" xmlns:r="http://schemas.openxmlformats.org/officeDocument/2006/relationships" xmlns:p="http://schemas.openxmlformats.org/presentationml/2006/main">
+  <p:cSld>
+    <p:spTree>
+      <p:nvGrpSpPr>
+        <p:cNvPr id="1" name=""/>
+        <p:cNvGrpSpPr/>
+        <p:nvPr/>
+      </p:nvGrpSpPr>
+      <p:grpSpPr>
+        <a:xfrm>
+          <a:off x="0" y="0"/>
+          <a:ext cx="0" cy="0"/>
+          <a:chOff x="0" y="0"/>
+          <a:chExt cx="0" cy="0"/>
+        </a:xfrm>
+      </p:grpSpPr>
+      <p:sp>
+        <p:nvSpPr>
+          <p:cNvPr id="2" name="Title 1"/>
+          <p:cNvSpPr>
+            <a:spLocks noGrp="1"/>
+          </p:cNvSpPr>
+          <p:nvPr>
+            <p:ph type="title"/>
+          </p:nvPr>
+        </p:nvSpPr>
+        <p:spPr/>
+        <p:txBody>
+          <a:bodyPr/>
+          <a:lstStyle/>
+          <a:p>
+            <a:r>
+              <a:rPr lang="en-US" dirty="0" smtClean="0"/>
               <a:t>Algorithms?</a:t>
             </a:r>
             <a:endParaRPr lang="en-US" dirty="0"/>
@@ -3543,7 +3696,7 @@
       </p:sp>
       <p:sp>
         <p:nvSpPr>
-          <p:cNvPr id="3" name="Content Placeholder 2"/>
+          <p:cNvPr id="5" name="Content Placeholder 4"/>
           <p:cNvSpPr>
             <a:spLocks noGrp="1"/>
           </p:cNvSpPr>

--- a/Presentatie chips and circuits.pptx
+++ b/Presentatie chips and circuits.pptx
@@ -9,9 +9,8 @@
     <p:sldId id="257" r:id="rId3"/>
     <p:sldId id="258" r:id="rId4"/>
     <p:sldId id="262" r:id="rId5"/>
-    <p:sldId id="259" r:id="rId6"/>
-    <p:sldId id="260" r:id="rId7"/>
-    <p:sldId id="261" r:id="rId8"/>
+    <p:sldId id="260" r:id="rId6"/>
+    <p:sldId id="261" r:id="rId7"/>
   </p:sldIdLst>
   <p:sldSz cx="9144000" cy="6858000" type="screen4x3"/>
   <p:notesSz cx="6858000" cy="9144000"/>
@@ -294,7 +293,7 @@
           <a:p>
             <a:fld id="{4671B44B-FB70-E747-B8B6-ADB8F11B392A}" type="datetimeFigureOut">
               <a:rPr lang="en-US" smtClean="0"/>
-              <a:t>11-11-14</a:t>
+              <a:t>17-11-14</a:t>
             </a:fld>
             <a:endParaRPr lang="en-US"/>
           </a:p>
@@ -464,7 +463,7 @@
           <a:p>
             <a:fld id="{4671B44B-FB70-E747-B8B6-ADB8F11B392A}" type="datetimeFigureOut">
               <a:rPr lang="en-US" smtClean="0"/>
-              <a:t>11-11-14</a:t>
+              <a:t>17-11-14</a:t>
             </a:fld>
             <a:endParaRPr lang="en-US"/>
           </a:p>
@@ -644,7 +643,7 @@
           <a:p>
             <a:fld id="{4671B44B-FB70-E747-B8B6-ADB8F11B392A}" type="datetimeFigureOut">
               <a:rPr lang="en-US" smtClean="0"/>
-              <a:t>11-11-14</a:t>
+              <a:t>17-11-14</a:t>
             </a:fld>
             <a:endParaRPr lang="en-US"/>
           </a:p>
@@ -814,7 +813,7 @@
           <a:p>
             <a:fld id="{4671B44B-FB70-E747-B8B6-ADB8F11B392A}" type="datetimeFigureOut">
               <a:rPr lang="en-US" smtClean="0"/>
-              <a:t>11-11-14</a:t>
+              <a:t>17-11-14</a:t>
             </a:fld>
             <a:endParaRPr lang="en-US"/>
           </a:p>
@@ -1060,7 +1059,7 @@
           <a:p>
             <a:fld id="{4671B44B-FB70-E747-B8B6-ADB8F11B392A}" type="datetimeFigureOut">
               <a:rPr lang="en-US" smtClean="0"/>
-              <a:t>11-11-14</a:t>
+              <a:t>17-11-14</a:t>
             </a:fld>
             <a:endParaRPr lang="en-US"/>
           </a:p>
@@ -1348,7 +1347,7 @@
           <a:p>
             <a:fld id="{4671B44B-FB70-E747-B8B6-ADB8F11B392A}" type="datetimeFigureOut">
               <a:rPr lang="en-US" smtClean="0"/>
-              <a:t>11-11-14</a:t>
+              <a:t>17-11-14</a:t>
             </a:fld>
             <a:endParaRPr lang="en-US"/>
           </a:p>
@@ -1770,7 +1769,7 @@
           <a:p>
             <a:fld id="{4671B44B-FB70-E747-B8B6-ADB8F11B392A}" type="datetimeFigureOut">
               <a:rPr lang="en-US" smtClean="0"/>
-              <a:t>11-11-14</a:t>
+              <a:t>17-11-14</a:t>
             </a:fld>
             <a:endParaRPr lang="en-US"/>
           </a:p>
@@ -1888,7 +1887,7 @@
           <a:p>
             <a:fld id="{4671B44B-FB70-E747-B8B6-ADB8F11B392A}" type="datetimeFigureOut">
               <a:rPr lang="en-US" smtClean="0"/>
-              <a:t>11-11-14</a:t>
+              <a:t>17-11-14</a:t>
             </a:fld>
             <a:endParaRPr lang="en-US"/>
           </a:p>
@@ -1983,7 +1982,7 @@
           <a:p>
             <a:fld id="{4671B44B-FB70-E747-B8B6-ADB8F11B392A}" type="datetimeFigureOut">
               <a:rPr lang="en-US" smtClean="0"/>
-              <a:t>11-11-14</a:t>
+              <a:t>17-11-14</a:t>
             </a:fld>
             <a:endParaRPr lang="en-US"/>
           </a:p>
@@ -2260,7 +2259,7 @@
           <a:p>
             <a:fld id="{4671B44B-FB70-E747-B8B6-ADB8F11B392A}" type="datetimeFigureOut">
               <a:rPr lang="en-US" smtClean="0"/>
-              <a:t>11-11-14</a:t>
+              <a:t>17-11-14</a:t>
             </a:fld>
             <a:endParaRPr lang="en-US"/>
           </a:p>
@@ -2513,7 +2512,7 @@
           <a:p>
             <a:fld id="{4671B44B-FB70-E747-B8B6-ADB8F11B392A}" type="datetimeFigureOut">
               <a:rPr lang="en-US" smtClean="0"/>
-              <a:t>11-11-14</a:t>
+              <a:t>17-11-14</a:t>
             </a:fld>
             <a:endParaRPr lang="en-US"/>
           </a:p>
@@ -2726,7 +2725,7 @@
           <a:p>
             <a:fld id="{4671B44B-FB70-E747-B8B6-ADB8F11B392A}" type="datetimeFigureOut">
               <a:rPr lang="en-US" smtClean="0"/>
-              <a:t>11-11-14</a:t>
+              <a:t>17-11-14</a:t>
             </a:fld>
             <a:endParaRPr lang="en-US"/>
           </a:p>
@@ -3319,38 +3318,75 @@
           <a:lstStyle/>
           <a:p>
             <a:r>
+              <a:rPr lang="en-US" dirty="0"/>
+              <a:t>G</a:t>
+            </a:r>
+            <a:r>
               <a:rPr lang="en-US" dirty="0" smtClean="0"/>
-              <a:t>Matrix</a:t>
+              <a:t>rid</a:t>
             </a:r>
             <a:endParaRPr lang="en-US" dirty="0"/>
           </a:p>
         </p:txBody>
       </p:sp>
-      <p:pic>
-        <p:nvPicPr>
-          <p:cNvPr id="4" name="Content Placeholder 3" descr="Schermafbeelding 2014-11-11 om 14.10.33.png"/>
-          <p:cNvPicPr>
-            <a:picLocks noGrp="1" noChangeAspect="1"/>
-          </p:cNvPicPr>
+      <p:sp>
+        <p:nvSpPr>
+          <p:cNvPr id="3" name="Content Placeholder 2"/>
+          <p:cNvSpPr>
+            <a:spLocks noGrp="1"/>
+          </p:cNvSpPr>
           <p:nvPr>
             <p:ph idx="1"/>
           </p:nvPr>
-        </p:nvPicPr>
-        <p:blipFill>
-          <a:blip r:embed="rId2">
-            <a:extLst>
-              <a:ext uri="{28A0092B-C50C-407E-A947-70E740481C1C}">
-                <a14:useLocalDpi xmlns:a14="http://schemas.microsoft.com/office/drawing/2010/main" val="0"/>
-              </a:ext>
-            </a:extLst>
-          </a:blip>
-          <a:srcRect t="18950" b="18950"/>
-          <a:stretch>
-            <a:fillRect/>
-          </a:stretch>
-        </p:blipFill>
-        <p:spPr/>
-      </p:pic>
+        </p:nvSpPr>
+        <p:spPr/>
+        <p:txBody>
+          <a:bodyPr/>
+          <a:lstStyle/>
+          <a:p>
+            <a:r>
+              <a:rPr lang="en-US" dirty="0" smtClean="0"/>
+              <a:t>Class Matrix</a:t>
+            </a:r>
+          </a:p>
+          <a:p>
+            <a:pPr lvl="1"/>
+            <a:r>
+              <a:rPr lang="en-US" dirty="0" smtClean="0"/>
+              <a:t>List in lists</a:t>
+            </a:r>
+          </a:p>
+          <a:p>
+            <a:pPr lvl="1"/>
+            <a:endParaRPr lang="en-US" dirty="0"/>
+          </a:p>
+          <a:p>
+            <a:pPr lvl="1"/>
+            <a:r>
+              <a:rPr lang="en-US" dirty="0" smtClean="0"/>
+              <a:t>Default with zeros</a:t>
+            </a:r>
+          </a:p>
+          <a:p>
+            <a:pPr lvl="1"/>
+            <a:r>
+              <a:rPr lang="en-US" dirty="0" smtClean="0"/>
+              <a:t>Logical gates represented with -1</a:t>
+            </a:r>
+          </a:p>
+          <a:p>
+            <a:pPr lvl="1"/>
+            <a:r>
+              <a:rPr lang="en-US" dirty="0" smtClean="0"/>
+              <a:t>Routes represented by their number (e.g. 32)</a:t>
+            </a:r>
+            <a:endParaRPr lang="en-US" dirty="0"/>
+          </a:p>
+          <a:p>
+            <a:endParaRPr lang="en-US" dirty="0" smtClean="0"/>
+          </a:p>
+        </p:txBody>
+      </p:sp>
     </p:spTree>
     <p:extLst>
       <p:ext uri="{BB962C8B-B14F-4D97-AF65-F5344CB8AC3E}">
@@ -3404,62 +3440,57 @@
           </a:p>
         </p:txBody>
       </p:sp>
-      <p:pic>
-        <p:nvPicPr>
-          <p:cNvPr id="6" name="Content Placeholder 5" descr="Schermafbeelding 2014-11-11 om 14.21.10.png"/>
-          <p:cNvPicPr>
-            <a:picLocks noGrp="1" noChangeAspect="1"/>
-          </p:cNvPicPr>
+      <p:sp>
+        <p:nvSpPr>
+          <p:cNvPr id="3" name="Content Placeholder 2"/>
+          <p:cNvSpPr>
+            <a:spLocks noGrp="1"/>
+          </p:cNvSpPr>
           <p:nvPr>
             <p:ph idx="1"/>
           </p:nvPr>
-        </p:nvPicPr>
-        <p:blipFill>
-          <a:blip r:embed="rId2">
-            <a:extLst>
-              <a:ext uri="{28A0092B-C50C-407E-A947-70E740481C1C}">
-                <a14:useLocalDpi xmlns:a14="http://schemas.microsoft.com/office/drawing/2010/main" val="0"/>
-              </a:ext>
-            </a:extLst>
-          </a:blip>
-          <a:srcRect t="19733" b="19733"/>
-          <a:stretch>
-            <a:fillRect/>
-          </a:stretch>
-        </p:blipFill>
-        <p:spPr/>
-      </p:pic>
-      <p:pic>
-        <p:nvPicPr>
-          <p:cNvPr id="7" name="Content Placeholder 3" descr="Schermafbeelding 2014-11-11 om 14.22.14.png"/>
-          <p:cNvPicPr>
-            <a:picLocks noChangeAspect="1"/>
-          </p:cNvPicPr>
-          <p:nvPr/>
-        </p:nvPicPr>
-        <p:blipFill>
-          <a:blip r:embed="rId3">
-            <a:extLst>
-              <a:ext uri="{28A0092B-C50C-407E-A947-70E740481C1C}">
-                <a14:useLocalDpi xmlns:a14="http://schemas.microsoft.com/office/drawing/2010/main" val="0"/>
-              </a:ext>
-            </a:extLst>
-          </a:blip>
-          <a:srcRect t="25189" b="25189"/>
-          <a:stretch>
-            <a:fillRect/>
-          </a:stretch>
-        </p:blipFill>
-        <p:spPr>
-          <a:xfrm>
-            <a:off x="457200" y="1600200"/>
-            <a:ext cx="8229600" cy="4525963"/>
-          </a:xfrm>
-          <a:prstGeom prst="rect">
-            <a:avLst/>
-          </a:prstGeom>
-        </p:spPr>
-      </p:pic>
+        </p:nvSpPr>
+        <p:spPr/>
+        <p:txBody>
+          <a:bodyPr/>
+          <a:lstStyle/>
+          <a:p>
+            <a:r>
+              <a:rPr lang="en-US" dirty="0" smtClean="0"/>
+              <a:t>Class Routes</a:t>
+            </a:r>
+          </a:p>
+          <a:p>
+            <a:pPr lvl="1"/>
+            <a:r>
+              <a:rPr lang="en-US" dirty="0" smtClean="0"/>
+              <a:t>Start and finish coordinate</a:t>
+            </a:r>
+          </a:p>
+          <a:p>
+            <a:pPr lvl="1"/>
+            <a:r>
+              <a:rPr lang="en-US" dirty="0" smtClean="0"/>
+              <a:t>Go left, right, up or down</a:t>
+            </a:r>
+          </a:p>
+          <a:p>
+            <a:pPr lvl="1"/>
+            <a:endParaRPr lang="en-US" dirty="0"/>
+          </a:p>
+          <a:p>
+            <a:pPr lvl="1"/>
+            <a:r>
+              <a:rPr lang="en-US" dirty="0" smtClean="0"/>
+              <a:t>If step collides with gate try another step</a:t>
+            </a:r>
+          </a:p>
+          <a:p>
+            <a:pPr lvl="1"/>
+            <a:endParaRPr lang="en-US" dirty="0"/>
+          </a:p>
+        </p:txBody>
+      </p:sp>
     </p:spTree>
     <p:extLst>
       <p:ext uri="{BB962C8B-B14F-4D97-AF65-F5344CB8AC3E}">
@@ -3507,41 +3538,42 @@
           <a:p>
             <a:r>
               <a:rPr lang="en-US" dirty="0" smtClean="0"/>
-              <a:t>Routes</a:t>
+              <a:t>Layers</a:t>
             </a:r>
             <a:endParaRPr lang="en-US" dirty="0"/>
           </a:p>
         </p:txBody>
       </p:sp>
-      <p:pic>
-        <p:nvPicPr>
-          <p:cNvPr id="6" name="Content Placeholder 5" descr="Schermafbeelding 2014-11-11 om 14.21.10.png"/>
-          <p:cNvPicPr>
-            <a:picLocks noGrp="1" noChangeAspect="1"/>
-          </p:cNvPicPr>
+      <p:sp>
+        <p:nvSpPr>
+          <p:cNvPr id="3" name="Content Placeholder 2"/>
+          <p:cNvSpPr>
+            <a:spLocks noGrp="1"/>
+          </p:cNvSpPr>
           <p:nvPr>
             <p:ph idx="1"/>
           </p:nvPr>
-        </p:nvPicPr>
-        <p:blipFill>
-          <a:blip r:embed="rId2">
-            <a:extLst>
-              <a:ext uri="{28A0092B-C50C-407E-A947-70E740481C1C}">
-                <a14:useLocalDpi xmlns:a14="http://schemas.microsoft.com/office/drawing/2010/main" val="0"/>
-              </a:ext>
-            </a:extLst>
-          </a:blip>
-          <a:srcRect t="19733" b="19733"/>
-          <a:stretch>
-            <a:fillRect/>
-          </a:stretch>
-        </p:blipFill>
-        <p:spPr/>
-      </p:pic>
+        </p:nvSpPr>
+        <p:spPr/>
+        <p:txBody>
+          <a:bodyPr/>
+          <a:lstStyle/>
+          <a:p>
+            <a:r>
+              <a:rPr lang="en-US" dirty="0" smtClean="0"/>
+              <a:t>Class Layers</a:t>
+            </a:r>
+          </a:p>
+          <a:p>
+            <a:pPr lvl="1"/>
+            <a:endParaRPr lang="en-US" dirty="0"/>
+          </a:p>
+        </p:txBody>
+      </p:sp>
     </p:spTree>
     <p:extLst>
       <p:ext uri="{BB962C8B-B14F-4D97-AF65-F5344CB8AC3E}">
-        <p14:creationId xmlns:p14="http://schemas.microsoft.com/office/powerpoint/2010/main" val="3920283164"/>
+        <p14:creationId xmlns:p14="http://schemas.microsoft.com/office/powerpoint/2010/main" val="1927676121"/>
       </p:ext>
     </p:extLst>
   </p:cSld>
@@ -3585,7 +3617,7 @@
           <a:p>
             <a:r>
               <a:rPr lang="en-US" dirty="0" smtClean="0"/>
-              <a:t>Layers</a:t>
+              <a:t>Algorithms?</a:t>
             </a:r>
             <a:endParaRPr lang="en-US" dirty="0"/>
           </a:p>
@@ -3593,7 +3625,7 @@
       </p:sp>
       <p:sp>
         <p:nvSpPr>
-          <p:cNvPr id="3" name="Content Placeholder 2"/>
+          <p:cNvPr id="5" name="Content Placeholder 4"/>
           <p:cNvSpPr>
             <a:spLocks noGrp="1"/>
           </p:cNvSpPr>
@@ -3603,113 +3635,51 @@
         </p:nvSpPr>
         <p:spPr/>
         <p:txBody>
-          <a:bodyPr/>
-          <a:lstStyle/>
-          <a:p>
-            <a:endParaRPr lang="en-US"/>
-          </a:p>
-        </p:txBody>
-      </p:sp>
-      <p:pic>
-        <p:nvPicPr>
-          <p:cNvPr id="4" name="Content Placeholder 3" descr="Schermafbeelding 2014-11-11 om 14.20.43.png"/>
-          <p:cNvPicPr>
-            <a:picLocks noChangeAspect="1"/>
-          </p:cNvPicPr>
-          <p:nvPr/>
-        </p:nvPicPr>
-        <p:blipFill>
-          <a:blip r:embed="rId2">
-            <a:extLst>
-              <a:ext uri="{28A0092B-C50C-407E-A947-70E740481C1C}">
-                <a14:useLocalDpi xmlns:a14="http://schemas.microsoft.com/office/drawing/2010/main" val="0"/>
-              </a:ext>
-            </a:extLst>
-          </a:blip>
-          <a:srcRect t="27105" b="27105"/>
-          <a:stretch>
-            <a:fillRect/>
-          </a:stretch>
-        </p:blipFill>
-        <p:spPr>
-          <a:xfrm>
-            <a:off x="165099" y="1417638"/>
-            <a:ext cx="8876189" cy="4881562"/>
-          </a:xfrm>
-          <a:prstGeom prst="rect">
-            <a:avLst/>
-          </a:prstGeom>
-        </p:spPr>
-      </p:pic>
-    </p:spTree>
-    <p:extLst>
-      <p:ext uri="{BB962C8B-B14F-4D97-AF65-F5344CB8AC3E}">
-        <p14:creationId xmlns:p14="http://schemas.microsoft.com/office/powerpoint/2010/main" val="1927676121"/>
-      </p:ext>
-    </p:extLst>
-  </p:cSld>
-  <p:clrMapOvr>
-    <a:masterClrMapping/>
-  </p:clrMapOvr>
-</p:sld>
-</file>
-
-<file path=ppt/slides/slide7.xml><?xml version="1.0" encoding="utf-8"?>
-<p:sld xmlns:a="http://schemas.openxmlformats.org/drawingml/2006/main" xmlns:r="http://schemas.openxmlformats.org/officeDocument/2006/relationships" xmlns:p="http://schemas.openxmlformats.org/presentationml/2006/main">
-  <p:cSld>
-    <p:spTree>
-      <p:nvGrpSpPr>
-        <p:cNvPr id="1" name=""/>
-        <p:cNvGrpSpPr/>
-        <p:nvPr/>
-      </p:nvGrpSpPr>
-      <p:grpSpPr>
-        <a:xfrm>
-          <a:off x="0" y="0"/>
-          <a:ext cx="0" cy="0"/>
-          <a:chOff x="0" y="0"/>
-          <a:chExt cx="0" cy="0"/>
-        </a:xfrm>
-      </p:grpSpPr>
-      <p:sp>
-        <p:nvSpPr>
-          <p:cNvPr id="2" name="Title 1"/>
-          <p:cNvSpPr>
-            <a:spLocks noGrp="1"/>
-          </p:cNvSpPr>
-          <p:nvPr>
-            <p:ph type="title"/>
-          </p:nvPr>
-        </p:nvSpPr>
-        <p:spPr/>
-        <p:txBody>
-          <a:bodyPr/>
+          <a:bodyPr>
+            <a:normAutofit lnSpcReduction="10000"/>
+          </a:bodyPr>
           <a:lstStyle/>
           <a:p>
             <a:r>
               <a:rPr lang="en-US" dirty="0" smtClean="0"/>
-              <a:t>Algorithms?</a:t>
-            </a:r>
+              <a:t>If route crosses another move it down a layer</a:t>
+            </a:r>
+          </a:p>
+          <a:p>
+            <a:pPr lvl="1"/>
+            <a:r>
+              <a:rPr lang="en-US" dirty="0" smtClean="0"/>
+              <a:t>(best about 13 layers)</a:t>
+            </a:r>
+          </a:p>
+          <a:p>
+            <a:pPr lvl="1"/>
             <a:endParaRPr lang="en-US" dirty="0"/>
           </a:p>
-        </p:txBody>
-      </p:sp>
-      <p:sp>
-        <p:nvSpPr>
-          <p:cNvPr id="5" name="Content Placeholder 4"/>
-          <p:cNvSpPr>
-            <a:spLocks noGrp="1"/>
-          </p:cNvSpPr>
-          <p:nvPr>
-            <p:ph idx="1"/>
-          </p:nvPr>
-        </p:nvSpPr>
-        <p:spPr/>
-        <p:txBody>
-          <a:bodyPr/>
-          <a:lstStyle/>
-          <a:p>
-            <a:endParaRPr lang="en-US"/>
+          <a:p>
+            <a:r>
+              <a:rPr lang="en-US" dirty="0" smtClean="0"/>
+              <a:t>Move down at the cross</a:t>
+            </a:r>
+          </a:p>
+          <a:p>
+            <a:endParaRPr lang="en-US" dirty="0" smtClean="0"/>
+          </a:p>
+          <a:p>
+            <a:r>
+              <a:rPr lang="en-US" dirty="0" smtClean="0"/>
+              <a:t>Move the lines down in quadrants</a:t>
+            </a:r>
+          </a:p>
+          <a:p>
+            <a:endParaRPr lang="en-US" dirty="0"/>
+          </a:p>
+          <a:p>
+            <a:r>
+              <a:rPr lang="en-US" dirty="0" smtClean="0"/>
+              <a:t>More ideas?</a:t>
+            </a:r>
+            <a:endParaRPr lang="en-US" dirty="0" smtClean="0"/>
           </a:p>
         </p:txBody>
       </p:sp>

--- a/Presentatie chips and circuits.pptx
+++ b/Presentatie chips and circuits.pptx
@@ -7,10 +7,12 @@
   <p:sldIdLst>
     <p:sldId id="256" r:id="rId2"/>
     <p:sldId id="257" r:id="rId3"/>
-    <p:sldId id="258" r:id="rId4"/>
-    <p:sldId id="262" r:id="rId5"/>
-    <p:sldId id="260" r:id="rId6"/>
-    <p:sldId id="261" r:id="rId7"/>
+    <p:sldId id="265" r:id="rId4"/>
+    <p:sldId id="258" r:id="rId5"/>
+    <p:sldId id="264" r:id="rId6"/>
+    <p:sldId id="262" r:id="rId7"/>
+    <p:sldId id="260" r:id="rId8"/>
+    <p:sldId id="261" r:id="rId9"/>
   </p:sldIdLst>
   <p:sldSz cx="9144000" cy="6858000" type="screen4x3"/>
   <p:notesSz cx="6858000" cy="9144000"/>
@@ -293,7 +295,7 @@
           <a:p>
             <a:fld id="{4671B44B-FB70-E747-B8B6-ADB8F11B392A}" type="datetimeFigureOut">
               <a:rPr lang="en-US" smtClean="0"/>
-              <a:t>17-11-14</a:t>
+              <a:t>18-11-14</a:t>
             </a:fld>
             <a:endParaRPr lang="en-US"/>
           </a:p>
@@ -463,7 +465,7 @@
           <a:p>
             <a:fld id="{4671B44B-FB70-E747-B8B6-ADB8F11B392A}" type="datetimeFigureOut">
               <a:rPr lang="en-US" smtClean="0"/>
-              <a:t>17-11-14</a:t>
+              <a:t>18-11-14</a:t>
             </a:fld>
             <a:endParaRPr lang="en-US"/>
           </a:p>
@@ -643,7 +645,7 @@
           <a:p>
             <a:fld id="{4671B44B-FB70-E747-B8B6-ADB8F11B392A}" type="datetimeFigureOut">
               <a:rPr lang="en-US" smtClean="0"/>
-              <a:t>17-11-14</a:t>
+              <a:t>18-11-14</a:t>
             </a:fld>
             <a:endParaRPr lang="en-US"/>
           </a:p>
@@ -813,7 +815,7 @@
           <a:p>
             <a:fld id="{4671B44B-FB70-E747-B8B6-ADB8F11B392A}" type="datetimeFigureOut">
               <a:rPr lang="en-US" smtClean="0"/>
-              <a:t>17-11-14</a:t>
+              <a:t>18-11-14</a:t>
             </a:fld>
             <a:endParaRPr lang="en-US"/>
           </a:p>
@@ -1059,7 +1061,7 @@
           <a:p>
             <a:fld id="{4671B44B-FB70-E747-B8B6-ADB8F11B392A}" type="datetimeFigureOut">
               <a:rPr lang="en-US" smtClean="0"/>
-              <a:t>17-11-14</a:t>
+              <a:t>18-11-14</a:t>
             </a:fld>
             <a:endParaRPr lang="en-US"/>
           </a:p>
@@ -1347,7 +1349,7 @@
           <a:p>
             <a:fld id="{4671B44B-FB70-E747-B8B6-ADB8F11B392A}" type="datetimeFigureOut">
               <a:rPr lang="en-US" smtClean="0"/>
-              <a:t>17-11-14</a:t>
+              <a:t>18-11-14</a:t>
             </a:fld>
             <a:endParaRPr lang="en-US"/>
           </a:p>
@@ -1769,7 +1771,7 @@
           <a:p>
             <a:fld id="{4671B44B-FB70-E747-B8B6-ADB8F11B392A}" type="datetimeFigureOut">
               <a:rPr lang="en-US" smtClean="0"/>
-              <a:t>17-11-14</a:t>
+              <a:t>18-11-14</a:t>
             </a:fld>
             <a:endParaRPr lang="en-US"/>
           </a:p>
@@ -1887,7 +1889,7 @@
           <a:p>
             <a:fld id="{4671B44B-FB70-E747-B8B6-ADB8F11B392A}" type="datetimeFigureOut">
               <a:rPr lang="en-US" smtClean="0"/>
-              <a:t>17-11-14</a:t>
+              <a:t>18-11-14</a:t>
             </a:fld>
             <a:endParaRPr lang="en-US"/>
           </a:p>
@@ -1982,7 +1984,7 @@
           <a:p>
             <a:fld id="{4671B44B-FB70-E747-B8B6-ADB8F11B392A}" type="datetimeFigureOut">
               <a:rPr lang="en-US" smtClean="0"/>
-              <a:t>17-11-14</a:t>
+              <a:t>18-11-14</a:t>
             </a:fld>
             <a:endParaRPr lang="en-US"/>
           </a:p>
@@ -2259,7 +2261,7 @@
           <a:p>
             <a:fld id="{4671B44B-FB70-E747-B8B6-ADB8F11B392A}" type="datetimeFigureOut">
               <a:rPr lang="en-US" smtClean="0"/>
-              <a:t>17-11-14</a:t>
+              <a:t>18-11-14</a:t>
             </a:fld>
             <a:endParaRPr lang="en-US"/>
           </a:p>
@@ -2512,7 +2514,7 @@
           <a:p>
             <a:fld id="{4671B44B-FB70-E747-B8B6-ADB8F11B392A}" type="datetimeFigureOut">
               <a:rPr lang="en-US" smtClean="0"/>
-              <a:t>17-11-14</a:t>
+              <a:t>18-11-14</a:t>
             </a:fld>
             <a:endParaRPr lang="en-US"/>
           </a:p>
@@ -2725,7 +2727,7 @@
           <a:p>
             <a:fld id="{4671B44B-FB70-E747-B8B6-ADB8F11B392A}" type="datetimeFigureOut">
               <a:rPr lang="en-US" smtClean="0"/>
-              <a:t>17-11-14</a:t>
+              <a:t>18-11-14</a:t>
             </a:fld>
             <a:endParaRPr lang="en-US"/>
           </a:p>
@@ -3243,30 +3245,81 @@
         </p:nvSpPr>
         <p:spPr/>
         <p:txBody>
-          <a:bodyPr/>
-          <a:lstStyle/>
-          <a:p>
-            <a:r>
-              <a:rPr lang="en-US" dirty="0" smtClean="0"/>
-              <a:t>Morris’ law</a:t>
-            </a:r>
-          </a:p>
-          <a:p>
-            <a:r>
-              <a:rPr lang="en-US" dirty="0" smtClean="0"/>
-              <a:t>Create routes</a:t>
-            </a:r>
-          </a:p>
-          <a:p>
-            <a:r>
-              <a:rPr lang="en-US" dirty="0" smtClean="0"/>
-              <a:t>Optimal routes</a:t>
-            </a:r>
-          </a:p>
-          <a:p>
-            <a:r>
-              <a:rPr lang="en-US" dirty="0" smtClean="0"/>
-              <a:t>visualization</a:t>
+          <a:bodyPr>
+            <a:normAutofit fontScale="92500" lnSpcReduction="20000"/>
+          </a:bodyPr>
+          <a:lstStyle/>
+          <a:p>
+            <a:r>
+              <a:rPr lang="en-US" dirty="0" smtClean="0"/>
+              <a:t>Moore’s law</a:t>
+            </a:r>
+          </a:p>
+          <a:p>
+            <a:pPr lvl="1"/>
+            <a:r>
+              <a:rPr lang="en-US" dirty="0" smtClean="0"/>
+              <a:t>Double amount of transistors every 18 months</a:t>
+            </a:r>
+          </a:p>
+          <a:p>
+            <a:pPr lvl="1"/>
+            <a:endParaRPr lang="en-US" dirty="0" smtClean="0"/>
+          </a:p>
+          <a:p>
+            <a:r>
+              <a:rPr lang="en-US" dirty="0" smtClean="0"/>
+              <a:t>Create </a:t>
+            </a:r>
+            <a:r>
+              <a:rPr lang="en-US" dirty="0" smtClean="0"/>
+              <a:t>routes/layers</a:t>
+            </a:r>
+          </a:p>
+          <a:p>
+            <a:pPr lvl="1"/>
+            <a:r>
+              <a:rPr lang="en-US" dirty="0" smtClean="0"/>
+              <a:t>Least amount of layers desirable (max 8)</a:t>
+            </a:r>
+          </a:p>
+          <a:p>
+            <a:pPr lvl="1"/>
+            <a:endParaRPr lang="en-US" dirty="0" smtClean="0"/>
+          </a:p>
+          <a:p>
+            <a:r>
+              <a:rPr lang="en-US" dirty="0" smtClean="0"/>
+              <a:t>Optimal </a:t>
+            </a:r>
+            <a:r>
+              <a:rPr lang="en-US" dirty="0" smtClean="0"/>
+              <a:t>routes</a:t>
+            </a:r>
+          </a:p>
+          <a:p>
+            <a:pPr lvl="1"/>
+            <a:r>
+              <a:rPr lang="en-US" dirty="0"/>
+              <a:t>Shortest route </a:t>
+            </a:r>
+            <a:r>
+              <a:rPr lang="en-US" dirty="0" smtClean="0"/>
+              <a:t>desirable</a:t>
+            </a:r>
+          </a:p>
+          <a:p>
+            <a:pPr lvl="1"/>
+            <a:endParaRPr lang="en-US" dirty="0" smtClean="0"/>
+          </a:p>
+          <a:p>
+            <a:r>
+              <a:rPr lang="en-US" dirty="0"/>
+              <a:t>V</a:t>
+            </a:r>
+            <a:r>
+              <a:rPr lang="en-US" dirty="0" smtClean="0"/>
+              <a:t>isualization</a:t>
             </a:r>
             <a:endParaRPr lang="en-US" dirty="0"/>
           </a:p>
@@ -3318,12 +3371,8 @@
           <a:lstStyle/>
           <a:p>
             <a:r>
-              <a:rPr lang="en-US" dirty="0"/>
-              <a:t>G</a:t>
-            </a:r>
-            <a:r>
-              <a:rPr lang="en-US" dirty="0" smtClean="0"/>
-              <a:t>rid</a:t>
+              <a:rPr lang="en-US" dirty="0" smtClean="0"/>
+              <a:t>Problem</a:t>
             </a:r>
             <a:endParaRPr lang="en-US" dirty="0"/>
           </a:p>
@@ -3346,51 +3395,61 @@
           <a:p>
             <a:r>
               <a:rPr lang="en-US" dirty="0" smtClean="0"/>
-              <a:t>Class Matrix</a:t>
+              <a:t>Input:</a:t>
             </a:r>
           </a:p>
           <a:p>
             <a:pPr lvl="1"/>
             <a:r>
               <a:rPr lang="en-US" dirty="0" smtClean="0"/>
-              <a:t>List in lists</a:t>
+              <a:t>Dimensions of grid</a:t>
             </a:r>
           </a:p>
           <a:p>
             <a:pPr lvl="1"/>
+            <a:r>
+              <a:rPr lang="en-US" dirty="0" smtClean="0"/>
+              <a:t>Coordinates logical gates</a:t>
+            </a:r>
+          </a:p>
+          <a:p>
+            <a:pPr lvl="1"/>
+            <a:r>
+              <a:rPr lang="en-US" dirty="0" smtClean="0"/>
+              <a:t>Connections from A to B (routes)</a:t>
+            </a:r>
+          </a:p>
+          <a:p>
+            <a:pPr lvl="1"/>
+            <a:endParaRPr lang="en-US" dirty="0" smtClean="0"/>
+          </a:p>
+          <a:p>
+            <a:r>
+              <a:rPr lang="en-US" dirty="0" smtClean="0"/>
+              <a:t>Output:</a:t>
+            </a:r>
+          </a:p>
+          <a:p>
+            <a:pPr lvl="1"/>
+            <a:r>
+              <a:rPr lang="en-US" dirty="0" smtClean="0"/>
+              <a:t>Layers with routes</a:t>
+            </a:r>
+          </a:p>
+          <a:p>
+            <a:pPr lvl="1"/>
+            <a:r>
+              <a:rPr lang="en-US" dirty="0" smtClean="0"/>
+              <a:t>A visualization of these layers</a:t>
+            </a:r>
             <a:endParaRPr lang="en-US" dirty="0"/>
-          </a:p>
-          <a:p>
-            <a:pPr lvl="1"/>
-            <a:r>
-              <a:rPr lang="en-US" dirty="0" smtClean="0"/>
-              <a:t>Default with zeros</a:t>
-            </a:r>
-          </a:p>
-          <a:p>
-            <a:pPr lvl="1"/>
-            <a:r>
-              <a:rPr lang="en-US" dirty="0" smtClean="0"/>
-              <a:t>Logical gates represented with -1</a:t>
-            </a:r>
-          </a:p>
-          <a:p>
-            <a:pPr lvl="1"/>
-            <a:r>
-              <a:rPr lang="en-US" dirty="0" smtClean="0"/>
-              <a:t>Routes represented by their number (e.g. 32)</a:t>
-            </a:r>
-            <a:endParaRPr lang="en-US" dirty="0"/>
-          </a:p>
-          <a:p>
-            <a:endParaRPr lang="en-US" dirty="0" smtClean="0"/>
           </a:p>
         </p:txBody>
       </p:sp>
     </p:spTree>
     <p:extLst>
       <p:ext uri="{BB962C8B-B14F-4D97-AF65-F5344CB8AC3E}">
-        <p14:creationId xmlns:p14="http://schemas.microsoft.com/office/powerpoint/2010/main" val="851664202"/>
+        <p14:creationId xmlns:p14="http://schemas.microsoft.com/office/powerpoint/2010/main" val="3009193247"/>
       </p:ext>
     </p:extLst>
   </p:cSld>
@@ -3433,8 +3492,12 @@
           <a:lstStyle/>
           <a:p>
             <a:r>
-              <a:rPr lang="en-US" dirty="0" smtClean="0"/>
-              <a:t>Routes</a:t>
+              <a:rPr lang="en-US" dirty="0"/>
+              <a:t>G</a:t>
+            </a:r>
+            <a:r>
+              <a:rPr lang="en-US" dirty="0" smtClean="0"/>
+              <a:t>rid</a:t>
             </a:r>
             <a:endParaRPr lang="en-US" dirty="0"/>
           </a:p>
@@ -3457,21 +3520,14 @@
           <a:p>
             <a:r>
               <a:rPr lang="en-US" dirty="0" smtClean="0"/>
-              <a:t>Class Routes</a:t>
+              <a:t>Class Matrix</a:t>
             </a:r>
           </a:p>
           <a:p>
             <a:pPr lvl="1"/>
             <a:r>
               <a:rPr lang="en-US" dirty="0" smtClean="0"/>
-              <a:t>Start and finish coordinate</a:t>
-            </a:r>
-          </a:p>
-          <a:p>
-            <a:pPr lvl="1"/>
-            <a:r>
-              <a:rPr lang="en-US" dirty="0" smtClean="0"/>
-              <a:t>Go left, right, up or down</a:t>
+              <a:t>List in lists</a:t>
             </a:r>
           </a:p>
           <a:p>
@@ -3482,19 +3538,33 @@
             <a:pPr lvl="1"/>
             <a:r>
               <a:rPr lang="en-US" dirty="0" smtClean="0"/>
-              <a:t>If step collides with gate try another step</a:t>
+              <a:t>Default with zeros</a:t>
             </a:r>
           </a:p>
           <a:p>
             <a:pPr lvl="1"/>
+            <a:r>
+              <a:rPr lang="en-US" dirty="0" smtClean="0"/>
+              <a:t>Logical gates represented with -1</a:t>
+            </a:r>
+          </a:p>
+          <a:p>
+            <a:pPr lvl="1"/>
+            <a:r>
+              <a:rPr lang="en-US" dirty="0" smtClean="0"/>
+              <a:t>Routes represented by their number (e.g. 32)</a:t>
+            </a:r>
             <a:endParaRPr lang="en-US" dirty="0"/>
+          </a:p>
+          <a:p>
+            <a:endParaRPr lang="en-US" dirty="0" smtClean="0"/>
           </a:p>
         </p:txBody>
       </p:sp>
     </p:spTree>
     <p:extLst>
       <p:ext uri="{BB962C8B-B14F-4D97-AF65-F5344CB8AC3E}">
-        <p14:creationId xmlns:p14="http://schemas.microsoft.com/office/powerpoint/2010/main" val="2640160733"/>
+        <p14:creationId xmlns:p14="http://schemas.microsoft.com/office/powerpoint/2010/main" val="851664202"/>
       </p:ext>
     </p:extLst>
   </p:cSld>
@@ -3538,7 +3608,7 @@
           <a:p>
             <a:r>
               <a:rPr lang="en-US" dirty="0" smtClean="0"/>
-              <a:t>Layers</a:t>
+              <a:t>Visualization</a:t>
             </a:r>
             <a:endParaRPr lang="en-US" dirty="0"/>
           </a:p>
@@ -3559,21 +3629,14 @@
           <a:bodyPr/>
           <a:lstStyle/>
           <a:p>
-            <a:r>
-              <a:rPr lang="en-US" dirty="0" smtClean="0"/>
-              <a:t>Class Layers</a:t>
-            </a:r>
-          </a:p>
-          <a:p>
-            <a:pPr lvl="1"/>
-            <a:endParaRPr lang="en-US" dirty="0"/>
+            <a:endParaRPr lang="en-US"/>
           </a:p>
         </p:txBody>
       </p:sp>
     </p:spTree>
     <p:extLst>
       <p:ext uri="{BB962C8B-B14F-4D97-AF65-F5344CB8AC3E}">
-        <p14:creationId xmlns:p14="http://schemas.microsoft.com/office/powerpoint/2010/main" val="1927676121"/>
+        <p14:creationId xmlns:p14="http://schemas.microsoft.com/office/powerpoint/2010/main" val="2093800193"/>
       </p:ext>
     </p:extLst>
   </p:cSld>
@@ -3617,6 +3680,189 @@
           <a:p>
             <a:r>
               <a:rPr lang="en-US" dirty="0" smtClean="0"/>
+              <a:t>Routes</a:t>
+            </a:r>
+            <a:endParaRPr lang="en-US" dirty="0"/>
+          </a:p>
+        </p:txBody>
+      </p:sp>
+      <p:sp>
+        <p:nvSpPr>
+          <p:cNvPr id="3" name="Content Placeholder 2"/>
+          <p:cNvSpPr>
+            <a:spLocks noGrp="1"/>
+          </p:cNvSpPr>
+          <p:nvPr>
+            <p:ph idx="1"/>
+          </p:nvPr>
+        </p:nvSpPr>
+        <p:spPr/>
+        <p:txBody>
+          <a:bodyPr/>
+          <a:lstStyle/>
+          <a:p>
+            <a:r>
+              <a:rPr lang="en-US" dirty="0" smtClean="0"/>
+              <a:t>Class Routes</a:t>
+            </a:r>
+          </a:p>
+          <a:p>
+            <a:pPr lvl="1"/>
+            <a:r>
+              <a:rPr lang="en-US" dirty="0" smtClean="0"/>
+              <a:t>Start and finish coordinate</a:t>
+            </a:r>
+          </a:p>
+          <a:p>
+            <a:pPr lvl="1"/>
+            <a:r>
+              <a:rPr lang="en-US" dirty="0" smtClean="0"/>
+              <a:t>Go left, right, up or down</a:t>
+            </a:r>
+          </a:p>
+          <a:p>
+            <a:pPr lvl="1"/>
+            <a:endParaRPr lang="en-US" dirty="0"/>
+          </a:p>
+          <a:p>
+            <a:pPr lvl="1"/>
+            <a:r>
+              <a:rPr lang="en-US" dirty="0" smtClean="0"/>
+              <a:t>If step collides with gate try another step</a:t>
+            </a:r>
+          </a:p>
+          <a:p>
+            <a:pPr lvl="1"/>
+            <a:endParaRPr lang="en-US" dirty="0"/>
+          </a:p>
+        </p:txBody>
+      </p:sp>
+    </p:spTree>
+    <p:extLst>
+      <p:ext uri="{BB962C8B-B14F-4D97-AF65-F5344CB8AC3E}">
+        <p14:creationId xmlns:p14="http://schemas.microsoft.com/office/powerpoint/2010/main" val="2640160733"/>
+      </p:ext>
+    </p:extLst>
+  </p:cSld>
+  <p:clrMapOvr>
+    <a:masterClrMapping/>
+  </p:clrMapOvr>
+</p:sld>
+</file>
+
+<file path=ppt/slides/slide7.xml><?xml version="1.0" encoding="utf-8"?>
+<p:sld xmlns:a="http://schemas.openxmlformats.org/drawingml/2006/main" xmlns:r="http://schemas.openxmlformats.org/officeDocument/2006/relationships" xmlns:p="http://schemas.openxmlformats.org/presentationml/2006/main">
+  <p:cSld>
+    <p:spTree>
+      <p:nvGrpSpPr>
+        <p:cNvPr id="1" name=""/>
+        <p:cNvGrpSpPr/>
+        <p:nvPr/>
+      </p:nvGrpSpPr>
+      <p:grpSpPr>
+        <a:xfrm>
+          <a:off x="0" y="0"/>
+          <a:ext cx="0" cy="0"/>
+          <a:chOff x="0" y="0"/>
+          <a:chExt cx="0" cy="0"/>
+        </a:xfrm>
+      </p:grpSpPr>
+      <p:sp>
+        <p:nvSpPr>
+          <p:cNvPr id="2" name="Title 1"/>
+          <p:cNvSpPr>
+            <a:spLocks noGrp="1"/>
+          </p:cNvSpPr>
+          <p:nvPr>
+            <p:ph type="title"/>
+          </p:nvPr>
+        </p:nvSpPr>
+        <p:spPr/>
+        <p:txBody>
+          <a:bodyPr/>
+          <a:lstStyle/>
+          <a:p>
+            <a:r>
+              <a:rPr lang="en-US" dirty="0" smtClean="0"/>
+              <a:t>Layers</a:t>
+            </a:r>
+            <a:endParaRPr lang="en-US" dirty="0"/>
+          </a:p>
+        </p:txBody>
+      </p:sp>
+      <p:sp>
+        <p:nvSpPr>
+          <p:cNvPr id="3" name="Content Placeholder 2"/>
+          <p:cNvSpPr>
+            <a:spLocks noGrp="1"/>
+          </p:cNvSpPr>
+          <p:nvPr>
+            <p:ph idx="1"/>
+          </p:nvPr>
+        </p:nvSpPr>
+        <p:spPr/>
+        <p:txBody>
+          <a:bodyPr/>
+          <a:lstStyle/>
+          <a:p>
+            <a:r>
+              <a:rPr lang="en-US" dirty="0" smtClean="0"/>
+              <a:t>Class Layers</a:t>
+            </a:r>
+          </a:p>
+          <a:p>
+            <a:pPr lvl="1"/>
+            <a:endParaRPr lang="en-US" dirty="0"/>
+          </a:p>
+        </p:txBody>
+      </p:sp>
+    </p:spTree>
+    <p:extLst>
+      <p:ext uri="{BB962C8B-B14F-4D97-AF65-F5344CB8AC3E}">
+        <p14:creationId xmlns:p14="http://schemas.microsoft.com/office/powerpoint/2010/main" val="1927676121"/>
+      </p:ext>
+    </p:extLst>
+  </p:cSld>
+  <p:clrMapOvr>
+    <a:masterClrMapping/>
+  </p:clrMapOvr>
+</p:sld>
+</file>
+
+<file path=ppt/slides/slide8.xml><?xml version="1.0" encoding="utf-8"?>
+<p:sld xmlns:a="http://schemas.openxmlformats.org/drawingml/2006/main" xmlns:r="http://schemas.openxmlformats.org/officeDocument/2006/relationships" xmlns:p="http://schemas.openxmlformats.org/presentationml/2006/main">
+  <p:cSld>
+    <p:spTree>
+      <p:nvGrpSpPr>
+        <p:cNvPr id="1" name=""/>
+        <p:cNvGrpSpPr/>
+        <p:nvPr/>
+      </p:nvGrpSpPr>
+      <p:grpSpPr>
+        <a:xfrm>
+          <a:off x="0" y="0"/>
+          <a:ext cx="0" cy="0"/>
+          <a:chOff x="0" y="0"/>
+          <a:chExt cx="0" cy="0"/>
+        </a:xfrm>
+      </p:grpSpPr>
+      <p:sp>
+        <p:nvSpPr>
+          <p:cNvPr id="2" name="Title 1"/>
+          <p:cNvSpPr>
+            <a:spLocks noGrp="1"/>
+          </p:cNvSpPr>
+          <p:nvPr>
+            <p:ph type="title"/>
+          </p:nvPr>
+        </p:nvSpPr>
+        <p:spPr/>
+        <p:txBody>
+          <a:bodyPr/>
+          <a:lstStyle/>
+          <a:p>
+            <a:r>
+              <a:rPr lang="en-US" dirty="0" smtClean="0"/>
               <a:t>Algorithms?</a:t>
             </a:r>
             <a:endParaRPr lang="en-US" dirty="0"/>
@@ -3679,7 +3925,6 @@
               <a:rPr lang="en-US" dirty="0" smtClean="0"/>
               <a:t>More ideas?</a:t>
             </a:r>
-            <a:endParaRPr lang="en-US" dirty="0" smtClean="0"/>
           </a:p>
         </p:txBody>
       </p:sp>

--- a/Presentatie chips and circuits.pptx
+++ b/Presentatie chips and circuits.pptx
@@ -3269,11 +3269,7 @@
           <a:p>
             <a:r>
               <a:rPr lang="en-US" dirty="0" smtClean="0"/>
-              <a:t>Create </a:t>
-            </a:r>
-            <a:r>
-              <a:rPr lang="en-US" dirty="0" smtClean="0"/>
-              <a:t>routes/layers</a:t>
+              <a:t>Create routes/layers</a:t>
             </a:r>
           </a:p>
           <a:p>
@@ -3290,11 +3286,7 @@
           <a:p>
             <a:r>
               <a:rPr lang="en-US" dirty="0" smtClean="0"/>
-              <a:t>Optimal </a:t>
-            </a:r>
-            <a:r>
-              <a:rPr lang="en-US" dirty="0" smtClean="0"/>
-              <a:t>routes</a:t>
+              <a:t>Optimal routes</a:t>
             </a:r>
           </a:p>
           <a:p>
@@ -3882,7 +3874,7 @@
         <p:spPr/>
         <p:txBody>
           <a:bodyPr>
-            <a:normAutofit lnSpcReduction="10000"/>
+            <a:normAutofit fontScale="92500" lnSpcReduction="10000"/>
           </a:bodyPr>
           <a:lstStyle/>
           <a:p>
@@ -3895,8 +3887,17 @@
             <a:pPr lvl="1"/>
             <a:r>
               <a:rPr lang="en-US" dirty="0" smtClean="0"/>
-              <a:t>(best about 13 layers)</a:t>
-            </a:r>
+              <a:t>best </a:t>
+            </a:r>
+            <a:r>
+              <a:rPr lang="en-US" dirty="0" smtClean="0"/>
+              <a:t>about 13 </a:t>
+            </a:r>
+            <a:r>
+              <a:rPr lang="en-US" dirty="0" smtClean="0"/>
+              <a:t>layers</a:t>
+            </a:r>
+            <a:endParaRPr lang="en-US" dirty="0" smtClean="0"/>
           </a:p>
           <a:p>
             <a:pPr lvl="1"/>
@@ -3905,8 +3906,20 @@
           <a:p>
             <a:r>
               <a:rPr lang="en-US" dirty="0" smtClean="0"/>
-              <a:t>Move down at the cross</a:t>
-            </a:r>
+              <a:t>Move down at the </a:t>
+            </a:r>
+            <a:r>
+              <a:rPr lang="en-US" dirty="0" smtClean="0"/>
+              <a:t>cross</a:t>
+            </a:r>
+          </a:p>
+          <a:p>
+            <a:pPr lvl="1"/>
+            <a:r>
+              <a:rPr lang="en-US" dirty="0" smtClean="0"/>
+              <a:t>best 10 layers with some crosses(??)</a:t>
+            </a:r>
+            <a:endParaRPr lang="en-US" dirty="0" smtClean="0"/>
           </a:p>
           <a:p>
             <a:endParaRPr lang="en-US" dirty="0" smtClean="0"/>

--- a/Presentatie chips and circuits.pptx
+++ b/Presentatie chips and circuits.pptx
@@ -11,8 +11,7 @@
     <p:sldId id="258" r:id="rId5"/>
     <p:sldId id="264" r:id="rId6"/>
     <p:sldId id="262" r:id="rId7"/>
-    <p:sldId id="260" r:id="rId8"/>
-    <p:sldId id="261" r:id="rId9"/>
+    <p:sldId id="261" r:id="rId8"/>
   </p:sldIdLst>
   <p:sldSz cx="9144000" cy="6858000" type="screen4x3"/>
   <p:notesSz cx="6858000" cy="9144000"/>
@@ -3190,6 +3189,13 @@
   <p:clrMapOvr>
     <a:masterClrMapping/>
   </p:clrMapOvr>
+  <p:timing>
+    <p:tnLst>
+      <p:par>
+        <p:cTn xmlns:p14="http://schemas.microsoft.com/office/powerpoint/2010/main" id="1" dur="indefinite" restart="never" nodeType="tmRoot"/>
+      </p:par>
+    </p:tnLst>
+  </p:timing>
 </p:sld>
 </file>
 
@@ -3327,6 +3333,13 @@
   <p:clrMapOvr>
     <a:masterClrMapping/>
   </p:clrMapOvr>
+  <p:timing>
+    <p:tnLst>
+      <p:par>
+        <p:cTn xmlns:p14="http://schemas.microsoft.com/office/powerpoint/2010/main" id="1" dur="indefinite" restart="never" nodeType="tmRoot"/>
+      </p:par>
+    </p:tnLst>
+  </p:timing>
 </p:sld>
 </file>
 
@@ -3448,6 +3461,13 @@
   <p:clrMapOvr>
     <a:masterClrMapping/>
   </p:clrMapOvr>
+  <p:timing>
+    <p:tnLst>
+      <p:par>
+        <p:cTn xmlns:p14="http://schemas.microsoft.com/office/powerpoint/2010/main" id="1" dur="indefinite" restart="never" nodeType="tmRoot"/>
+      </p:par>
+    </p:tnLst>
+  </p:timing>
 </p:sld>
 </file>
 
@@ -3516,14 +3536,9 @@
             </a:r>
           </a:p>
           <a:p>
-            <a:pPr lvl="1"/>
-            <a:r>
-              <a:rPr lang="en-US" dirty="0" smtClean="0"/>
-              <a:t>List in lists</a:t>
-            </a:r>
-          </a:p>
-          <a:p>
-            <a:pPr lvl="1"/>
+            <a:pPr marL="457200" lvl="1" indent="0">
+              <a:buNone/>
+            </a:pPr>
             <a:endParaRPr lang="en-US" dirty="0"/>
           </a:p>
           <a:p>
@@ -3563,6 +3578,13 @@
   <p:clrMapOvr>
     <a:masterClrMapping/>
   </p:clrMapOvr>
+  <p:timing>
+    <p:tnLst>
+      <p:par>
+        <p:cTn xmlns:p14="http://schemas.microsoft.com/office/powerpoint/2010/main" id="1" dur="indefinite" restart="never" nodeType="tmRoot"/>
+      </p:par>
+    </p:tnLst>
+  </p:timing>
 </p:sld>
 </file>
 
@@ -3606,25 +3628,34 @@
           </a:p>
         </p:txBody>
       </p:sp>
-      <p:sp>
-        <p:nvSpPr>
-          <p:cNvPr id="3" name="Content Placeholder 2"/>
-          <p:cNvSpPr>
-            <a:spLocks noGrp="1"/>
-          </p:cNvSpPr>
+      <p:pic>
+        <p:nvPicPr>
+          <p:cNvPr id="4" name="Content Placeholder 3" descr="Screenshot - 111814 - 090922.png"/>
+          <p:cNvPicPr>
+            <a:picLocks noGrp="1" noChangeAspect="1"/>
+          </p:cNvPicPr>
           <p:nvPr>
             <p:ph idx="1"/>
           </p:nvPr>
-        </p:nvSpPr>
-        <p:spPr/>
-        <p:txBody>
-          <a:bodyPr/>
-          <a:lstStyle/>
-          <a:p>
-            <a:endParaRPr lang="en-US"/>
-          </a:p>
-        </p:txBody>
-      </p:sp>
+        </p:nvPicPr>
+        <p:blipFill rotWithShape="1">
+          <a:blip r:embed="rId2">
+            <a:extLst>
+              <a:ext uri="{28A0092B-C50C-407E-A947-70E740481C1C}">
+                <a14:useLocalDpi xmlns:a14="http://schemas.microsoft.com/office/drawing/2010/main" val="0"/>
+              </a:ext>
+            </a:extLst>
+          </a:blip>
+          <a:srcRect l="24776" t="4863" r="27596" b="27480"/>
+          <a:stretch/>
+        </p:blipFill>
+        <p:spPr>
+          <a:xfrm>
+            <a:off x="1007534" y="1255888"/>
+            <a:ext cx="6965244" cy="4971902"/>
+          </a:xfrm>
+        </p:spPr>
+      </p:pic>
     </p:spTree>
     <p:extLst>
       <p:ext uri="{BB962C8B-B14F-4D97-AF65-F5344CB8AC3E}">
@@ -3635,6 +3666,13 @@
   <p:clrMapOvr>
     <a:masterClrMapping/>
   </p:clrMapOvr>
+  <p:timing>
+    <p:tnLst>
+      <p:par>
+        <p:cTn xmlns:p14="http://schemas.microsoft.com/office/powerpoint/2010/main" id="1" dur="indefinite" restart="never" nodeType="tmRoot"/>
+      </p:par>
+    </p:tnLst>
+  </p:timing>
 </p:sld>
 </file>
 
@@ -3720,8 +3758,31 @@
             <a:pPr lvl="1"/>
             <a:r>
               <a:rPr lang="en-US" dirty="0" smtClean="0"/>
-              <a:t>If step collides with gate try another step</a:t>
-            </a:r>
+              <a:t>If step collides with gate try another </a:t>
+            </a:r>
+            <a:r>
+              <a:rPr lang="en-US" dirty="0" smtClean="0"/>
+              <a:t>step</a:t>
+            </a:r>
+          </a:p>
+          <a:p>
+            <a:pPr lvl="1"/>
+            <a:endParaRPr lang="en-US" dirty="0"/>
+          </a:p>
+          <a:p>
+            <a:pPr lvl="1"/>
+            <a:r>
+              <a:rPr lang="en-US" dirty="0" smtClean="0"/>
+              <a:t>Layers</a:t>
+            </a:r>
+          </a:p>
+          <a:p>
+            <a:pPr lvl="2"/>
+            <a:r>
+              <a:rPr lang="en-US" dirty="0" smtClean="0"/>
+              <a:t>Go down when lines cross</a:t>
+            </a:r>
+            <a:endParaRPr lang="en-US" dirty="0" smtClean="0"/>
           </a:p>
           <a:p>
             <a:pPr lvl="1"/>
@@ -3739,6 +3800,13 @@
   <p:clrMapOvr>
     <a:masterClrMapping/>
   </p:clrMapOvr>
+  <p:timing>
+    <p:tnLst>
+      <p:par>
+        <p:cTn xmlns:p14="http://schemas.microsoft.com/office/powerpoint/2010/main" id="1" dur="indefinite" restart="never" nodeType="tmRoot"/>
+      </p:par>
+    </p:tnLst>
+  </p:timing>
 </p:sld>
 </file>
 
@@ -3776,85 +3844,6 @@
           <a:p>
             <a:r>
               <a:rPr lang="en-US" dirty="0" smtClean="0"/>
-              <a:t>Layers</a:t>
-            </a:r>
-            <a:endParaRPr lang="en-US" dirty="0"/>
-          </a:p>
-        </p:txBody>
-      </p:sp>
-      <p:sp>
-        <p:nvSpPr>
-          <p:cNvPr id="3" name="Content Placeholder 2"/>
-          <p:cNvSpPr>
-            <a:spLocks noGrp="1"/>
-          </p:cNvSpPr>
-          <p:nvPr>
-            <p:ph idx="1"/>
-          </p:nvPr>
-        </p:nvSpPr>
-        <p:spPr/>
-        <p:txBody>
-          <a:bodyPr/>
-          <a:lstStyle/>
-          <a:p>
-            <a:r>
-              <a:rPr lang="en-US" dirty="0" smtClean="0"/>
-              <a:t>Class Layers</a:t>
-            </a:r>
-          </a:p>
-          <a:p>
-            <a:pPr lvl="1"/>
-            <a:endParaRPr lang="en-US" dirty="0"/>
-          </a:p>
-        </p:txBody>
-      </p:sp>
-    </p:spTree>
-    <p:extLst>
-      <p:ext uri="{BB962C8B-B14F-4D97-AF65-F5344CB8AC3E}">
-        <p14:creationId xmlns:p14="http://schemas.microsoft.com/office/powerpoint/2010/main" val="1927676121"/>
-      </p:ext>
-    </p:extLst>
-  </p:cSld>
-  <p:clrMapOvr>
-    <a:masterClrMapping/>
-  </p:clrMapOvr>
-</p:sld>
-</file>
-
-<file path=ppt/slides/slide8.xml><?xml version="1.0" encoding="utf-8"?>
-<p:sld xmlns:a="http://schemas.openxmlformats.org/drawingml/2006/main" xmlns:r="http://schemas.openxmlformats.org/officeDocument/2006/relationships" xmlns:p="http://schemas.openxmlformats.org/presentationml/2006/main">
-  <p:cSld>
-    <p:spTree>
-      <p:nvGrpSpPr>
-        <p:cNvPr id="1" name=""/>
-        <p:cNvGrpSpPr/>
-        <p:nvPr/>
-      </p:nvGrpSpPr>
-      <p:grpSpPr>
-        <a:xfrm>
-          <a:off x="0" y="0"/>
-          <a:ext cx="0" cy="0"/>
-          <a:chOff x="0" y="0"/>
-          <a:chExt cx="0" cy="0"/>
-        </a:xfrm>
-      </p:grpSpPr>
-      <p:sp>
-        <p:nvSpPr>
-          <p:cNvPr id="2" name="Title 1"/>
-          <p:cNvSpPr>
-            <a:spLocks noGrp="1"/>
-          </p:cNvSpPr>
-          <p:nvPr>
-            <p:ph type="title"/>
-          </p:nvPr>
-        </p:nvSpPr>
-        <p:spPr/>
-        <p:txBody>
-          <a:bodyPr/>
-          <a:lstStyle/>
-          <a:p>
-            <a:r>
-              <a:rPr lang="en-US" dirty="0" smtClean="0"/>
               <a:t>Algorithms?</a:t>
             </a:r>
             <a:endParaRPr lang="en-US" dirty="0"/>
@@ -3917,7 +3906,7 @@
             <a:pPr lvl="1"/>
             <a:r>
               <a:rPr lang="en-US" dirty="0" smtClean="0"/>
-              <a:t>best 10 layers with some crosses(??)</a:t>
+              <a:t>best 10 layers with some crosses (??)</a:t>
             </a:r>
             <a:endParaRPr lang="en-US" dirty="0" smtClean="0"/>
           </a:p>
@@ -3951,6 +3940,13 @@
   <p:clrMapOvr>
     <a:masterClrMapping/>
   </p:clrMapOvr>
+  <p:timing>
+    <p:tnLst>
+      <p:par>
+        <p:cTn xmlns:p14="http://schemas.microsoft.com/office/powerpoint/2010/main" id="1" dur="indefinite" restart="never" nodeType="tmRoot"/>
+      </p:par>
+    </p:tnLst>
+  </p:timing>
 </p:sld>
 </file>
 

--- a/Presentatie chips and circuits.pptx
+++ b/Presentatie chips and circuits.pptx
@@ -2,7 +2,7 @@
 <file path=ppt/presentation.xml><?xml version="1.0" encoding="utf-8"?>
 <p:presentation xmlns:a="http://schemas.openxmlformats.org/drawingml/2006/main" xmlns:r="http://schemas.openxmlformats.org/officeDocument/2006/relationships" xmlns:p="http://schemas.openxmlformats.org/presentationml/2006/main" saveSubsetFonts="1" autoCompressPictures="0">
   <p:sldMasterIdLst>
-    <p:sldMasterId id="2147483648" r:id="rId1"/>
+    <p:sldMasterId id="2147483751" r:id="rId1"/>
   </p:sldMasterIdLst>
   <p:sldIdLst>
     <p:sldId id="256" r:id="rId2"/>
@@ -10,8 +10,13 @@
     <p:sldId id="265" r:id="rId4"/>
     <p:sldId id="258" r:id="rId5"/>
     <p:sldId id="264" r:id="rId6"/>
-    <p:sldId id="262" r:id="rId7"/>
-    <p:sldId id="261" r:id="rId8"/>
+    <p:sldId id="261" r:id="rId7"/>
+    <p:sldId id="262" r:id="rId8"/>
+    <p:sldId id="266" r:id="rId9"/>
+    <p:sldId id="267" r:id="rId10"/>
+    <p:sldId id="268" r:id="rId11"/>
+    <p:sldId id="269" r:id="rId12"/>
+    <p:sldId id="270" r:id="rId13"/>
   </p:sldIdLst>
   <p:sldSz cx="9144000" cy="6858000" type="screen4x3"/>
   <p:notesSz cx="6858000" cy="9144000"/>
@@ -130,6 +135,224 @@
           <a:chExt cx="0" cy="0"/>
         </a:xfrm>
       </p:grpSpPr>
+      <p:grpSp>
+        <p:nvGrpSpPr>
+          <p:cNvPr id="9" name="Group 8"/>
+          <p:cNvGrpSpPr/>
+          <p:nvPr/>
+        </p:nvGrpSpPr>
+        <p:grpSpPr>
+          <a:xfrm>
+            <a:off x="486873" y="411480"/>
+            <a:ext cx="8170254" cy="6035040"/>
+            <a:chOff x="486873" y="411480"/>
+            <a:chExt cx="8170254" cy="6035040"/>
+          </a:xfrm>
+        </p:grpSpPr>
+        <p:sp>
+          <p:nvSpPr>
+            <p:cNvPr id="8" name="Rectangle 7"/>
+            <p:cNvSpPr/>
+            <p:nvPr/>
+          </p:nvSpPr>
+          <p:spPr>
+            <a:xfrm>
+              <a:off x="486873" y="411480"/>
+              <a:ext cx="8170254" cy="6035040"/>
+            </a:xfrm>
+            <a:prstGeom prst="rect">
+              <a:avLst/>
+            </a:prstGeom>
+            <a:solidFill>
+              <a:schemeClr val="bg1">
+                <a:lumMod val="95000"/>
+              </a:schemeClr>
+            </a:solidFill>
+            <a:ln w="12700">
+              <a:noFill/>
+            </a:ln>
+            <a:effectLst>
+              <a:outerShdw blurRad="63500" sx="101000" sy="101000" algn="ctr" rotWithShape="0">
+                <a:prstClr val="black">
+                  <a:alpha val="40000"/>
+                </a:prstClr>
+              </a:outerShdw>
+            </a:effectLst>
+            <a:scene3d>
+              <a:camera prst="perspectiveFront" fov="4800000"/>
+              <a:lightRig rig="threePt" dir="t"/>
+            </a:scene3d>
+          </p:spPr>
+          <p:style>
+            <a:lnRef idx="1">
+              <a:schemeClr val="accent1"/>
+            </a:lnRef>
+            <a:fillRef idx="3">
+              <a:schemeClr val="accent1"/>
+            </a:fillRef>
+            <a:effectRef idx="2">
+              <a:schemeClr val="accent1"/>
+            </a:effectRef>
+            <a:fontRef idx="minor">
+              <a:schemeClr val="lt1"/>
+            </a:fontRef>
+          </p:style>
+          <p:txBody>
+            <a:bodyPr rtlCol="0" anchor="ctr"/>
+            <a:lstStyle/>
+            <a:p>
+              <a:pPr algn="ctr"/>
+              <a:endParaRPr lang="en-US"/>
+            </a:p>
+          </p:txBody>
+        </p:sp>
+        <p:sp>
+          <p:nvSpPr>
+            <p:cNvPr id="14" name="Rectangle 13"/>
+            <p:cNvSpPr>
+              <a:spLocks/>
+            </p:cNvSpPr>
+            <p:nvPr/>
+          </p:nvSpPr>
+          <p:spPr>
+            <a:xfrm>
+              <a:off x="562843" y="475488"/>
+              <a:ext cx="7982712" cy="5888736"/>
+            </a:xfrm>
+            <a:prstGeom prst="rect">
+              <a:avLst/>
+            </a:prstGeom>
+            <a:noFill/>
+            <a:ln w="12700">
+              <a:solidFill>
+                <a:schemeClr val="tx2">
+                  <a:lumMod val="40000"/>
+                  <a:lumOff val="60000"/>
+                </a:schemeClr>
+              </a:solidFill>
+            </a:ln>
+          </p:spPr>
+          <p:style>
+            <a:lnRef idx="2">
+              <a:schemeClr val="accent1">
+                <a:shade val="50000"/>
+              </a:schemeClr>
+            </a:lnRef>
+            <a:fillRef idx="1">
+              <a:schemeClr val="accent1"/>
+            </a:fillRef>
+            <a:effectRef idx="0">
+              <a:schemeClr val="accent1"/>
+            </a:effectRef>
+            <a:fontRef idx="minor">
+              <a:schemeClr val="lt1"/>
+            </a:fontRef>
+          </p:style>
+          <p:txBody>
+            <a:bodyPr rtlCol="0" anchor="ctr"/>
+            <a:lstStyle/>
+            <a:p>
+              <a:pPr algn="ctr"/>
+              <a:endParaRPr/>
+            </a:p>
+          </p:txBody>
+        </p:sp>
+        <p:cxnSp>
+          <p:nvCxnSpPr>
+            <p:cNvPr id="15" name="Straight Connector 14"/>
+            <p:cNvCxnSpPr/>
+            <p:nvPr/>
+          </p:nvCxnSpPr>
+          <p:spPr>
+            <a:xfrm>
+              <a:off x="562842" y="6133646"/>
+              <a:ext cx="7982712" cy="1472"/>
+            </a:xfrm>
+            <a:prstGeom prst="line">
+              <a:avLst/>
+            </a:prstGeom>
+            <a:noFill/>
+            <a:ln w="12700">
+              <a:solidFill>
+                <a:schemeClr val="tx2">
+                  <a:lumMod val="40000"/>
+                  <a:lumOff val="60000"/>
+                </a:schemeClr>
+              </a:solidFill>
+            </a:ln>
+          </p:spPr>
+          <p:style>
+            <a:lnRef idx="2">
+              <a:schemeClr val="accent1">
+                <a:shade val="50000"/>
+              </a:schemeClr>
+            </a:lnRef>
+            <a:fillRef idx="1">
+              <a:schemeClr val="accent1"/>
+            </a:fillRef>
+            <a:effectRef idx="0">
+              <a:schemeClr val="accent1"/>
+            </a:effectRef>
+            <a:fontRef idx="minor">
+              <a:schemeClr val="lt1"/>
+            </a:fontRef>
+          </p:style>
+        </p:cxnSp>
+        <p:sp>
+          <p:nvSpPr>
+            <p:cNvPr id="17" name="Rectangle 16"/>
+            <p:cNvSpPr/>
+            <p:nvPr/>
+          </p:nvSpPr>
+          <p:spPr>
+            <a:xfrm>
+              <a:off x="562843" y="457200"/>
+              <a:ext cx="7982712" cy="2578608"/>
+            </a:xfrm>
+            <a:prstGeom prst="rect">
+              <a:avLst/>
+            </a:prstGeom>
+            <a:solidFill>
+              <a:schemeClr val="bg2">
+                <a:lumMod val="40000"/>
+                <a:lumOff val="60000"/>
+              </a:schemeClr>
+            </a:solidFill>
+            <a:ln w="3175">
+              <a:solidFill>
+                <a:schemeClr val="tx2">
+                  <a:lumMod val="40000"/>
+                  <a:lumOff val="60000"/>
+                </a:schemeClr>
+              </a:solidFill>
+            </a:ln>
+          </p:spPr>
+          <p:style>
+            <a:lnRef idx="2">
+              <a:schemeClr val="accent1">
+                <a:shade val="50000"/>
+              </a:schemeClr>
+            </a:lnRef>
+            <a:fillRef idx="1">
+              <a:schemeClr val="accent1"/>
+            </a:fillRef>
+            <a:effectRef idx="0">
+              <a:schemeClr val="accent1"/>
+            </a:effectRef>
+            <a:fontRef idx="minor">
+              <a:schemeClr val="lt1"/>
+            </a:fontRef>
+          </p:style>
+          <p:txBody>
+            <a:bodyPr rtlCol="0" anchor="ctr"/>
+            <a:lstStyle/>
+            <a:p>
+              <a:pPr algn="ctr"/>
+              <a:endParaRPr/>
+            </a:p>
+          </p:txBody>
+        </p:sp>
+      </p:grpSp>
       <p:sp>
         <p:nvSpPr>
           <p:cNvPr id="2" name="Title 1"/>
@@ -142,19 +365,35 @@
         </p:nvSpPr>
         <p:spPr>
           <a:xfrm>
-            <a:off x="685800" y="2130425"/>
-            <a:ext cx="7772400" cy="1470025"/>
+            <a:off x="914400" y="1123950"/>
+            <a:ext cx="7342188" cy="1924050"/>
           </a:xfrm>
         </p:spPr>
         <p:txBody>
-          <a:bodyPr/>
-          <a:lstStyle/>
+          <a:bodyPr anchor="b" anchorCtr="0">
+            <a:noAutofit/>
+          </a:bodyPr>
+          <a:lstStyle>
+            <a:lvl1pPr>
+              <a:defRPr sz="5400" kern="1200">
+                <a:solidFill>
+                  <a:schemeClr val="tx1">
+                    <a:lumMod val="75000"/>
+                    <a:lumOff val="25000"/>
+                  </a:schemeClr>
+                </a:solidFill>
+                <a:latin typeface="+mj-lt"/>
+                <a:ea typeface="+mj-ea"/>
+                <a:cs typeface="+mj-cs"/>
+              </a:defRPr>
+            </a:lvl1pPr>
+          </a:lstStyle>
           <a:p>
             <a:r>
               <a:rPr lang="en-US" smtClean="0"/>
               <a:t>Click to edit Master title style</a:t>
             </a:r>
-            <a:endParaRPr lang="en-US"/>
+            <a:endParaRPr dirty="0"/>
           </a:p>
         </p:txBody>
       </p:sp>
@@ -170,21 +409,37 @@
         </p:nvSpPr>
         <p:spPr>
           <a:xfrm>
-            <a:off x="1371600" y="3886200"/>
-            <a:ext cx="6400800" cy="1752600"/>
+            <a:off x="914400" y="3429000"/>
+            <a:ext cx="7342188" cy="1752600"/>
           </a:xfrm>
         </p:spPr>
         <p:txBody>
-          <a:bodyPr/>
+          <a:bodyPr vert="horz" lIns="91440" tIns="45720" rIns="91440" bIns="45720" rtlCol="0">
+            <a:normAutofit/>
+          </a:bodyPr>
           <a:lstStyle>
-            <a:lvl1pPr marL="0" indent="0" algn="ctr">
-              <a:buNone/>
-              <a:defRPr>
+            <a:lvl1pPr marL="0" indent="0" algn="ctr" defTabSz="914400" rtl="0" eaLnBrk="1" latinLnBrk="0" hangingPunct="1">
+              <a:spcBef>
+                <a:spcPts val="300"/>
+              </a:spcBef>
+              <a:buClr>
+                <a:schemeClr val="tx1">
+                  <a:lumMod val="75000"/>
+                  <a:lumOff val="25000"/>
+                </a:schemeClr>
+              </a:buClr>
+              <a:buFont typeface="Arial" pitchFamily="34" charset="0"/>
+              <a:buNone/>
+              <a:defRPr sz="2000" kern="1200">
                 <a:solidFill>
                   <a:schemeClr val="tx1">
-                    <a:tint val="75000"/>
+                    <a:lumMod val="75000"/>
+                    <a:lumOff val="25000"/>
                   </a:schemeClr>
                 </a:solidFill>
+                <a:latin typeface="+mn-lt"/>
+                <a:ea typeface="+mn-ea"/>
+                <a:cs typeface="+mn-cs"/>
               </a:defRPr>
             </a:lvl1pPr>
             <a:lvl2pPr marL="457200" indent="0" algn="ctr">
@@ -273,7 +528,7 @@
               <a:rPr lang="en-US" smtClean="0"/>
               <a:t>Click to edit Master subtitle style</a:t>
             </a:r>
-            <a:endParaRPr lang="en-US"/>
+            <a:endParaRPr dirty="0"/>
           </a:p>
         </p:txBody>
       </p:sp>
@@ -287,14 +542,19 @@
             <p:ph type="dt" sz="half" idx="10"/>
           </p:nvPr>
         </p:nvSpPr>
-        <p:spPr/>
+        <p:spPr>
+          <a:xfrm>
+            <a:off x="573741" y="6122894"/>
+            <a:ext cx="2133600" cy="259317"/>
+          </a:xfrm>
+        </p:spPr>
         <p:txBody>
           <a:bodyPr/>
           <a:lstStyle/>
           <a:p>
             <a:fld id="{4671B44B-FB70-E747-B8B6-ADB8F11B392A}" type="datetimeFigureOut">
               <a:rPr lang="en-US" smtClean="0"/>
-              <a:t>18-11-14</a:t>
+              <a:t>16-12-14</a:t>
             </a:fld>
             <a:endParaRPr lang="en-US"/>
           </a:p>
@@ -310,7 +570,12 @@
             <p:ph type="ftr" sz="quarter" idx="11"/>
           </p:nvPr>
         </p:nvSpPr>
-        <p:spPr/>
+        <p:spPr>
+          <a:xfrm>
+            <a:off x="5638800" y="6122894"/>
+            <a:ext cx="2895600" cy="257810"/>
+          </a:xfrm>
+        </p:spPr>
         <p:txBody>
           <a:bodyPr/>
           <a:lstStyle/>
@@ -329,7 +594,12 @@
             <p:ph type="sldNum" sz="quarter" idx="12"/>
           </p:nvPr>
         </p:nvSpPr>
-        <p:spPr/>
+        <p:spPr>
+          <a:xfrm>
+            <a:off x="4191000" y="6122894"/>
+            <a:ext cx="762000" cy="271463"/>
+          </a:xfrm>
+        </p:spPr>
         <p:txBody>
           <a:bodyPr/>
           <a:lstStyle/>
@@ -343,11 +613,6 @@
         </p:txBody>
       </p:sp>
     </p:spTree>
-    <p:extLst>
-      <p:ext uri="{BB962C8B-B14F-4D97-AF65-F5344CB8AC3E}">
-        <p14:creationId xmlns:p14="http://schemas.microsoft.com/office/powerpoint/2010/main" val="2077548103"/>
-      </p:ext>
-    </p:extLst>
   </p:cSld>
   <p:clrMapOvr>
     <a:masterClrMapping/>
@@ -356,6 +621,1713 @@
 </file>
 
 <file path=ppt/slideLayouts/slideLayout10.xml><?xml version="1.0" encoding="utf-8"?>
+<p:sldLayout xmlns:a="http://schemas.openxmlformats.org/drawingml/2006/main" xmlns:r="http://schemas.openxmlformats.org/officeDocument/2006/relationships" xmlns:p="http://schemas.openxmlformats.org/presentationml/2006/main" preserve="1">
+  <p:cSld name="Content, Picture, and Caption">
+    <p:spTree>
+      <p:nvGrpSpPr>
+        <p:cNvPr id="1" name=""/>
+        <p:cNvGrpSpPr/>
+        <p:nvPr/>
+      </p:nvGrpSpPr>
+      <p:grpSpPr>
+        <a:xfrm>
+          <a:off x="0" y="0"/>
+          <a:ext cx="0" cy="0"/>
+          <a:chOff x="0" y="0"/>
+          <a:chExt cx="0" cy="0"/>
+        </a:xfrm>
+      </p:grpSpPr>
+      <p:grpSp>
+        <p:nvGrpSpPr>
+          <p:cNvPr id="8" name="Group 7"/>
+          <p:cNvGrpSpPr/>
+          <p:nvPr/>
+        </p:nvGrpSpPr>
+        <p:grpSpPr>
+          <a:xfrm>
+            <a:off x="182880" y="173699"/>
+            <a:ext cx="8778240" cy="6510602"/>
+            <a:chOff x="182880" y="173699"/>
+            <a:chExt cx="8778240" cy="6510602"/>
+          </a:xfrm>
+        </p:grpSpPr>
+        <p:grpSp>
+          <p:nvGrpSpPr>
+            <p:cNvPr id="26" name="Group 25"/>
+            <p:cNvGrpSpPr/>
+            <p:nvPr/>
+          </p:nvGrpSpPr>
+          <p:grpSpPr>
+            <a:xfrm>
+              <a:off x="182880" y="173699"/>
+              <a:ext cx="8778240" cy="6510602"/>
+              <a:chOff x="182880" y="173699"/>
+              <a:chExt cx="8778240" cy="6510602"/>
+            </a:xfrm>
+          </p:grpSpPr>
+          <p:grpSp>
+            <p:nvGrpSpPr>
+              <p:cNvPr id="27" name="Group 26"/>
+              <p:cNvGrpSpPr/>
+              <p:nvPr/>
+            </p:nvGrpSpPr>
+            <p:grpSpPr>
+              <a:xfrm>
+                <a:off x="182880" y="173699"/>
+                <a:ext cx="8778240" cy="6510602"/>
+                <a:chOff x="182880" y="173699"/>
+                <a:chExt cx="8778240" cy="6510602"/>
+              </a:xfrm>
+            </p:grpSpPr>
+            <p:sp>
+              <p:nvSpPr>
+                <p:cNvPr id="29" name="Rectangle 28"/>
+                <p:cNvSpPr/>
+                <p:nvPr/>
+              </p:nvSpPr>
+              <p:spPr>
+                <a:xfrm>
+                  <a:off x="182880" y="173699"/>
+                  <a:ext cx="8778240" cy="6510602"/>
+                </a:xfrm>
+                <a:prstGeom prst="rect">
+                  <a:avLst/>
+                </a:prstGeom>
+                <a:solidFill>
+                  <a:schemeClr val="bg1">
+                    <a:lumMod val="95000"/>
+                  </a:schemeClr>
+                </a:solidFill>
+                <a:ln w="12700">
+                  <a:noFill/>
+                </a:ln>
+                <a:effectLst>
+                  <a:outerShdw blurRad="63500" sx="101000" sy="101000" algn="ctr" rotWithShape="0">
+                    <a:prstClr val="black">
+                      <a:alpha val="40000"/>
+                    </a:prstClr>
+                  </a:outerShdw>
+                </a:effectLst>
+                <a:scene3d>
+                  <a:camera prst="perspectiveFront" fov="4800000"/>
+                  <a:lightRig rig="threePt" dir="t"/>
+                </a:scene3d>
+              </p:spPr>
+              <p:style>
+                <a:lnRef idx="1">
+                  <a:schemeClr val="accent1"/>
+                </a:lnRef>
+                <a:fillRef idx="3">
+                  <a:schemeClr val="accent1"/>
+                </a:fillRef>
+                <a:effectRef idx="2">
+                  <a:schemeClr val="accent1"/>
+                </a:effectRef>
+                <a:fontRef idx="minor">
+                  <a:schemeClr val="lt1"/>
+                </a:fontRef>
+              </p:style>
+              <p:txBody>
+                <a:bodyPr rtlCol="0" anchor="ctr"/>
+                <a:lstStyle/>
+                <a:p>
+                  <a:pPr algn="ctr"/>
+                  <a:endParaRPr lang="en-US"/>
+                </a:p>
+              </p:txBody>
+            </p:sp>
+            <p:grpSp>
+              <p:nvGrpSpPr>
+                <p:cNvPr id="30" name="Group 10"/>
+                <p:cNvGrpSpPr/>
+                <p:nvPr/>
+              </p:nvGrpSpPr>
+              <p:grpSpPr>
+                <a:xfrm>
+                  <a:off x="256032" y="237744"/>
+                  <a:ext cx="8622792" cy="6364224"/>
+                  <a:chOff x="247157" y="247430"/>
+                  <a:chExt cx="8622792" cy="6364224"/>
+                </a:xfrm>
+              </p:grpSpPr>
+              <p:sp>
+                <p:nvSpPr>
+                  <p:cNvPr id="31" name="Rectangle 30"/>
+                  <p:cNvSpPr>
+                    <a:spLocks/>
+                  </p:cNvSpPr>
+                  <p:nvPr/>
+                </p:nvSpPr>
+                <p:spPr>
+                  <a:xfrm>
+                    <a:off x="247157" y="247430"/>
+                    <a:ext cx="8622792" cy="6364224"/>
+                  </a:xfrm>
+                  <a:prstGeom prst="rect">
+                    <a:avLst/>
+                  </a:prstGeom>
+                  <a:noFill/>
+                  <a:ln w="12700">
+                    <a:solidFill>
+                      <a:schemeClr val="tx2">
+                        <a:lumMod val="40000"/>
+                        <a:lumOff val="60000"/>
+                      </a:schemeClr>
+                    </a:solidFill>
+                  </a:ln>
+                </p:spPr>
+                <p:style>
+                  <a:lnRef idx="2">
+                    <a:schemeClr val="accent1">
+                      <a:shade val="50000"/>
+                    </a:schemeClr>
+                  </a:lnRef>
+                  <a:fillRef idx="1">
+                    <a:schemeClr val="accent1"/>
+                  </a:fillRef>
+                  <a:effectRef idx="0">
+                    <a:schemeClr val="accent1"/>
+                  </a:effectRef>
+                  <a:fontRef idx="minor">
+                    <a:schemeClr val="lt1"/>
+                  </a:fontRef>
+                </p:style>
+                <p:txBody>
+                  <a:bodyPr rtlCol="0" anchor="ctr"/>
+                  <a:lstStyle/>
+                  <a:p>
+                    <a:pPr algn="ctr"/>
+                    <a:endParaRPr/>
+                  </a:p>
+                </p:txBody>
+              </p:sp>
+              <p:cxnSp>
+                <p:nvCxnSpPr>
+                  <p:cNvPr id="32" name="Straight Connector 31"/>
+                  <p:cNvCxnSpPr/>
+                  <p:nvPr/>
+                </p:nvCxnSpPr>
+                <p:spPr>
+                  <a:xfrm>
+                    <a:off x="247157" y="6389024"/>
+                    <a:ext cx="8622792" cy="1588"/>
+                  </a:xfrm>
+                  <a:prstGeom prst="line">
+                    <a:avLst/>
+                  </a:prstGeom>
+                  <a:noFill/>
+                  <a:ln w="12700">
+                    <a:solidFill>
+                      <a:schemeClr val="tx2">
+                        <a:lumMod val="40000"/>
+                        <a:lumOff val="60000"/>
+                      </a:schemeClr>
+                    </a:solidFill>
+                  </a:ln>
+                </p:spPr>
+                <p:style>
+                  <a:lnRef idx="2">
+                    <a:schemeClr val="accent1">
+                      <a:shade val="50000"/>
+                    </a:schemeClr>
+                  </a:lnRef>
+                  <a:fillRef idx="1">
+                    <a:schemeClr val="accent1"/>
+                  </a:fillRef>
+                  <a:effectRef idx="0">
+                    <a:schemeClr val="accent1"/>
+                  </a:effectRef>
+                  <a:fontRef idx="minor">
+                    <a:schemeClr val="lt1"/>
+                  </a:fontRef>
+                </p:style>
+              </p:cxnSp>
+            </p:grpSp>
+          </p:grpSp>
+          <p:sp>
+            <p:nvSpPr>
+              <p:cNvPr id="28" name="Rectangle 27"/>
+              <p:cNvSpPr/>
+              <p:nvPr/>
+            </p:nvSpPr>
+            <p:spPr>
+              <a:xfrm rot="5400000">
+                <a:off x="801086" y="3274090"/>
+                <a:ext cx="6135624" cy="64008"/>
+              </a:xfrm>
+              <a:prstGeom prst="rect">
+                <a:avLst/>
+              </a:prstGeom>
+              <a:solidFill>
+                <a:schemeClr val="bg2">
+                  <a:lumMod val="40000"/>
+                  <a:lumOff val="60000"/>
+                </a:schemeClr>
+              </a:solidFill>
+              <a:ln w="3175">
+                <a:solidFill>
+                  <a:schemeClr val="tx2">
+                    <a:lumMod val="40000"/>
+                    <a:lumOff val="60000"/>
+                  </a:schemeClr>
+                </a:solidFill>
+              </a:ln>
+            </p:spPr>
+            <p:style>
+              <a:lnRef idx="2">
+                <a:schemeClr val="accent1">
+                  <a:shade val="50000"/>
+                </a:schemeClr>
+              </a:lnRef>
+              <a:fillRef idx="1">
+                <a:schemeClr val="accent1"/>
+              </a:fillRef>
+              <a:effectRef idx="0">
+                <a:schemeClr val="accent1"/>
+              </a:effectRef>
+              <a:fontRef idx="minor">
+                <a:schemeClr val="lt1"/>
+              </a:fontRef>
+            </p:style>
+            <p:txBody>
+              <a:bodyPr rtlCol="0" anchor="ctr"/>
+              <a:lstStyle/>
+              <a:p>
+                <a:pPr algn="ctr"/>
+                <a:endParaRPr/>
+              </a:p>
+            </p:txBody>
+          </p:sp>
+        </p:grpSp>
+        <p:sp>
+          <p:nvSpPr>
+            <p:cNvPr id="25" name="Rectangle 24"/>
+            <p:cNvSpPr/>
+            <p:nvPr/>
+          </p:nvSpPr>
+          <p:spPr>
+            <a:xfrm rot="10800000">
+              <a:off x="258763" y="1594462"/>
+              <a:ext cx="3575304" cy="64008"/>
+            </a:xfrm>
+            <a:prstGeom prst="rect">
+              <a:avLst/>
+            </a:prstGeom>
+            <a:solidFill>
+              <a:schemeClr val="bg2">
+                <a:lumMod val="40000"/>
+                <a:lumOff val="60000"/>
+              </a:schemeClr>
+            </a:solidFill>
+            <a:ln w="3175">
+              <a:solidFill>
+                <a:schemeClr val="tx2">
+                  <a:lumMod val="40000"/>
+                  <a:lumOff val="60000"/>
+                </a:schemeClr>
+              </a:solidFill>
+            </a:ln>
+          </p:spPr>
+          <p:style>
+            <a:lnRef idx="2">
+              <a:schemeClr val="accent1">
+                <a:shade val="50000"/>
+              </a:schemeClr>
+            </a:lnRef>
+            <a:fillRef idx="1">
+              <a:schemeClr val="accent1"/>
+            </a:fillRef>
+            <a:effectRef idx="0">
+              <a:schemeClr val="accent1"/>
+            </a:effectRef>
+            <a:fontRef idx="minor">
+              <a:schemeClr val="lt1"/>
+            </a:fontRef>
+          </p:style>
+          <p:txBody>
+            <a:bodyPr rtlCol="0" anchor="ctr"/>
+            <a:lstStyle/>
+            <a:p>
+              <a:pPr algn="ctr"/>
+              <a:endParaRPr/>
+            </a:p>
+          </p:txBody>
+        </p:sp>
+      </p:grpSp>
+      <p:sp>
+        <p:nvSpPr>
+          <p:cNvPr id="2" name="Title 1"/>
+          <p:cNvSpPr>
+            <a:spLocks noGrp="1"/>
+          </p:cNvSpPr>
+          <p:nvPr>
+            <p:ph type="title"/>
+          </p:nvPr>
+        </p:nvSpPr>
+        <p:spPr>
+          <a:xfrm>
+            <a:off x="530225" y="1694329"/>
+            <a:ext cx="3008313" cy="914400"/>
+          </a:xfrm>
+        </p:spPr>
+        <p:txBody>
+          <a:bodyPr anchor="b">
+            <a:normAutofit/>
+          </a:bodyPr>
+          <a:lstStyle>
+            <a:lvl1pPr algn="l">
+              <a:defRPr sz="2800" b="0"/>
+            </a:lvl1pPr>
+          </a:lstStyle>
+          <a:p>
+            <a:r>
+              <a:rPr lang="en-US" smtClean="0"/>
+              <a:t>Click to edit Master title style</a:t>
+            </a:r>
+            <a:endParaRPr dirty="0"/>
+          </a:p>
+        </p:txBody>
+      </p:sp>
+      <p:sp>
+        <p:nvSpPr>
+          <p:cNvPr id="3" name="Content Placeholder 2"/>
+          <p:cNvSpPr>
+            <a:spLocks noGrp="1"/>
+          </p:cNvSpPr>
+          <p:nvPr>
+            <p:ph idx="1"/>
+          </p:nvPr>
+        </p:nvSpPr>
+        <p:spPr>
+          <a:xfrm>
+            <a:off x="4328319" y="609600"/>
+            <a:ext cx="4114800" cy="5465763"/>
+          </a:xfrm>
+        </p:spPr>
+        <p:txBody>
+          <a:bodyPr>
+            <a:normAutofit/>
+          </a:bodyPr>
+          <a:lstStyle>
+            <a:lvl1pPr>
+              <a:defRPr sz="2400" baseline="0"/>
+            </a:lvl1pPr>
+            <a:lvl2pPr>
+              <a:defRPr sz="2200" baseline="0"/>
+            </a:lvl2pPr>
+            <a:lvl3pPr>
+              <a:defRPr sz="2000" baseline="0"/>
+            </a:lvl3pPr>
+            <a:lvl4pPr>
+              <a:defRPr sz="1800" baseline="0"/>
+            </a:lvl4pPr>
+            <a:lvl5pPr>
+              <a:defRPr sz="1800" baseline="0"/>
+            </a:lvl5pPr>
+            <a:lvl6pPr>
+              <a:defRPr sz="1800"/>
+            </a:lvl6pPr>
+            <a:lvl7pPr>
+              <a:defRPr sz="1800"/>
+            </a:lvl7pPr>
+            <a:lvl8pPr>
+              <a:defRPr sz="1800"/>
+            </a:lvl8pPr>
+            <a:lvl9pPr>
+              <a:defRPr sz="1800"/>
+            </a:lvl9pPr>
+          </a:lstStyle>
+          <a:p>
+            <a:pPr lvl="0"/>
+            <a:r>
+              <a:rPr lang="en-US" smtClean="0"/>
+              <a:t>Click to edit Master text styles</a:t>
+            </a:r>
+          </a:p>
+          <a:p>
+            <a:pPr lvl="1"/>
+            <a:r>
+              <a:rPr lang="en-US" smtClean="0"/>
+              <a:t>Second level</a:t>
+            </a:r>
+          </a:p>
+          <a:p>
+            <a:pPr lvl="2"/>
+            <a:r>
+              <a:rPr lang="en-US" smtClean="0"/>
+              <a:t>Third level</a:t>
+            </a:r>
+          </a:p>
+          <a:p>
+            <a:pPr lvl="3"/>
+            <a:r>
+              <a:rPr lang="en-US" smtClean="0"/>
+              <a:t>Fourth level</a:t>
+            </a:r>
+          </a:p>
+          <a:p>
+            <a:pPr lvl="4"/>
+            <a:r>
+              <a:rPr lang="en-US" smtClean="0"/>
+              <a:t>Fifth level</a:t>
+            </a:r>
+            <a:endParaRPr dirty="0"/>
+          </a:p>
+        </p:txBody>
+      </p:sp>
+      <p:sp>
+        <p:nvSpPr>
+          <p:cNvPr id="4" name="Text Placeholder 3"/>
+          <p:cNvSpPr>
+            <a:spLocks noGrp="1"/>
+          </p:cNvSpPr>
+          <p:nvPr>
+            <p:ph type="body" sz="half" idx="2"/>
+          </p:nvPr>
+        </p:nvSpPr>
+        <p:spPr>
+          <a:xfrm>
+            <a:off x="530225" y="2672323"/>
+            <a:ext cx="3008313" cy="3403040"/>
+          </a:xfrm>
+        </p:spPr>
+        <p:txBody>
+          <a:bodyPr>
+            <a:normAutofit/>
+          </a:bodyPr>
+          <a:lstStyle>
+            <a:lvl1pPr marL="0" indent="0">
+              <a:lnSpc>
+                <a:spcPct val="120000"/>
+              </a:lnSpc>
+              <a:spcBef>
+                <a:spcPts val="600"/>
+              </a:spcBef>
+              <a:buNone/>
+              <a:defRPr sz="1600"/>
+            </a:lvl1pPr>
+            <a:lvl2pPr marL="457200" indent="0">
+              <a:buNone/>
+              <a:defRPr sz="1200"/>
+            </a:lvl2pPr>
+            <a:lvl3pPr marL="914400" indent="0">
+              <a:buNone/>
+              <a:defRPr sz="1000"/>
+            </a:lvl3pPr>
+            <a:lvl4pPr marL="1371600" indent="0">
+              <a:buNone/>
+              <a:defRPr sz="900"/>
+            </a:lvl4pPr>
+            <a:lvl5pPr marL="1828800" indent="0">
+              <a:buNone/>
+              <a:defRPr sz="900"/>
+            </a:lvl5pPr>
+            <a:lvl6pPr marL="2286000" indent="0">
+              <a:buNone/>
+              <a:defRPr sz="900"/>
+            </a:lvl6pPr>
+            <a:lvl7pPr marL="2743200" indent="0">
+              <a:buNone/>
+              <a:defRPr sz="900"/>
+            </a:lvl7pPr>
+            <a:lvl8pPr marL="3200400" indent="0">
+              <a:buNone/>
+              <a:defRPr sz="900"/>
+            </a:lvl8pPr>
+            <a:lvl9pPr marL="3657600" indent="0">
+              <a:buNone/>
+              <a:defRPr sz="900"/>
+            </a:lvl9pPr>
+          </a:lstStyle>
+          <a:p>
+            <a:pPr lvl="0"/>
+            <a:r>
+              <a:rPr lang="en-US" smtClean="0"/>
+              <a:t>Click to edit Master text styles</a:t>
+            </a:r>
+          </a:p>
+        </p:txBody>
+      </p:sp>
+      <p:sp>
+        <p:nvSpPr>
+          <p:cNvPr id="5" name="Date Placeholder 4"/>
+          <p:cNvSpPr>
+            <a:spLocks noGrp="1"/>
+          </p:cNvSpPr>
+          <p:nvPr>
+            <p:ph type="dt" sz="half" idx="10"/>
+          </p:nvPr>
+        </p:nvSpPr>
+        <p:spPr/>
+        <p:txBody>
+          <a:bodyPr/>
+          <a:lstStyle/>
+          <a:p>
+            <a:fld id="{4671B44B-FB70-E747-B8B6-ADB8F11B392A}" type="datetimeFigureOut">
+              <a:rPr lang="en-US" smtClean="0"/>
+              <a:t>16-12-14</a:t>
+            </a:fld>
+            <a:endParaRPr lang="en-US"/>
+          </a:p>
+        </p:txBody>
+      </p:sp>
+      <p:sp>
+        <p:nvSpPr>
+          <p:cNvPr id="6" name="Footer Placeholder 5"/>
+          <p:cNvSpPr>
+            <a:spLocks noGrp="1"/>
+          </p:cNvSpPr>
+          <p:nvPr>
+            <p:ph type="ftr" sz="quarter" idx="11"/>
+          </p:nvPr>
+        </p:nvSpPr>
+        <p:spPr/>
+        <p:txBody>
+          <a:bodyPr/>
+          <a:lstStyle/>
+          <a:p>
+            <a:endParaRPr lang="en-US"/>
+          </a:p>
+        </p:txBody>
+      </p:sp>
+      <p:sp>
+        <p:nvSpPr>
+          <p:cNvPr id="7" name="Slide Number Placeholder 6"/>
+          <p:cNvSpPr>
+            <a:spLocks noGrp="1"/>
+          </p:cNvSpPr>
+          <p:nvPr>
+            <p:ph type="sldNum" sz="quarter" idx="12"/>
+          </p:nvPr>
+        </p:nvSpPr>
+        <p:spPr/>
+        <p:txBody>
+          <a:bodyPr/>
+          <a:lstStyle/>
+          <a:p>
+            <a:fld id="{53C7CC39-DB3E-5D4E-B18C-FAACE5FDA6BF}" type="slidenum">
+              <a:rPr lang="en-US" smtClean="0"/>
+              <a:t>‹#›</a:t>
+            </a:fld>
+            <a:endParaRPr lang="en-US"/>
+          </a:p>
+        </p:txBody>
+      </p:sp>
+      <p:sp>
+        <p:nvSpPr>
+          <p:cNvPr id="17" name="Picture Placeholder 16"/>
+          <p:cNvSpPr>
+            <a:spLocks noGrp="1"/>
+          </p:cNvSpPr>
+          <p:nvPr>
+            <p:ph type="pic" sz="quarter" idx="13"/>
+          </p:nvPr>
+        </p:nvSpPr>
+        <p:spPr>
+          <a:xfrm>
+            <a:off x="352892" y="310123"/>
+            <a:ext cx="3398837" cy="1204912"/>
+          </a:xfrm>
+        </p:spPr>
+        <p:txBody>
+          <a:bodyPr>
+            <a:normAutofit/>
+          </a:bodyPr>
+          <a:lstStyle>
+            <a:lvl1pPr>
+              <a:buNone/>
+              <a:defRPr sz="1800"/>
+            </a:lvl1pPr>
+          </a:lstStyle>
+          <a:p>
+            <a:r>
+              <a:rPr lang="en-US" smtClean="0"/>
+              <a:t>Drag picture to placeholder or click icon to add</a:t>
+            </a:r>
+            <a:endParaRPr/>
+          </a:p>
+        </p:txBody>
+      </p:sp>
+    </p:spTree>
+  </p:cSld>
+  <p:clrMapOvr>
+    <a:masterClrMapping/>
+  </p:clrMapOvr>
+</p:sldLayout>
+</file>
+
+<file path=ppt/slideLayouts/slideLayout11.xml><?xml version="1.0" encoding="utf-8"?>
+<p:sldLayout xmlns:a="http://schemas.openxmlformats.org/drawingml/2006/main" xmlns:r="http://schemas.openxmlformats.org/officeDocument/2006/relationships" xmlns:p="http://schemas.openxmlformats.org/presentationml/2006/main" type="picTx" preserve="1">
+  <p:cSld name="Picture with Caption">
+    <p:spTree>
+      <p:nvGrpSpPr>
+        <p:cNvPr id="1" name=""/>
+        <p:cNvGrpSpPr/>
+        <p:nvPr/>
+      </p:nvGrpSpPr>
+      <p:grpSpPr>
+        <a:xfrm>
+          <a:off x="0" y="0"/>
+          <a:ext cx="0" cy="0"/>
+          <a:chOff x="0" y="0"/>
+          <a:chExt cx="0" cy="0"/>
+        </a:xfrm>
+      </p:grpSpPr>
+      <p:grpSp>
+        <p:nvGrpSpPr>
+          <p:cNvPr id="15" name="Group 14"/>
+          <p:cNvGrpSpPr/>
+          <p:nvPr/>
+        </p:nvGrpSpPr>
+        <p:grpSpPr>
+          <a:xfrm>
+            <a:off x="182880" y="173699"/>
+            <a:ext cx="8778240" cy="6510602"/>
+            <a:chOff x="182880" y="173699"/>
+            <a:chExt cx="8778240" cy="6510602"/>
+          </a:xfrm>
+        </p:grpSpPr>
+        <p:grpSp>
+          <p:nvGrpSpPr>
+            <p:cNvPr id="16" name="Group 15"/>
+            <p:cNvGrpSpPr/>
+            <p:nvPr/>
+          </p:nvGrpSpPr>
+          <p:grpSpPr>
+            <a:xfrm>
+              <a:off x="182880" y="173699"/>
+              <a:ext cx="8778240" cy="6510602"/>
+              <a:chOff x="182880" y="173699"/>
+              <a:chExt cx="8778240" cy="6510602"/>
+            </a:xfrm>
+          </p:grpSpPr>
+          <p:sp>
+            <p:nvSpPr>
+              <p:cNvPr id="18" name="Rectangle 17"/>
+              <p:cNvSpPr/>
+              <p:nvPr/>
+            </p:nvSpPr>
+            <p:spPr>
+              <a:xfrm>
+                <a:off x="182880" y="173699"/>
+                <a:ext cx="8778240" cy="6510602"/>
+              </a:xfrm>
+              <a:prstGeom prst="rect">
+                <a:avLst/>
+              </a:prstGeom>
+              <a:solidFill>
+                <a:schemeClr val="bg1">
+                  <a:lumMod val="95000"/>
+                </a:schemeClr>
+              </a:solidFill>
+              <a:ln w="12700">
+                <a:noFill/>
+              </a:ln>
+              <a:effectLst>
+                <a:outerShdw blurRad="63500" sx="101000" sy="101000" algn="ctr" rotWithShape="0">
+                  <a:prstClr val="black">
+                    <a:alpha val="40000"/>
+                  </a:prstClr>
+                </a:outerShdw>
+              </a:effectLst>
+              <a:scene3d>
+                <a:camera prst="perspectiveFront" fov="4800000"/>
+                <a:lightRig rig="threePt" dir="t"/>
+              </a:scene3d>
+            </p:spPr>
+            <p:style>
+              <a:lnRef idx="1">
+                <a:schemeClr val="accent1"/>
+              </a:lnRef>
+              <a:fillRef idx="3">
+                <a:schemeClr val="accent1"/>
+              </a:fillRef>
+              <a:effectRef idx="2">
+                <a:schemeClr val="accent1"/>
+              </a:effectRef>
+              <a:fontRef idx="minor">
+                <a:schemeClr val="lt1"/>
+              </a:fontRef>
+            </p:style>
+            <p:txBody>
+              <a:bodyPr rtlCol="0" anchor="ctr"/>
+              <a:lstStyle/>
+              <a:p>
+                <a:pPr algn="ctr"/>
+                <a:endParaRPr lang="en-US"/>
+              </a:p>
+            </p:txBody>
+          </p:sp>
+          <p:grpSp>
+            <p:nvGrpSpPr>
+              <p:cNvPr id="19" name="Group 10"/>
+              <p:cNvGrpSpPr/>
+              <p:nvPr/>
+            </p:nvGrpSpPr>
+            <p:grpSpPr>
+              <a:xfrm>
+                <a:off x="256032" y="237744"/>
+                <a:ext cx="8622792" cy="6364224"/>
+                <a:chOff x="247157" y="247430"/>
+                <a:chExt cx="8622792" cy="6364224"/>
+              </a:xfrm>
+            </p:grpSpPr>
+            <p:sp>
+              <p:nvSpPr>
+                <p:cNvPr id="20" name="Rectangle 19"/>
+                <p:cNvSpPr>
+                  <a:spLocks/>
+                </p:cNvSpPr>
+                <p:nvPr/>
+              </p:nvSpPr>
+              <p:spPr>
+                <a:xfrm>
+                  <a:off x="247157" y="247430"/>
+                  <a:ext cx="8622792" cy="6364224"/>
+                </a:xfrm>
+                <a:prstGeom prst="rect">
+                  <a:avLst/>
+                </a:prstGeom>
+                <a:noFill/>
+                <a:ln w="12700">
+                  <a:solidFill>
+                    <a:schemeClr val="tx2">
+                      <a:lumMod val="40000"/>
+                      <a:lumOff val="60000"/>
+                    </a:schemeClr>
+                  </a:solidFill>
+                </a:ln>
+              </p:spPr>
+              <p:style>
+                <a:lnRef idx="2">
+                  <a:schemeClr val="accent1">
+                    <a:shade val="50000"/>
+                  </a:schemeClr>
+                </a:lnRef>
+                <a:fillRef idx="1">
+                  <a:schemeClr val="accent1"/>
+                </a:fillRef>
+                <a:effectRef idx="0">
+                  <a:schemeClr val="accent1"/>
+                </a:effectRef>
+                <a:fontRef idx="minor">
+                  <a:schemeClr val="lt1"/>
+                </a:fontRef>
+              </p:style>
+              <p:txBody>
+                <a:bodyPr rtlCol="0" anchor="ctr"/>
+                <a:lstStyle/>
+                <a:p>
+                  <a:pPr algn="ctr"/>
+                  <a:endParaRPr/>
+                </a:p>
+              </p:txBody>
+            </p:sp>
+            <p:cxnSp>
+              <p:nvCxnSpPr>
+                <p:cNvPr id="21" name="Straight Connector 20"/>
+                <p:cNvCxnSpPr/>
+                <p:nvPr/>
+              </p:nvCxnSpPr>
+              <p:spPr>
+                <a:xfrm>
+                  <a:off x="247157" y="6389024"/>
+                  <a:ext cx="8622792" cy="1588"/>
+                </a:xfrm>
+                <a:prstGeom prst="line">
+                  <a:avLst/>
+                </a:prstGeom>
+                <a:noFill/>
+                <a:ln w="12700">
+                  <a:solidFill>
+                    <a:schemeClr val="tx2">
+                      <a:lumMod val="40000"/>
+                      <a:lumOff val="60000"/>
+                    </a:schemeClr>
+                  </a:solidFill>
+                </a:ln>
+              </p:spPr>
+              <p:style>
+                <a:lnRef idx="2">
+                  <a:schemeClr val="accent1">
+                    <a:shade val="50000"/>
+                  </a:schemeClr>
+                </a:lnRef>
+                <a:fillRef idx="1">
+                  <a:schemeClr val="accent1"/>
+                </a:fillRef>
+                <a:effectRef idx="0">
+                  <a:schemeClr val="accent1"/>
+                </a:effectRef>
+                <a:fontRef idx="minor">
+                  <a:schemeClr val="lt1"/>
+                </a:fontRef>
+              </p:style>
+            </p:cxnSp>
+          </p:grpSp>
+        </p:grpSp>
+        <p:sp>
+          <p:nvSpPr>
+            <p:cNvPr id="17" name="Rectangle 16"/>
+            <p:cNvSpPr/>
+            <p:nvPr/>
+          </p:nvSpPr>
+          <p:spPr>
+            <a:xfrm rot="5400000">
+              <a:off x="801086" y="3274090"/>
+              <a:ext cx="6135624" cy="64008"/>
+            </a:xfrm>
+            <a:prstGeom prst="rect">
+              <a:avLst/>
+            </a:prstGeom>
+            <a:solidFill>
+              <a:schemeClr val="bg2">
+                <a:lumMod val="40000"/>
+                <a:lumOff val="60000"/>
+              </a:schemeClr>
+            </a:solidFill>
+            <a:ln w="3175">
+              <a:solidFill>
+                <a:schemeClr val="tx2">
+                  <a:lumMod val="40000"/>
+                  <a:lumOff val="60000"/>
+                </a:schemeClr>
+              </a:solidFill>
+            </a:ln>
+          </p:spPr>
+          <p:style>
+            <a:lnRef idx="2">
+              <a:schemeClr val="accent1">
+                <a:shade val="50000"/>
+              </a:schemeClr>
+            </a:lnRef>
+            <a:fillRef idx="1">
+              <a:schemeClr val="accent1"/>
+            </a:fillRef>
+            <a:effectRef idx="0">
+              <a:schemeClr val="accent1"/>
+            </a:effectRef>
+            <a:fontRef idx="minor">
+              <a:schemeClr val="lt1"/>
+            </a:fontRef>
+          </p:style>
+          <p:txBody>
+            <a:bodyPr rtlCol="0" anchor="ctr"/>
+            <a:lstStyle/>
+            <a:p>
+              <a:pPr algn="ctr"/>
+              <a:endParaRPr/>
+            </a:p>
+          </p:txBody>
+        </p:sp>
+      </p:grpSp>
+      <p:sp>
+        <p:nvSpPr>
+          <p:cNvPr id="2" name="Title 1"/>
+          <p:cNvSpPr>
+            <a:spLocks noGrp="1"/>
+          </p:cNvSpPr>
+          <p:nvPr>
+            <p:ph type="title"/>
+          </p:nvPr>
+        </p:nvSpPr>
+        <p:spPr>
+          <a:xfrm>
+            <a:off x="530352" y="1691640"/>
+            <a:ext cx="3008376" cy="914400"/>
+          </a:xfrm>
+        </p:spPr>
+        <p:txBody>
+          <a:bodyPr anchor="b">
+            <a:noAutofit/>
+          </a:bodyPr>
+          <a:lstStyle>
+            <a:lvl1pPr algn="l">
+              <a:defRPr sz="2800" b="0"/>
+            </a:lvl1pPr>
+          </a:lstStyle>
+          <a:p>
+            <a:r>
+              <a:rPr lang="en-US" smtClean="0"/>
+              <a:t>Click to edit Master title style</a:t>
+            </a:r>
+            <a:endParaRPr/>
+          </a:p>
+        </p:txBody>
+      </p:sp>
+      <p:sp>
+        <p:nvSpPr>
+          <p:cNvPr id="3" name="Picture Placeholder 2"/>
+          <p:cNvSpPr>
+            <a:spLocks noGrp="1"/>
+          </p:cNvSpPr>
+          <p:nvPr>
+            <p:ph type="pic" idx="1"/>
+          </p:nvPr>
+        </p:nvSpPr>
+        <p:spPr>
+          <a:xfrm>
+            <a:off x="4338559" y="612775"/>
+            <a:ext cx="4114800" cy="5468112"/>
+          </a:xfrm>
+        </p:spPr>
+        <p:txBody>
+          <a:bodyPr>
+            <a:normAutofit/>
+          </a:bodyPr>
+          <a:lstStyle>
+            <a:lvl1pPr marL="0" indent="0">
+              <a:buNone/>
+              <a:defRPr sz="2400"/>
+            </a:lvl1pPr>
+            <a:lvl2pPr marL="457200" indent="0">
+              <a:buNone/>
+              <a:defRPr sz="2800"/>
+            </a:lvl2pPr>
+            <a:lvl3pPr marL="914400" indent="0">
+              <a:buNone/>
+              <a:defRPr sz="2400"/>
+            </a:lvl3pPr>
+            <a:lvl4pPr marL="1371600" indent="0">
+              <a:buNone/>
+              <a:defRPr sz="2000"/>
+            </a:lvl4pPr>
+            <a:lvl5pPr marL="1828800" indent="0">
+              <a:buNone/>
+              <a:defRPr sz="2000"/>
+            </a:lvl5pPr>
+            <a:lvl6pPr marL="2286000" indent="0">
+              <a:buNone/>
+              <a:defRPr sz="2000"/>
+            </a:lvl6pPr>
+            <a:lvl7pPr marL="2743200" indent="0">
+              <a:buNone/>
+              <a:defRPr sz="2000"/>
+            </a:lvl7pPr>
+            <a:lvl8pPr marL="3200400" indent="0">
+              <a:buNone/>
+              <a:defRPr sz="2000"/>
+            </a:lvl8pPr>
+            <a:lvl9pPr marL="3657600" indent="0">
+              <a:buNone/>
+              <a:defRPr sz="2000"/>
+            </a:lvl9pPr>
+          </a:lstStyle>
+          <a:p>
+            <a:r>
+              <a:rPr lang="en-US" smtClean="0"/>
+              <a:t>Drag picture to placeholder or click icon to add</a:t>
+            </a:r>
+            <a:endParaRPr/>
+          </a:p>
+        </p:txBody>
+      </p:sp>
+      <p:sp>
+        <p:nvSpPr>
+          <p:cNvPr id="4" name="Text Placeholder 3"/>
+          <p:cNvSpPr>
+            <a:spLocks noGrp="1"/>
+          </p:cNvSpPr>
+          <p:nvPr>
+            <p:ph type="body" sz="half" idx="2"/>
+          </p:nvPr>
+        </p:nvSpPr>
+        <p:spPr>
+          <a:xfrm>
+            <a:off x="530352" y="2670048"/>
+            <a:ext cx="3008376" cy="3401568"/>
+          </a:xfrm>
+        </p:spPr>
+        <p:txBody>
+          <a:bodyPr vert="horz" lIns="91440" tIns="45720" rIns="91440" bIns="45720" rtlCol="0">
+            <a:normAutofit/>
+          </a:bodyPr>
+          <a:lstStyle>
+            <a:lvl1pPr marL="0" indent="0">
+              <a:lnSpc>
+                <a:spcPct val="120000"/>
+              </a:lnSpc>
+              <a:spcBef>
+                <a:spcPts val="600"/>
+              </a:spcBef>
+              <a:buNone/>
+              <a:defRPr sz="1600" kern="1200">
+                <a:solidFill>
+                  <a:schemeClr val="tx1">
+                    <a:lumMod val="75000"/>
+                    <a:lumOff val="25000"/>
+                  </a:schemeClr>
+                </a:solidFill>
+                <a:latin typeface="+mn-lt"/>
+                <a:ea typeface="+mn-ea"/>
+                <a:cs typeface="+mn-cs"/>
+              </a:defRPr>
+            </a:lvl1pPr>
+            <a:lvl2pPr marL="457200" indent="0">
+              <a:buNone/>
+              <a:defRPr sz="1200"/>
+            </a:lvl2pPr>
+            <a:lvl3pPr marL="914400" indent="0">
+              <a:buNone/>
+              <a:defRPr sz="1000"/>
+            </a:lvl3pPr>
+            <a:lvl4pPr marL="1371600" indent="0">
+              <a:buNone/>
+              <a:defRPr sz="900"/>
+            </a:lvl4pPr>
+            <a:lvl5pPr marL="1828800" indent="0">
+              <a:buNone/>
+              <a:defRPr sz="900"/>
+            </a:lvl5pPr>
+            <a:lvl6pPr marL="2286000" indent="0">
+              <a:buNone/>
+              <a:defRPr sz="900"/>
+            </a:lvl6pPr>
+            <a:lvl7pPr marL="2743200" indent="0">
+              <a:buNone/>
+              <a:defRPr sz="900"/>
+            </a:lvl7pPr>
+            <a:lvl8pPr marL="3200400" indent="0">
+              <a:buNone/>
+              <a:defRPr sz="900"/>
+            </a:lvl8pPr>
+            <a:lvl9pPr marL="3657600" indent="0">
+              <a:buNone/>
+              <a:defRPr sz="900"/>
+            </a:lvl9pPr>
+          </a:lstStyle>
+          <a:p>
+            <a:pPr marL="0" lvl="0" indent="0" algn="l" defTabSz="914400" rtl="0" eaLnBrk="1" latinLnBrk="0" hangingPunct="1">
+              <a:lnSpc>
+                <a:spcPct val="120000"/>
+              </a:lnSpc>
+              <a:spcBef>
+                <a:spcPts val="2000"/>
+              </a:spcBef>
+              <a:buClr>
+                <a:schemeClr val="bg1">
+                  <a:lumMod val="75000"/>
+                  <a:lumOff val="25000"/>
+                </a:schemeClr>
+              </a:buClr>
+              <a:buFont typeface="Arial" pitchFamily="34" charset="0"/>
+              <a:buNone/>
+            </a:pPr>
+            <a:r>
+              <a:rPr lang="en-US" smtClean="0"/>
+              <a:t>Click to edit Master text styles</a:t>
+            </a:r>
+          </a:p>
+        </p:txBody>
+      </p:sp>
+      <p:sp>
+        <p:nvSpPr>
+          <p:cNvPr id="5" name="Date Placeholder 4"/>
+          <p:cNvSpPr>
+            <a:spLocks noGrp="1"/>
+          </p:cNvSpPr>
+          <p:nvPr>
+            <p:ph type="dt" sz="half" idx="10"/>
+          </p:nvPr>
+        </p:nvSpPr>
+        <p:spPr/>
+        <p:txBody>
+          <a:bodyPr/>
+          <a:lstStyle/>
+          <a:p>
+            <a:fld id="{4671B44B-FB70-E747-B8B6-ADB8F11B392A}" type="datetimeFigureOut">
+              <a:rPr lang="en-US" smtClean="0"/>
+              <a:t>16-12-14</a:t>
+            </a:fld>
+            <a:endParaRPr lang="en-US"/>
+          </a:p>
+        </p:txBody>
+      </p:sp>
+      <p:sp>
+        <p:nvSpPr>
+          <p:cNvPr id="6" name="Footer Placeholder 5"/>
+          <p:cNvSpPr>
+            <a:spLocks noGrp="1"/>
+          </p:cNvSpPr>
+          <p:nvPr>
+            <p:ph type="ftr" sz="quarter" idx="11"/>
+          </p:nvPr>
+        </p:nvSpPr>
+        <p:spPr/>
+        <p:txBody>
+          <a:bodyPr/>
+          <a:lstStyle/>
+          <a:p>
+            <a:endParaRPr lang="en-US"/>
+          </a:p>
+        </p:txBody>
+      </p:sp>
+      <p:sp>
+        <p:nvSpPr>
+          <p:cNvPr id="7" name="Slide Number Placeholder 6"/>
+          <p:cNvSpPr>
+            <a:spLocks noGrp="1"/>
+          </p:cNvSpPr>
+          <p:nvPr>
+            <p:ph type="sldNum" sz="quarter" idx="12"/>
+          </p:nvPr>
+        </p:nvSpPr>
+        <p:spPr/>
+        <p:txBody>
+          <a:bodyPr/>
+          <a:lstStyle/>
+          <a:p>
+            <a:fld id="{53C7CC39-DB3E-5D4E-B18C-FAACE5FDA6BF}" type="slidenum">
+              <a:rPr lang="en-US" smtClean="0"/>
+              <a:t>‹#›</a:t>
+            </a:fld>
+            <a:endParaRPr lang="en-US"/>
+          </a:p>
+        </p:txBody>
+      </p:sp>
+    </p:spTree>
+  </p:cSld>
+  <p:clrMapOvr>
+    <a:masterClrMapping/>
+  </p:clrMapOvr>
+</p:sldLayout>
+</file>
+
+<file path=ppt/slideLayouts/slideLayout12.xml><?xml version="1.0" encoding="utf-8"?>
+<p:sldLayout xmlns:a="http://schemas.openxmlformats.org/drawingml/2006/main" xmlns:r="http://schemas.openxmlformats.org/officeDocument/2006/relationships" xmlns:p="http://schemas.openxmlformats.org/presentationml/2006/main" type="picTx" preserve="1">
+  <p:cSld name="Picture above Caption">
+    <p:spTree>
+      <p:nvGrpSpPr>
+        <p:cNvPr id="1" name=""/>
+        <p:cNvGrpSpPr/>
+        <p:nvPr/>
+      </p:nvGrpSpPr>
+      <p:grpSpPr>
+        <a:xfrm>
+          <a:off x="0" y="0"/>
+          <a:ext cx="0" cy="0"/>
+          <a:chOff x="0" y="0"/>
+          <a:chExt cx="0" cy="0"/>
+        </a:xfrm>
+      </p:grpSpPr>
+      <p:grpSp>
+        <p:nvGrpSpPr>
+          <p:cNvPr id="10" name="Group 9"/>
+          <p:cNvGrpSpPr/>
+          <p:nvPr/>
+        </p:nvGrpSpPr>
+        <p:grpSpPr>
+          <a:xfrm>
+            <a:off x="182880" y="173699"/>
+            <a:ext cx="8778240" cy="6510602"/>
+            <a:chOff x="182880" y="173699"/>
+            <a:chExt cx="8778240" cy="6510602"/>
+          </a:xfrm>
+        </p:grpSpPr>
+        <p:grpSp>
+          <p:nvGrpSpPr>
+            <p:cNvPr id="17" name="Group 16"/>
+            <p:cNvGrpSpPr/>
+            <p:nvPr/>
+          </p:nvGrpSpPr>
+          <p:grpSpPr>
+            <a:xfrm>
+              <a:off x="182880" y="173699"/>
+              <a:ext cx="8778240" cy="6510602"/>
+              <a:chOff x="182880" y="173699"/>
+              <a:chExt cx="8778240" cy="6510602"/>
+            </a:xfrm>
+          </p:grpSpPr>
+          <p:sp>
+            <p:nvSpPr>
+              <p:cNvPr id="19" name="Rectangle 18"/>
+              <p:cNvSpPr/>
+              <p:nvPr/>
+            </p:nvSpPr>
+            <p:spPr>
+              <a:xfrm>
+                <a:off x="182880" y="173699"/>
+                <a:ext cx="8778240" cy="6510602"/>
+              </a:xfrm>
+              <a:prstGeom prst="rect">
+                <a:avLst/>
+              </a:prstGeom>
+              <a:solidFill>
+                <a:schemeClr val="bg1">
+                  <a:lumMod val="95000"/>
+                </a:schemeClr>
+              </a:solidFill>
+              <a:ln w="12700">
+                <a:noFill/>
+              </a:ln>
+              <a:effectLst>
+                <a:outerShdw blurRad="63500" sx="101000" sy="101000" algn="ctr" rotWithShape="0">
+                  <a:prstClr val="black">
+                    <a:alpha val="40000"/>
+                  </a:prstClr>
+                </a:outerShdw>
+              </a:effectLst>
+              <a:scene3d>
+                <a:camera prst="perspectiveFront" fov="4800000"/>
+                <a:lightRig rig="threePt" dir="t"/>
+              </a:scene3d>
+            </p:spPr>
+            <p:style>
+              <a:lnRef idx="1">
+                <a:schemeClr val="accent1"/>
+              </a:lnRef>
+              <a:fillRef idx="3">
+                <a:schemeClr val="accent1"/>
+              </a:fillRef>
+              <a:effectRef idx="2">
+                <a:schemeClr val="accent1"/>
+              </a:effectRef>
+              <a:fontRef idx="minor">
+                <a:schemeClr val="lt1"/>
+              </a:fontRef>
+            </p:style>
+            <p:txBody>
+              <a:bodyPr rtlCol="0" anchor="ctr"/>
+              <a:lstStyle/>
+              <a:p>
+                <a:pPr algn="ctr"/>
+                <a:endParaRPr lang="en-US"/>
+              </a:p>
+            </p:txBody>
+          </p:sp>
+          <p:grpSp>
+            <p:nvGrpSpPr>
+              <p:cNvPr id="21" name="Group 10"/>
+              <p:cNvGrpSpPr/>
+              <p:nvPr/>
+            </p:nvGrpSpPr>
+            <p:grpSpPr>
+              <a:xfrm>
+                <a:off x="256032" y="237744"/>
+                <a:ext cx="8622792" cy="6364224"/>
+                <a:chOff x="247157" y="247430"/>
+                <a:chExt cx="8622792" cy="6364224"/>
+              </a:xfrm>
+            </p:grpSpPr>
+            <p:sp>
+              <p:nvSpPr>
+                <p:cNvPr id="22" name="Rectangle 21"/>
+                <p:cNvSpPr>
+                  <a:spLocks/>
+                </p:cNvSpPr>
+                <p:nvPr/>
+              </p:nvSpPr>
+              <p:spPr>
+                <a:xfrm>
+                  <a:off x="247157" y="247430"/>
+                  <a:ext cx="8622792" cy="6364224"/>
+                </a:xfrm>
+                <a:prstGeom prst="rect">
+                  <a:avLst/>
+                </a:prstGeom>
+                <a:noFill/>
+                <a:ln w="12700">
+                  <a:solidFill>
+                    <a:schemeClr val="tx2">
+                      <a:lumMod val="40000"/>
+                      <a:lumOff val="60000"/>
+                    </a:schemeClr>
+                  </a:solidFill>
+                </a:ln>
+              </p:spPr>
+              <p:style>
+                <a:lnRef idx="2">
+                  <a:schemeClr val="accent1">
+                    <a:shade val="50000"/>
+                  </a:schemeClr>
+                </a:lnRef>
+                <a:fillRef idx="1">
+                  <a:schemeClr val="accent1"/>
+                </a:fillRef>
+                <a:effectRef idx="0">
+                  <a:schemeClr val="accent1"/>
+                </a:effectRef>
+                <a:fontRef idx="minor">
+                  <a:schemeClr val="lt1"/>
+                </a:fontRef>
+              </p:style>
+              <p:txBody>
+                <a:bodyPr rtlCol="0" anchor="ctr"/>
+                <a:lstStyle/>
+                <a:p>
+                  <a:pPr algn="ctr"/>
+                  <a:endParaRPr/>
+                </a:p>
+              </p:txBody>
+            </p:sp>
+            <p:cxnSp>
+              <p:nvCxnSpPr>
+                <p:cNvPr id="23" name="Straight Connector 22"/>
+                <p:cNvCxnSpPr/>
+                <p:nvPr/>
+              </p:nvCxnSpPr>
+              <p:spPr>
+                <a:xfrm>
+                  <a:off x="247157" y="6389024"/>
+                  <a:ext cx="8622792" cy="1588"/>
+                </a:xfrm>
+                <a:prstGeom prst="line">
+                  <a:avLst/>
+                </a:prstGeom>
+                <a:noFill/>
+                <a:ln w="12700">
+                  <a:solidFill>
+                    <a:schemeClr val="tx2">
+                      <a:lumMod val="40000"/>
+                      <a:lumOff val="60000"/>
+                    </a:schemeClr>
+                  </a:solidFill>
+                </a:ln>
+              </p:spPr>
+              <p:style>
+                <a:lnRef idx="2">
+                  <a:schemeClr val="accent1">
+                    <a:shade val="50000"/>
+                  </a:schemeClr>
+                </a:lnRef>
+                <a:fillRef idx="1">
+                  <a:schemeClr val="accent1"/>
+                </a:fillRef>
+                <a:effectRef idx="0">
+                  <a:schemeClr val="accent1"/>
+                </a:effectRef>
+                <a:fontRef idx="minor">
+                  <a:schemeClr val="lt1"/>
+                </a:fontRef>
+              </p:style>
+            </p:cxnSp>
+          </p:grpSp>
+        </p:grpSp>
+        <p:sp>
+          <p:nvSpPr>
+            <p:cNvPr id="20" name="Rectangle 19"/>
+            <p:cNvSpPr/>
+            <p:nvPr/>
+          </p:nvSpPr>
+          <p:spPr>
+            <a:xfrm>
+              <a:off x="256032" y="4203192"/>
+              <a:ext cx="8622792" cy="64008"/>
+            </a:xfrm>
+            <a:prstGeom prst="rect">
+              <a:avLst/>
+            </a:prstGeom>
+            <a:solidFill>
+              <a:schemeClr val="bg2">
+                <a:lumMod val="40000"/>
+                <a:lumOff val="60000"/>
+              </a:schemeClr>
+            </a:solidFill>
+            <a:ln w="3175">
+              <a:solidFill>
+                <a:schemeClr val="tx2">
+                  <a:lumMod val="40000"/>
+                  <a:lumOff val="60000"/>
+                </a:schemeClr>
+              </a:solidFill>
+            </a:ln>
+          </p:spPr>
+          <p:style>
+            <a:lnRef idx="2">
+              <a:schemeClr val="accent1">
+                <a:shade val="50000"/>
+              </a:schemeClr>
+            </a:lnRef>
+            <a:fillRef idx="1">
+              <a:schemeClr val="accent1"/>
+            </a:fillRef>
+            <a:effectRef idx="0">
+              <a:schemeClr val="accent1"/>
+            </a:effectRef>
+            <a:fontRef idx="minor">
+              <a:schemeClr val="lt1"/>
+            </a:fontRef>
+          </p:style>
+          <p:txBody>
+            <a:bodyPr rtlCol="0" anchor="ctr"/>
+            <a:lstStyle/>
+            <a:p>
+              <a:pPr algn="ctr"/>
+              <a:endParaRPr/>
+            </a:p>
+          </p:txBody>
+        </p:sp>
+      </p:grpSp>
+      <p:sp>
+        <p:nvSpPr>
+          <p:cNvPr id="2" name="Title 1"/>
+          <p:cNvSpPr>
+            <a:spLocks noGrp="1"/>
+          </p:cNvSpPr>
+          <p:nvPr>
+            <p:ph type="title"/>
+          </p:nvPr>
+        </p:nvSpPr>
+        <p:spPr>
+          <a:xfrm>
+            <a:off x="530351" y="4287819"/>
+            <a:ext cx="8021977" cy="916193"/>
+          </a:xfrm>
+        </p:spPr>
+        <p:txBody>
+          <a:bodyPr anchor="b">
+            <a:noAutofit/>
+          </a:bodyPr>
+          <a:lstStyle>
+            <a:lvl1pPr algn="l">
+              <a:defRPr sz="3600" b="0"/>
+            </a:lvl1pPr>
+          </a:lstStyle>
+          <a:p>
+            <a:r>
+              <a:rPr lang="en-US" smtClean="0"/>
+              <a:t>Click to edit Master title style</a:t>
+            </a:r>
+            <a:endParaRPr dirty="0"/>
+          </a:p>
+        </p:txBody>
+      </p:sp>
+      <p:sp>
+        <p:nvSpPr>
+          <p:cNvPr id="3" name="Picture Placeholder 2"/>
+          <p:cNvSpPr>
+            <a:spLocks noGrp="1"/>
+          </p:cNvSpPr>
+          <p:nvPr>
+            <p:ph type="pic" idx="1"/>
+          </p:nvPr>
+        </p:nvSpPr>
+        <p:spPr>
+          <a:xfrm>
+            <a:off x="356347" y="331694"/>
+            <a:ext cx="8421624" cy="3783106"/>
+          </a:xfrm>
+        </p:spPr>
+        <p:txBody>
+          <a:bodyPr>
+            <a:normAutofit/>
+          </a:bodyPr>
+          <a:lstStyle>
+            <a:lvl1pPr marL="0" indent="0">
+              <a:buNone/>
+              <a:defRPr sz="2400"/>
+            </a:lvl1pPr>
+            <a:lvl2pPr marL="457200" indent="0">
+              <a:buNone/>
+              <a:defRPr sz="2800"/>
+            </a:lvl2pPr>
+            <a:lvl3pPr marL="914400" indent="0">
+              <a:buNone/>
+              <a:defRPr sz="2400"/>
+            </a:lvl3pPr>
+            <a:lvl4pPr marL="1371600" indent="0">
+              <a:buNone/>
+              <a:defRPr sz="2000"/>
+            </a:lvl4pPr>
+            <a:lvl5pPr marL="1828800" indent="0">
+              <a:buNone/>
+              <a:defRPr sz="2000"/>
+            </a:lvl5pPr>
+            <a:lvl6pPr marL="2286000" indent="0">
+              <a:buNone/>
+              <a:defRPr sz="2000"/>
+            </a:lvl6pPr>
+            <a:lvl7pPr marL="2743200" indent="0">
+              <a:buNone/>
+              <a:defRPr sz="2000"/>
+            </a:lvl7pPr>
+            <a:lvl8pPr marL="3200400" indent="0">
+              <a:buNone/>
+              <a:defRPr sz="2000"/>
+            </a:lvl8pPr>
+            <a:lvl9pPr marL="3657600" indent="0">
+              <a:buNone/>
+              <a:defRPr sz="2000"/>
+            </a:lvl9pPr>
+          </a:lstStyle>
+          <a:p>
+            <a:r>
+              <a:rPr lang="en-US" smtClean="0"/>
+              <a:t>Drag picture to placeholder or click icon to add</a:t>
+            </a:r>
+            <a:endParaRPr/>
+          </a:p>
+        </p:txBody>
+      </p:sp>
+      <p:sp>
+        <p:nvSpPr>
+          <p:cNvPr id="4" name="Text Placeholder 3"/>
+          <p:cNvSpPr>
+            <a:spLocks noGrp="1"/>
+          </p:cNvSpPr>
+          <p:nvPr>
+            <p:ph type="body" sz="half" idx="2"/>
+          </p:nvPr>
+        </p:nvSpPr>
+        <p:spPr>
+          <a:xfrm>
+            <a:off x="530351" y="5271247"/>
+            <a:ext cx="8021977" cy="1013011"/>
+          </a:xfrm>
+        </p:spPr>
+        <p:txBody>
+          <a:bodyPr vert="horz" lIns="91440" tIns="45720" rIns="91440" bIns="45720" rtlCol="0">
+            <a:normAutofit/>
+          </a:bodyPr>
+          <a:lstStyle>
+            <a:lvl1pPr marL="0" indent="0">
+              <a:spcBef>
+                <a:spcPts val="0"/>
+              </a:spcBef>
+              <a:buNone/>
+              <a:defRPr sz="1800" kern="1200">
+                <a:solidFill>
+                  <a:schemeClr val="tx1">
+                    <a:lumMod val="75000"/>
+                    <a:lumOff val="25000"/>
+                  </a:schemeClr>
+                </a:solidFill>
+                <a:latin typeface="+mn-lt"/>
+                <a:ea typeface="+mn-ea"/>
+                <a:cs typeface="+mn-cs"/>
+              </a:defRPr>
+            </a:lvl1pPr>
+            <a:lvl2pPr marL="457200" indent="0">
+              <a:buNone/>
+              <a:defRPr sz="1200"/>
+            </a:lvl2pPr>
+            <a:lvl3pPr marL="914400" indent="0">
+              <a:buNone/>
+              <a:defRPr sz="1000"/>
+            </a:lvl3pPr>
+            <a:lvl4pPr marL="1371600" indent="0">
+              <a:buNone/>
+              <a:defRPr sz="900"/>
+            </a:lvl4pPr>
+            <a:lvl5pPr marL="1828800" indent="0">
+              <a:buNone/>
+              <a:defRPr sz="900"/>
+            </a:lvl5pPr>
+            <a:lvl6pPr marL="2286000" indent="0">
+              <a:buNone/>
+              <a:defRPr sz="900"/>
+            </a:lvl6pPr>
+            <a:lvl7pPr marL="2743200" indent="0">
+              <a:buNone/>
+              <a:defRPr sz="900"/>
+            </a:lvl7pPr>
+            <a:lvl8pPr marL="3200400" indent="0">
+              <a:buNone/>
+              <a:defRPr sz="900"/>
+            </a:lvl8pPr>
+            <a:lvl9pPr marL="3657600" indent="0">
+              <a:buNone/>
+              <a:defRPr sz="900"/>
+            </a:lvl9pPr>
+          </a:lstStyle>
+          <a:p>
+            <a:pPr marL="0" lvl="0" indent="0" algn="l" defTabSz="914400" rtl="0" eaLnBrk="1" latinLnBrk="0" hangingPunct="1">
+              <a:lnSpc>
+                <a:spcPct val="120000"/>
+              </a:lnSpc>
+              <a:spcBef>
+                <a:spcPts val="2000"/>
+              </a:spcBef>
+              <a:buClr>
+                <a:schemeClr val="bg1">
+                  <a:lumMod val="75000"/>
+                  <a:lumOff val="25000"/>
+                </a:schemeClr>
+              </a:buClr>
+              <a:buFont typeface="Arial" pitchFamily="34" charset="0"/>
+              <a:buNone/>
+            </a:pPr>
+            <a:r>
+              <a:rPr lang="en-US" smtClean="0"/>
+              <a:t>Click to edit Master text styles</a:t>
+            </a:r>
+          </a:p>
+        </p:txBody>
+      </p:sp>
+      <p:sp>
+        <p:nvSpPr>
+          <p:cNvPr id="5" name="Date Placeholder 4"/>
+          <p:cNvSpPr>
+            <a:spLocks noGrp="1"/>
+          </p:cNvSpPr>
+          <p:nvPr>
+            <p:ph type="dt" sz="half" idx="10"/>
+          </p:nvPr>
+        </p:nvSpPr>
+        <p:spPr/>
+        <p:txBody>
+          <a:bodyPr/>
+          <a:lstStyle/>
+          <a:p>
+            <a:fld id="{4671B44B-FB70-E747-B8B6-ADB8F11B392A}" type="datetimeFigureOut">
+              <a:rPr lang="en-US" smtClean="0"/>
+              <a:t>16-12-14</a:t>
+            </a:fld>
+            <a:endParaRPr lang="en-US"/>
+          </a:p>
+        </p:txBody>
+      </p:sp>
+      <p:sp>
+        <p:nvSpPr>
+          <p:cNvPr id="6" name="Footer Placeholder 5"/>
+          <p:cNvSpPr>
+            <a:spLocks noGrp="1"/>
+          </p:cNvSpPr>
+          <p:nvPr>
+            <p:ph type="ftr" sz="quarter" idx="11"/>
+          </p:nvPr>
+        </p:nvSpPr>
+        <p:spPr/>
+        <p:txBody>
+          <a:bodyPr/>
+          <a:lstStyle/>
+          <a:p>
+            <a:endParaRPr lang="en-US"/>
+          </a:p>
+        </p:txBody>
+      </p:sp>
+      <p:sp>
+        <p:nvSpPr>
+          <p:cNvPr id="7" name="Slide Number Placeholder 6"/>
+          <p:cNvSpPr>
+            <a:spLocks noGrp="1"/>
+          </p:cNvSpPr>
+          <p:nvPr>
+            <p:ph type="sldNum" sz="quarter" idx="12"/>
+          </p:nvPr>
+        </p:nvSpPr>
+        <p:spPr/>
+        <p:txBody>
+          <a:bodyPr/>
+          <a:lstStyle/>
+          <a:p>
+            <a:fld id="{53C7CC39-DB3E-5D4E-B18C-FAACE5FDA6BF}" type="slidenum">
+              <a:rPr lang="en-US" smtClean="0"/>
+              <a:t>‹#›</a:t>
+            </a:fld>
+            <a:endParaRPr lang="en-US"/>
+          </a:p>
+        </p:txBody>
+      </p:sp>
+    </p:spTree>
+  </p:cSld>
+  <p:clrMapOvr>
+    <a:masterClrMapping/>
+  </p:clrMapOvr>
+</p:sldLayout>
+</file>
+
+<file path=ppt/slideLayouts/slideLayout13.xml><?xml version="1.0" encoding="utf-8"?>
 <p:sldLayout xmlns:a="http://schemas.openxmlformats.org/drawingml/2006/main" xmlns:r="http://schemas.openxmlformats.org/officeDocument/2006/relationships" xmlns:p="http://schemas.openxmlformats.org/presentationml/2006/main" type="vertTx" preserve="1">
   <p:cSld name="Title and Vertical Text">
     <p:spTree>
@@ -372,6 +2344,239 @@
           <a:chExt cx="0" cy="0"/>
         </a:xfrm>
       </p:grpSpPr>
+      <p:grpSp>
+        <p:nvGrpSpPr>
+          <p:cNvPr id="13" name="Group 12"/>
+          <p:cNvGrpSpPr/>
+          <p:nvPr/>
+        </p:nvGrpSpPr>
+        <p:grpSpPr>
+          <a:xfrm>
+            <a:off x="182880" y="173699"/>
+            <a:ext cx="8778240" cy="6510602"/>
+            <a:chOff x="182880" y="173699"/>
+            <a:chExt cx="8778240" cy="6510602"/>
+          </a:xfrm>
+        </p:grpSpPr>
+        <p:sp>
+          <p:nvSpPr>
+            <p:cNvPr id="14" name="Rectangle 13"/>
+            <p:cNvSpPr/>
+            <p:nvPr/>
+          </p:nvSpPr>
+          <p:spPr>
+            <a:xfrm>
+              <a:off x="182880" y="173699"/>
+              <a:ext cx="8778240" cy="6510602"/>
+            </a:xfrm>
+            <a:prstGeom prst="rect">
+              <a:avLst/>
+            </a:prstGeom>
+            <a:solidFill>
+              <a:schemeClr val="bg1">
+                <a:lumMod val="95000"/>
+              </a:schemeClr>
+            </a:solidFill>
+            <a:ln w="12700">
+              <a:noFill/>
+            </a:ln>
+            <a:effectLst>
+              <a:outerShdw blurRad="63500" sx="101000" sy="101000" algn="ctr" rotWithShape="0">
+                <a:prstClr val="black">
+                  <a:alpha val="40000"/>
+                </a:prstClr>
+              </a:outerShdw>
+            </a:effectLst>
+            <a:scene3d>
+              <a:camera prst="perspectiveFront" fov="4800000"/>
+              <a:lightRig rig="threePt" dir="t"/>
+            </a:scene3d>
+          </p:spPr>
+          <p:style>
+            <a:lnRef idx="1">
+              <a:schemeClr val="accent1"/>
+            </a:lnRef>
+            <a:fillRef idx="3">
+              <a:schemeClr val="accent1"/>
+            </a:fillRef>
+            <a:effectRef idx="2">
+              <a:schemeClr val="accent1"/>
+            </a:effectRef>
+            <a:fontRef idx="minor">
+              <a:schemeClr val="lt1"/>
+            </a:fontRef>
+          </p:style>
+          <p:txBody>
+            <a:bodyPr rtlCol="0" anchor="ctr"/>
+            <a:lstStyle/>
+            <a:p>
+              <a:pPr algn="ctr"/>
+              <a:endParaRPr lang="en-US"/>
+            </a:p>
+          </p:txBody>
+        </p:sp>
+        <p:grpSp>
+          <p:nvGrpSpPr>
+            <p:cNvPr id="15" name="Group 10"/>
+            <p:cNvGrpSpPr/>
+            <p:nvPr/>
+          </p:nvGrpSpPr>
+          <p:grpSpPr>
+            <a:xfrm>
+              <a:off x="256032" y="237744"/>
+              <a:ext cx="8622792" cy="6364224"/>
+              <a:chOff x="247157" y="247430"/>
+              <a:chExt cx="8622792" cy="6364224"/>
+            </a:xfrm>
+          </p:grpSpPr>
+          <p:sp>
+            <p:nvSpPr>
+              <p:cNvPr id="16" name="Rectangle 15"/>
+              <p:cNvSpPr>
+                <a:spLocks/>
+              </p:cNvSpPr>
+              <p:nvPr/>
+            </p:nvSpPr>
+            <p:spPr>
+              <a:xfrm>
+                <a:off x="247157" y="247430"/>
+                <a:ext cx="8622792" cy="6364224"/>
+              </a:xfrm>
+              <a:prstGeom prst="rect">
+                <a:avLst/>
+              </a:prstGeom>
+              <a:noFill/>
+              <a:ln w="12700">
+                <a:solidFill>
+                  <a:schemeClr val="tx2">
+                    <a:lumMod val="40000"/>
+                    <a:lumOff val="60000"/>
+                  </a:schemeClr>
+                </a:solidFill>
+              </a:ln>
+            </p:spPr>
+            <p:style>
+              <a:lnRef idx="2">
+                <a:schemeClr val="accent1">
+                  <a:shade val="50000"/>
+                </a:schemeClr>
+              </a:lnRef>
+              <a:fillRef idx="1">
+                <a:schemeClr val="accent1"/>
+              </a:fillRef>
+              <a:effectRef idx="0">
+                <a:schemeClr val="accent1"/>
+              </a:effectRef>
+              <a:fontRef idx="minor">
+                <a:schemeClr val="lt1"/>
+              </a:fontRef>
+            </p:style>
+            <p:txBody>
+              <a:bodyPr rtlCol="0" anchor="ctr"/>
+              <a:lstStyle/>
+              <a:p>
+                <a:pPr algn="ctr"/>
+                <a:endParaRPr/>
+              </a:p>
+            </p:txBody>
+          </p:sp>
+          <p:cxnSp>
+            <p:nvCxnSpPr>
+              <p:cNvPr id="17" name="Straight Connector 16"/>
+              <p:cNvCxnSpPr/>
+              <p:nvPr/>
+            </p:nvCxnSpPr>
+            <p:spPr>
+              <a:xfrm>
+                <a:off x="247157" y="6389024"/>
+                <a:ext cx="8622792" cy="1588"/>
+              </a:xfrm>
+              <a:prstGeom prst="line">
+                <a:avLst/>
+              </a:prstGeom>
+              <a:noFill/>
+              <a:ln w="12700">
+                <a:solidFill>
+                  <a:schemeClr val="tx2">
+                    <a:lumMod val="40000"/>
+                    <a:lumOff val="60000"/>
+                  </a:schemeClr>
+                </a:solidFill>
+              </a:ln>
+            </p:spPr>
+            <p:style>
+              <a:lnRef idx="2">
+                <a:schemeClr val="accent1">
+                  <a:shade val="50000"/>
+                </a:schemeClr>
+              </a:lnRef>
+              <a:fillRef idx="1">
+                <a:schemeClr val="accent1"/>
+              </a:fillRef>
+              <a:effectRef idx="0">
+                <a:schemeClr val="accent1"/>
+              </a:effectRef>
+              <a:fontRef idx="minor">
+                <a:schemeClr val="lt1"/>
+              </a:fontRef>
+            </p:style>
+          </p:cxnSp>
+          <p:sp>
+            <p:nvSpPr>
+              <p:cNvPr id="18" name="Rectangle 17"/>
+              <p:cNvSpPr/>
+              <p:nvPr/>
+            </p:nvSpPr>
+            <p:spPr>
+              <a:xfrm>
+                <a:off x="247157" y="1612392"/>
+                <a:ext cx="8622792" cy="64008"/>
+              </a:xfrm>
+              <a:prstGeom prst="rect">
+                <a:avLst/>
+              </a:prstGeom>
+              <a:solidFill>
+                <a:schemeClr val="bg2">
+                  <a:lumMod val="40000"/>
+                  <a:lumOff val="60000"/>
+                </a:schemeClr>
+              </a:solidFill>
+              <a:ln w="3175">
+                <a:solidFill>
+                  <a:schemeClr val="tx2">
+                    <a:lumMod val="40000"/>
+                    <a:lumOff val="60000"/>
+                  </a:schemeClr>
+                </a:solidFill>
+              </a:ln>
+            </p:spPr>
+            <p:style>
+              <a:lnRef idx="2">
+                <a:schemeClr val="accent1">
+                  <a:shade val="50000"/>
+                </a:schemeClr>
+              </a:lnRef>
+              <a:fillRef idx="1">
+                <a:schemeClr val="accent1"/>
+              </a:fillRef>
+              <a:effectRef idx="0">
+                <a:schemeClr val="accent1"/>
+              </a:effectRef>
+              <a:fontRef idx="minor">
+                <a:schemeClr val="lt1"/>
+              </a:fontRef>
+            </p:style>
+            <p:txBody>
+              <a:bodyPr rtlCol="0" anchor="ctr"/>
+              <a:lstStyle/>
+              <a:p>
+                <a:pPr algn="ctr"/>
+                <a:endParaRPr/>
+              </a:p>
+            </p:txBody>
+          </p:sp>
+        </p:grpSp>
+      </p:grpSp>
       <p:sp>
         <p:nvSpPr>
           <p:cNvPr id="2" name="Title 1"/>
@@ -391,7 +2596,7 @@
               <a:rPr lang="en-US" smtClean="0"/>
               <a:t>Click to edit Master title style</a:t>
             </a:r>
-            <a:endParaRPr lang="en-US"/>
+            <a:endParaRPr/>
           </a:p>
         </p:txBody>
       </p:sp>
@@ -408,7 +2613,11 @@
         <p:spPr/>
         <p:txBody>
           <a:bodyPr vert="eaVert"/>
-          <a:lstStyle/>
+          <a:lstStyle>
+            <a:lvl5pPr>
+              <a:defRPr/>
+            </a:lvl5pPr>
+          </a:lstStyle>
           <a:p>
             <a:pPr lvl="0"/>
             <a:r>
@@ -443,7 +2652,7 @@
               <a:rPr lang="en-US" smtClean="0"/>
               <a:t>Fifth level</a:t>
             </a:r>
-            <a:endParaRPr lang="en-US"/>
+            <a:endParaRPr dirty="0"/>
           </a:p>
         </p:txBody>
       </p:sp>
@@ -464,7 +2673,7 @@
           <a:p>
             <a:fld id="{4671B44B-FB70-E747-B8B6-ADB8F11B392A}" type="datetimeFigureOut">
               <a:rPr lang="en-US" smtClean="0"/>
-              <a:t>18-11-14</a:t>
+              <a:t>16-12-14</a:t>
             </a:fld>
             <a:endParaRPr lang="en-US"/>
           </a:p>
@@ -513,11 +2722,6 @@
         </p:txBody>
       </p:sp>
     </p:spTree>
-    <p:extLst>
-      <p:ext uri="{BB962C8B-B14F-4D97-AF65-F5344CB8AC3E}">
-        <p14:creationId xmlns:p14="http://schemas.microsoft.com/office/powerpoint/2010/main" val="3364377016"/>
-      </p:ext>
-    </p:extLst>
   </p:cSld>
   <p:clrMapOvr>
     <a:masterClrMapping/>
@@ -525,7 +2729,7 @@
 </p:sldLayout>
 </file>
 
-<file path=ppt/slideLayouts/slideLayout11.xml><?xml version="1.0" encoding="utf-8"?>
+<file path=ppt/slideLayouts/slideLayout14.xml><?xml version="1.0" encoding="utf-8"?>
 <p:sldLayout xmlns:a="http://schemas.openxmlformats.org/drawingml/2006/main" xmlns:r="http://schemas.openxmlformats.org/officeDocument/2006/relationships" xmlns:p="http://schemas.openxmlformats.org/presentationml/2006/main" type="vertTitleAndTx" preserve="1">
   <p:cSld name="Vertical Title and Text">
     <p:spTree>
@@ -542,6 +2746,254 @@
           <a:chExt cx="0" cy="0"/>
         </a:xfrm>
       </p:grpSpPr>
+      <p:grpSp>
+        <p:nvGrpSpPr>
+          <p:cNvPr id="9" name="Group 8"/>
+          <p:cNvGrpSpPr/>
+          <p:nvPr/>
+        </p:nvGrpSpPr>
+        <p:grpSpPr>
+          <a:xfrm>
+            <a:off x="182880" y="173699"/>
+            <a:ext cx="8778240" cy="6510602"/>
+            <a:chOff x="182880" y="173699"/>
+            <a:chExt cx="8778240" cy="6510602"/>
+          </a:xfrm>
+        </p:grpSpPr>
+        <p:grpSp>
+          <p:nvGrpSpPr>
+            <p:cNvPr id="14" name="Group 13"/>
+            <p:cNvGrpSpPr/>
+            <p:nvPr/>
+          </p:nvGrpSpPr>
+          <p:grpSpPr>
+            <a:xfrm>
+              <a:off x="182880" y="173699"/>
+              <a:ext cx="8778240" cy="6510602"/>
+              <a:chOff x="182880" y="173699"/>
+              <a:chExt cx="8778240" cy="6510602"/>
+            </a:xfrm>
+          </p:grpSpPr>
+          <p:sp>
+            <p:nvSpPr>
+              <p:cNvPr id="15" name="Rectangle 14"/>
+              <p:cNvSpPr/>
+              <p:nvPr/>
+            </p:nvSpPr>
+            <p:spPr>
+              <a:xfrm>
+                <a:off x="182880" y="173699"/>
+                <a:ext cx="8778240" cy="6510602"/>
+              </a:xfrm>
+              <a:prstGeom prst="rect">
+                <a:avLst/>
+              </a:prstGeom>
+              <a:solidFill>
+                <a:schemeClr val="bg1">
+                  <a:lumMod val="95000"/>
+                </a:schemeClr>
+              </a:solidFill>
+              <a:ln w="12700">
+                <a:noFill/>
+              </a:ln>
+              <a:effectLst>
+                <a:outerShdw blurRad="63500" sx="101000" sy="101000" algn="ctr" rotWithShape="0">
+                  <a:prstClr val="black">
+                    <a:alpha val="40000"/>
+                  </a:prstClr>
+                </a:outerShdw>
+              </a:effectLst>
+              <a:scene3d>
+                <a:camera prst="perspectiveFront" fov="4800000"/>
+                <a:lightRig rig="threePt" dir="t"/>
+              </a:scene3d>
+            </p:spPr>
+            <p:style>
+              <a:lnRef idx="1">
+                <a:schemeClr val="accent1"/>
+              </a:lnRef>
+              <a:fillRef idx="3">
+                <a:schemeClr val="accent1"/>
+              </a:fillRef>
+              <a:effectRef idx="2">
+                <a:schemeClr val="accent1"/>
+              </a:effectRef>
+              <a:fontRef idx="minor">
+                <a:schemeClr val="lt1"/>
+              </a:fontRef>
+            </p:style>
+            <p:txBody>
+              <a:bodyPr rtlCol="0" anchor="ctr"/>
+              <a:lstStyle/>
+              <a:p>
+                <a:pPr algn="ctr"/>
+                <a:endParaRPr lang="en-US"/>
+              </a:p>
+            </p:txBody>
+          </p:sp>
+          <p:grpSp>
+            <p:nvGrpSpPr>
+              <p:cNvPr id="16" name="Group 10"/>
+              <p:cNvGrpSpPr/>
+              <p:nvPr/>
+            </p:nvGrpSpPr>
+            <p:grpSpPr>
+              <a:xfrm>
+                <a:off x="256032" y="237744"/>
+                <a:ext cx="8622792" cy="6364224"/>
+                <a:chOff x="247157" y="247430"/>
+                <a:chExt cx="8622792" cy="6364224"/>
+              </a:xfrm>
+            </p:grpSpPr>
+            <p:sp>
+              <p:nvSpPr>
+                <p:cNvPr id="17" name="Rectangle 16"/>
+                <p:cNvSpPr>
+                  <a:spLocks/>
+                </p:cNvSpPr>
+                <p:nvPr/>
+              </p:nvSpPr>
+              <p:spPr>
+                <a:xfrm>
+                  <a:off x="247157" y="247430"/>
+                  <a:ext cx="8622792" cy="6364224"/>
+                </a:xfrm>
+                <a:prstGeom prst="rect">
+                  <a:avLst/>
+                </a:prstGeom>
+                <a:noFill/>
+                <a:ln w="12700">
+                  <a:solidFill>
+                    <a:schemeClr val="tx2">
+                      <a:lumMod val="40000"/>
+                      <a:lumOff val="60000"/>
+                    </a:schemeClr>
+                  </a:solidFill>
+                </a:ln>
+              </p:spPr>
+              <p:style>
+                <a:lnRef idx="2">
+                  <a:schemeClr val="accent1">
+                    <a:shade val="50000"/>
+                  </a:schemeClr>
+                </a:lnRef>
+                <a:fillRef idx="1">
+                  <a:schemeClr val="accent1"/>
+                </a:fillRef>
+                <a:effectRef idx="0">
+                  <a:schemeClr val="accent1"/>
+                </a:effectRef>
+                <a:fontRef idx="minor">
+                  <a:schemeClr val="lt1"/>
+                </a:fontRef>
+              </p:style>
+              <p:txBody>
+                <a:bodyPr rtlCol="0" anchor="ctr"/>
+                <a:lstStyle/>
+                <a:p>
+                  <a:pPr algn="ctr"/>
+                  <a:endParaRPr/>
+                </a:p>
+              </p:txBody>
+            </p:sp>
+            <p:cxnSp>
+              <p:nvCxnSpPr>
+                <p:cNvPr id="19" name="Straight Connector 18"/>
+                <p:cNvCxnSpPr/>
+                <p:nvPr/>
+              </p:nvCxnSpPr>
+              <p:spPr>
+                <a:xfrm>
+                  <a:off x="247157" y="6389024"/>
+                  <a:ext cx="8622792" cy="1588"/>
+                </a:xfrm>
+                <a:prstGeom prst="line">
+                  <a:avLst/>
+                </a:prstGeom>
+                <a:noFill/>
+                <a:ln w="12700">
+                  <a:solidFill>
+                    <a:schemeClr val="tx2">
+                      <a:lumMod val="40000"/>
+                      <a:lumOff val="60000"/>
+                    </a:schemeClr>
+                  </a:solidFill>
+                </a:ln>
+              </p:spPr>
+              <p:style>
+                <a:lnRef idx="2">
+                  <a:schemeClr val="accent1">
+                    <a:shade val="50000"/>
+                  </a:schemeClr>
+                </a:lnRef>
+                <a:fillRef idx="1">
+                  <a:schemeClr val="accent1"/>
+                </a:fillRef>
+                <a:effectRef idx="0">
+                  <a:schemeClr val="accent1"/>
+                </a:effectRef>
+                <a:fontRef idx="minor">
+                  <a:schemeClr val="lt1"/>
+                </a:fontRef>
+              </p:style>
+            </p:cxnSp>
+          </p:grpSp>
+        </p:grpSp>
+        <p:sp>
+          <p:nvSpPr>
+            <p:cNvPr id="18" name="Rectangle 17"/>
+            <p:cNvSpPr/>
+            <p:nvPr/>
+          </p:nvSpPr>
+          <p:spPr>
+            <a:xfrm rot="5400000">
+              <a:off x="4242277" y="3274090"/>
+              <a:ext cx="6135624" cy="64008"/>
+            </a:xfrm>
+            <a:prstGeom prst="rect">
+              <a:avLst/>
+            </a:prstGeom>
+            <a:solidFill>
+              <a:schemeClr val="bg2">
+                <a:lumMod val="40000"/>
+                <a:lumOff val="60000"/>
+              </a:schemeClr>
+            </a:solidFill>
+            <a:ln w="3175">
+              <a:solidFill>
+                <a:schemeClr val="tx2">
+                  <a:lumMod val="40000"/>
+                  <a:lumOff val="60000"/>
+                </a:schemeClr>
+              </a:solidFill>
+            </a:ln>
+          </p:spPr>
+          <p:style>
+            <a:lnRef idx="2">
+              <a:schemeClr val="accent1">
+                <a:shade val="50000"/>
+              </a:schemeClr>
+            </a:lnRef>
+            <a:fillRef idx="1">
+              <a:schemeClr val="accent1"/>
+            </a:fillRef>
+            <a:effectRef idx="0">
+              <a:schemeClr val="accent1"/>
+            </a:effectRef>
+            <a:fontRef idx="minor">
+              <a:schemeClr val="lt1"/>
+            </a:fontRef>
+          </p:style>
+          <p:txBody>
+            <a:bodyPr rtlCol="0" anchor="ctr"/>
+            <a:lstStyle/>
+            <a:p>
+              <a:pPr algn="ctr"/>
+              <a:endParaRPr/>
+            </a:p>
+          </p:txBody>
+        </p:sp>
+      </p:grpSp>
       <p:sp>
         <p:nvSpPr>
           <p:cNvPr id="2" name="Vertical Title 1"/>
@@ -554,19 +3006,25 @@
         </p:nvSpPr>
         <p:spPr>
           <a:xfrm>
-            <a:off x="6629400" y="274638"/>
-            <a:ext cx="2057400" cy="5851525"/>
+            <a:off x="7391399" y="609600"/>
+            <a:ext cx="1416423" cy="5516563"/>
           </a:xfrm>
         </p:spPr>
         <p:txBody>
-          <a:bodyPr vert="eaVert"/>
-          <a:lstStyle/>
+          <a:bodyPr vert="eaVert">
+            <a:normAutofit/>
+          </a:bodyPr>
+          <a:lstStyle>
+            <a:lvl1pPr>
+              <a:defRPr sz="3600"/>
+            </a:lvl1pPr>
+          </a:lstStyle>
           <a:p>
             <a:r>
               <a:rPr lang="en-US" smtClean="0"/>
               <a:t>Click to edit Master title style</a:t>
             </a:r>
-            <a:endParaRPr lang="en-US"/>
+            <a:endParaRPr/>
           </a:p>
         </p:txBody>
       </p:sp>
@@ -582,13 +3040,17 @@
         </p:nvSpPr>
         <p:spPr>
           <a:xfrm>
-            <a:off x="457200" y="274638"/>
-            <a:ext cx="6019800" cy="5851525"/>
+            <a:off x="578222" y="609600"/>
+            <a:ext cx="6279777" cy="5516563"/>
           </a:xfrm>
         </p:spPr>
         <p:txBody>
           <a:bodyPr vert="eaVert"/>
-          <a:lstStyle/>
+          <a:lstStyle>
+            <a:lvl5pPr>
+              <a:defRPr/>
+            </a:lvl5pPr>
+          </a:lstStyle>
           <a:p>
             <a:pPr lvl="0"/>
             <a:r>
@@ -623,7 +3085,7 @@
               <a:rPr lang="en-US" smtClean="0"/>
               <a:t>Fifth level</a:t>
             </a:r>
-            <a:endParaRPr lang="en-US"/>
+            <a:endParaRPr dirty="0"/>
           </a:p>
         </p:txBody>
       </p:sp>
@@ -644,7 +3106,7 @@
           <a:p>
             <a:fld id="{4671B44B-FB70-E747-B8B6-ADB8F11B392A}" type="datetimeFigureOut">
               <a:rPr lang="en-US" smtClean="0"/>
-              <a:t>18-11-14</a:t>
+              <a:t>16-12-14</a:t>
             </a:fld>
             <a:endParaRPr lang="en-US"/>
           </a:p>
@@ -693,11 +3155,6 @@
         </p:txBody>
       </p:sp>
     </p:spTree>
-    <p:extLst>
-      <p:ext uri="{BB962C8B-B14F-4D97-AF65-F5344CB8AC3E}">
-        <p14:creationId xmlns:p14="http://schemas.microsoft.com/office/powerpoint/2010/main" val="2802591745"/>
-      </p:ext>
-    </p:extLst>
   </p:cSld>
   <p:clrMapOvr>
     <a:masterClrMapping/>
@@ -722,6 +3179,239 @@
           <a:chExt cx="0" cy="0"/>
         </a:xfrm>
       </p:grpSpPr>
+      <p:grpSp>
+        <p:nvGrpSpPr>
+          <p:cNvPr id="9" name="Group 8"/>
+          <p:cNvGrpSpPr/>
+          <p:nvPr/>
+        </p:nvGrpSpPr>
+        <p:grpSpPr>
+          <a:xfrm>
+            <a:off x="182880" y="173699"/>
+            <a:ext cx="8778240" cy="6510602"/>
+            <a:chOff x="182880" y="173699"/>
+            <a:chExt cx="8778240" cy="6510602"/>
+          </a:xfrm>
+        </p:grpSpPr>
+        <p:sp>
+          <p:nvSpPr>
+            <p:cNvPr id="13" name="Rectangle 12"/>
+            <p:cNvSpPr/>
+            <p:nvPr/>
+          </p:nvSpPr>
+          <p:spPr>
+            <a:xfrm>
+              <a:off x="182880" y="173699"/>
+              <a:ext cx="8778240" cy="6510602"/>
+            </a:xfrm>
+            <a:prstGeom prst="rect">
+              <a:avLst/>
+            </a:prstGeom>
+            <a:solidFill>
+              <a:schemeClr val="bg1">
+                <a:lumMod val="95000"/>
+              </a:schemeClr>
+            </a:solidFill>
+            <a:ln w="12700">
+              <a:noFill/>
+            </a:ln>
+            <a:effectLst>
+              <a:outerShdw blurRad="63500" sx="101000" sy="101000" algn="ctr" rotWithShape="0">
+                <a:prstClr val="black">
+                  <a:alpha val="40000"/>
+                </a:prstClr>
+              </a:outerShdw>
+            </a:effectLst>
+            <a:scene3d>
+              <a:camera prst="perspectiveFront" fov="4800000"/>
+              <a:lightRig rig="threePt" dir="t"/>
+            </a:scene3d>
+          </p:spPr>
+          <p:style>
+            <a:lnRef idx="1">
+              <a:schemeClr val="accent1"/>
+            </a:lnRef>
+            <a:fillRef idx="3">
+              <a:schemeClr val="accent1"/>
+            </a:fillRef>
+            <a:effectRef idx="2">
+              <a:schemeClr val="accent1"/>
+            </a:effectRef>
+            <a:fontRef idx="minor">
+              <a:schemeClr val="lt1"/>
+            </a:fontRef>
+          </p:style>
+          <p:txBody>
+            <a:bodyPr rtlCol="0" anchor="ctr"/>
+            <a:lstStyle/>
+            <a:p>
+              <a:pPr algn="ctr"/>
+              <a:endParaRPr lang="en-US"/>
+            </a:p>
+          </p:txBody>
+        </p:sp>
+        <p:grpSp>
+          <p:nvGrpSpPr>
+            <p:cNvPr id="8" name="Group 10"/>
+            <p:cNvGrpSpPr/>
+            <p:nvPr/>
+          </p:nvGrpSpPr>
+          <p:grpSpPr>
+            <a:xfrm>
+              <a:off x="256032" y="237744"/>
+              <a:ext cx="8622792" cy="6364224"/>
+              <a:chOff x="247157" y="247430"/>
+              <a:chExt cx="8622792" cy="6364224"/>
+            </a:xfrm>
+          </p:grpSpPr>
+          <p:sp>
+            <p:nvSpPr>
+              <p:cNvPr id="19" name="Rectangle 18"/>
+              <p:cNvSpPr>
+                <a:spLocks/>
+              </p:cNvSpPr>
+              <p:nvPr/>
+            </p:nvSpPr>
+            <p:spPr>
+              <a:xfrm>
+                <a:off x="247157" y="247430"/>
+                <a:ext cx="8622792" cy="6364224"/>
+              </a:xfrm>
+              <a:prstGeom prst="rect">
+                <a:avLst/>
+              </a:prstGeom>
+              <a:noFill/>
+              <a:ln w="12700">
+                <a:solidFill>
+                  <a:schemeClr val="tx2">
+                    <a:lumMod val="40000"/>
+                    <a:lumOff val="60000"/>
+                  </a:schemeClr>
+                </a:solidFill>
+              </a:ln>
+            </p:spPr>
+            <p:style>
+              <a:lnRef idx="2">
+                <a:schemeClr val="accent1">
+                  <a:shade val="50000"/>
+                </a:schemeClr>
+              </a:lnRef>
+              <a:fillRef idx="1">
+                <a:schemeClr val="accent1"/>
+              </a:fillRef>
+              <a:effectRef idx="0">
+                <a:schemeClr val="accent1"/>
+              </a:effectRef>
+              <a:fontRef idx="minor">
+                <a:schemeClr val="lt1"/>
+              </a:fontRef>
+            </p:style>
+            <p:txBody>
+              <a:bodyPr rtlCol="0" anchor="ctr"/>
+              <a:lstStyle/>
+              <a:p>
+                <a:pPr algn="ctr"/>
+                <a:endParaRPr/>
+              </a:p>
+            </p:txBody>
+          </p:sp>
+          <p:cxnSp>
+            <p:nvCxnSpPr>
+              <p:cNvPr id="20" name="Straight Connector 19"/>
+              <p:cNvCxnSpPr/>
+              <p:nvPr/>
+            </p:nvCxnSpPr>
+            <p:spPr>
+              <a:xfrm>
+                <a:off x="247157" y="6389024"/>
+                <a:ext cx="8622792" cy="1588"/>
+              </a:xfrm>
+              <a:prstGeom prst="line">
+                <a:avLst/>
+              </a:prstGeom>
+              <a:noFill/>
+              <a:ln w="12700">
+                <a:solidFill>
+                  <a:schemeClr val="tx2">
+                    <a:lumMod val="40000"/>
+                    <a:lumOff val="60000"/>
+                  </a:schemeClr>
+                </a:solidFill>
+              </a:ln>
+            </p:spPr>
+            <p:style>
+              <a:lnRef idx="2">
+                <a:schemeClr val="accent1">
+                  <a:shade val="50000"/>
+                </a:schemeClr>
+              </a:lnRef>
+              <a:fillRef idx="1">
+                <a:schemeClr val="accent1"/>
+              </a:fillRef>
+              <a:effectRef idx="0">
+                <a:schemeClr val="accent1"/>
+              </a:effectRef>
+              <a:fontRef idx="minor">
+                <a:schemeClr val="lt1"/>
+              </a:fontRef>
+            </p:style>
+          </p:cxnSp>
+          <p:sp>
+            <p:nvSpPr>
+              <p:cNvPr id="21" name="Rectangle 20"/>
+              <p:cNvSpPr/>
+              <p:nvPr/>
+            </p:nvSpPr>
+            <p:spPr>
+              <a:xfrm>
+                <a:off x="247157" y="1612392"/>
+                <a:ext cx="8622792" cy="64008"/>
+              </a:xfrm>
+              <a:prstGeom prst="rect">
+                <a:avLst/>
+              </a:prstGeom>
+              <a:solidFill>
+                <a:schemeClr val="bg2">
+                  <a:lumMod val="40000"/>
+                  <a:lumOff val="60000"/>
+                </a:schemeClr>
+              </a:solidFill>
+              <a:ln w="3175">
+                <a:solidFill>
+                  <a:schemeClr val="tx2">
+                    <a:lumMod val="40000"/>
+                    <a:lumOff val="60000"/>
+                  </a:schemeClr>
+                </a:solidFill>
+              </a:ln>
+            </p:spPr>
+            <p:style>
+              <a:lnRef idx="2">
+                <a:schemeClr val="accent1">
+                  <a:shade val="50000"/>
+                </a:schemeClr>
+              </a:lnRef>
+              <a:fillRef idx="1">
+                <a:schemeClr val="accent1"/>
+              </a:fillRef>
+              <a:effectRef idx="0">
+                <a:schemeClr val="accent1"/>
+              </a:effectRef>
+              <a:fontRef idx="minor">
+                <a:schemeClr val="lt1"/>
+              </a:fontRef>
+            </p:style>
+            <p:txBody>
+              <a:bodyPr rtlCol="0" anchor="ctr"/>
+              <a:lstStyle/>
+              <a:p>
+                <a:pPr algn="ctr"/>
+                <a:endParaRPr/>
+              </a:p>
+            </p:txBody>
+          </p:sp>
+        </p:grpSp>
+      </p:grpSp>
       <p:sp>
         <p:nvSpPr>
           <p:cNvPr id="2" name="Title 1"/>
@@ -741,7 +3431,7 @@
               <a:rPr lang="en-US" smtClean="0"/>
               <a:t>Click to edit Master title style</a:t>
             </a:r>
-            <a:endParaRPr lang="en-US"/>
+            <a:endParaRPr/>
           </a:p>
         </p:txBody>
       </p:sp>
@@ -753,6 +3443,62 @@
           </p:cNvSpPr>
           <p:nvPr>
             <p:ph idx="1"/>
+          </p:nvPr>
+        </p:nvSpPr>
+        <p:spPr/>
+        <p:txBody>
+          <a:bodyPr/>
+          <a:lstStyle>
+            <a:lvl5pPr>
+              <a:defRPr/>
+            </a:lvl5pPr>
+          </a:lstStyle>
+          <a:p>
+            <a:pPr lvl="0"/>
+            <a:r>
+              <a:rPr lang="en-US" smtClean="0"/>
+              <a:t>Click to edit Master text styles</a:t>
+            </a:r>
+          </a:p>
+          <a:p>
+            <a:pPr lvl="1"/>
+            <a:r>
+              <a:rPr lang="en-US" smtClean="0"/>
+              <a:t>Second level</a:t>
+            </a:r>
+          </a:p>
+          <a:p>
+            <a:pPr lvl="2"/>
+            <a:r>
+              <a:rPr lang="en-US" smtClean="0"/>
+              <a:t>Third level</a:t>
+            </a:r>
+          </a:p>
+          <a:p>
+            <a:pPr lvl="3"/>
+            <a:r>
+              <a:rPr lang="en-US" smtClean="0"/>
+              <a:t>Fourth level</a:t>
+            </a:r>
+          </a:p>
+          <a:p>
+            <a:pPr lvl="4"/>
+            <a:r>
+              <a:rPr lang="en-US" smtClean="0"/>
+              <a:t>Fifth level</a:t>
+            </a:r>
+            <a:endParaRPr dirty="0"/>
+          </a:p>
+        </p:txBody>
+      </p:sp>
+      <p:sp>
+        <p:nvSpPr>
+          <p:cNvPr id="4" name="Date Placeholder 3"/>
+          <p:cNvSpPr>
+            <a:spLocks noGrp="1"/>
+          </p:cNvSpPr>
+          <p:nvPr>
+            <p:ph type="dt" sz="half" idx="10"/>
           </p:nvPr>
         </p:nvSpPr>
         <p:spPr/>
@@ -760,61 +3506,9 @@
           <a:bodyPr/>
           <a:lstStyle/>
           <a:p>
-            <a:pPr lvl="0"/>
-            <a:r>
-              <a:rPr lang="en-US" smtClean="0"/>
-              <a:t>Click to edit Master text styles</a:t>
-            </a:r>
-          </a:p>
-          <a:p>
-            <a:pPr lvl="1"/>
-            <a:r>
-              <a:rPr lang="en-US" smtClean="0"/>
-              <a:t>Second level</a:t>
-            </a:r>
-          </a:p>
-          <a:p>
-            <a:pPr lvl="2"/>
-            <a:r>
-              <a:rPr lang="en-US" smtClean="0"/>
-              <a:t>Third level</a:t>
-            </a:r>
-          </a:p>
-          <a:p>
-            <a:pPr lvl="3"/>
-            <a:r>
-              <a:rPr lang="en-US" smtClean="0"/>
-              <a:t>Fourth level</a:t>
-            </a:r>
-          </a:p>
-          <a:p>
-            <a:pPr lvl="4"/>
-            <a:r>
-              <a:rPr lang="en-US" smtClean="0"/>
-              <a:t>Fifth level</a:t>
-            </a:r>
-            <a:endParaRPr lang="en-US"/>
-          </a:p>
-        </p:txBody>
-      </p:sp>
-      <p:sp>
-        <p:nvSpPr>
-          <p:cNvPr id="4" name="Date Placeholder 3"/>
-          <p:cNvSpPr>
-            <a:spLocks noGrp="1"/>
-          </p:cNvSpPr>
-          <p:nvPr>
-            <p:ph type="dt" sz="half" idx="10"/>
-          </p:nvPr>
-        </p:nvSpPr>
-        <p:spPr/>
-        <p:txBody>
-          <a:bodyPr/>
-          <a:lstStyle/>
-          <a:p>
             <a:fld id="{4671B44B-FB70-E747-B8B6-ADB8F11B392A}" type="datetimeFigureOut">
               <a:rPr lang="en-US" smtClean="0"/>
-              <a:t>18-11-14</a:t>
+              <a:t>16-12-14</a:t>
             </a:fld>
             <a:endParaRPr lang="en-US"/>
           </a:p>
@@ -863,11 +3557,6 @@
         </p:txBody>
       </p:sp>
     </p:spTree>
-    <p:extLst>
-      <p:ext uri="{BB962C8B-B14F-4D97-AF65-F5344CB8AC3E}">
-        <p14:creationId xmlns:p14="http://schemas.microsoft.com/office/powerpoint/2010/main" val="2841620177"/>
-      </p:ext>
-    </p:extLst>
   </p:cSld>
   <p:clrMapOvr>
     <a:masterClrMapping/>
@@ -876,6 +3565,497 @@
 </file>
 
 <file path=ppt/slideLayouts/slideLayout3.xml><?xml version="1.0" encoding="utf-8"?>
+<p:sldLayout xmlns:a="http://schemas.openxmlformats.org/drawingml/2006/main" xmlns:r="http://schemas.openxmlformats.org/officeDocument/2006/relationships" xmlns:p="http://schemas.openxmlformats.org/presentationml/2006/main" preserve="1">
+  <p:cSld name="Title Slide with Picture">
+    <p:spTree>
+      <p:nvGrpSpPr>
+        <p:cNvPr id="1" name=""/>
+        <p:cNvGrpSpPr/>
+        <p:nvPr/>
+      </p:nvGrpSpPr>
+      <p:grpSpPr>
+        <a:xfrm>
+          <a:off x="0" y="0"/>
+          <a:ext cx="0" cy="0"/>
+          <a:chOff x="0" y="0"/>
+          <a:chExt cx="0" cy="0"/>
+        </a:xfrm>
+      </p:grpSpPr>
+      <p:grpSp>
+        <p:nvGrpSpPr>
+          <p:cNvPr id="10" name="Group 9"/>
+          <p:cNvGrpSpPr/>
+          <p:nvPr/>
+        </p:nvGrpSpPr>
+        <p:grpSpPr>
+          <a:xfrm>
+            <a:off x="486873" y="411480"/>
+            <a:ext cx="8170254" cy="6035040"/>
+            <a:chOff x="486873" y="411480"/>
+            <a:chExt cx="8170254" cy="6035040"/>
+          </a:xfrm>
+        </p:grpSpPr>
+        <p:sp>
+          <p:nvSpPr>
+            <p:cNvPr id="12" name="Rectangle 11"/>
+            <p:cNvSpPr/>
+            <p:nvPr/>
+          </p:nvSpPr>
+          <p:spPr>
+            <a:xfrm>
+              <a:off x="486873" y="411480"/>
+              <a:ext cx="8170254" cy="6035040"/>
+            </a:xfrm>
+            <a:prstGeom prst="rect">
+              <a:avLst/>
+            </a:prstGeom>
+            <a:solidFill>
+              <a:schemeClr val="bg1">
+                <a:lumMod val="95000"/>
+              </a:schemeClr>
+            </a:solidFill>
+            <a:ln w="12700">
+              <a:noFill/>
+            </a:ln>
+            <a:effectLst>
+              <a:outerShdw blurRad="63500" sx="101000" sy="101000" algn="ctr" rotWithShape="0">
+                <a:prstClr val="black">
+                  <a:alpha val="40000"/>
+                </a:prstClr>
+              </a:outerShdw>
+            </a:effectLst>
+            <a:scene3d>
+              <a:camera prst="perspectiveFront" fov="4800000"/>
+              <a:lightRig rig="threePt" dir="t"/>
+            </a:scene3d>
+          </p:spPr>
+          <p:style>
+            <a:lnRef idx="1">
+              <a:schemeClr val="accent1"/>
+            </a:lnRef>
+            <a:fillRef idx="3">
+              <a:schemeClr val="accent1"/>
+            </a:fillRef>
+            <a:effectRef idx="2">
+              <a:schemeClr val="accent1"/>
+            </a:effectRef>
+            <a:fontRef idx="minor">
+              <a:schemeClr val="lt1"/>
+            </a:fontRef>
+          </p:style>
+          <p:txBody>
+            <a:bodyPr rtlCol="0" anchor="ctr"/>
+            <a:lstStyle/>
+            <a:p>
+              <a:pPr algn="ctr"/>
+              <a:endParaRPr lang="en-US"/>
+            </a:p>
+          </p:txBody>
+        </p:sp>
+        <p:grpSp>
+          <p:nvGrpSpPr>
+            <p:cNvPr id="6" name="Group 11"/>
+            <p:cNvGrpSpPr/>
+            <p:nvPr/>
+          </p:nvGrpSpPr>
+          <p:grpSpPr>
+            <a:xfrm>
+              <a:off x="562842" y="475488"/>
+              <a:ext cx="7982713" cy="5888736"/>
+              <a:chOff x="562842" y="475488"/>
+              <a:chExt cx="7982713" cy="5888736"/>
+            </a:xfrm>
+          </p:grpSpPr>
+          <p:sp>
+            <p:nvSpPr>
+              <p:cNvPr id="8" name="Rectangle 7"/>
+              <p:cNvSpPr>
+                <a:spLocks/>
+              </p:cNvSpPr>
+              <p:nvPr/>
+            </p:nvSpPr>
+            <p:spPr>
+              <a:xfrm>
+                <a:off x="562843" y="475488"/>
+                <a:ext cx="7982712" cy="5888736"/>
+              </a:xfrm>
+              <a:prstGeom prst="rect">
+                <a:avLst/>
+              </a:prstGeom>
+              <a:noFill/>
+              <a:ln w="12700">
+                <a:solidFill>
+                  <a:schemeClr val="tx2">
+                    <a:lumMod val="40000"/>
+                    <a:lumOff val="60000"/>
+                  </a:schemeClr>
+                </a:solidFill>
+              </a:ln>
+            </p:spPr>
+            <p:style>
+              <a:lnRef idx="2">
+                <a:schemeClr val="accent1">
+                  <a:shade val="50000"/>
+                </a:schemeClr>
+              </a:lnRef>
+              <a:fillRef idx="1">
+                <a:schemeClr val="accent1"/>
+              </a:fillRef>
+              <a:effectRef idx="0">
+                <a:schemeClr val="accent1"/>
+              </a:effectRef>
+              <a:fontRef idx="minor">
+                <a:schemeClr val="lt1"/>
+              </a:fontRef>
+            </p:style>
+            <p:txBody>
+              <a:bodyPr rtlCol="0" anchor="ctr"/>
+              <a:lstStyle/>
+              <a:p>
+                <a:pPr algn="ctr"/>
+                <a:endParaRPr/>
+              </a:p>
+            </p:txBody>
+          </p:sp>
+          <p:cxnSp>
+            <p:nvCxnSpPr>
+              <p:cNvPr id="9" name="Straight Connector 8"/>
+              <p:cNvCxnSpPr/>
+              <p:nvPr/>
+            </p:nvCxnSpPr>
+            <p:spPr>
+              <a:xfrm>
+                <a:off x="562842" y="6133646"/>
+                <a:ext cx="7982712" cy="1472"/>
+              </a:xfrm>
+              <a:prstGeom prst="line">
+                <a:avLst/>
+              </a:prstGeom>
+              <a:noFill/>
+              <a:ln w="12700">
+                <a:solidFill>
+                  <a:schemeClr val="tx2">
+                    <a:lumMod val="40000"/>
+                    <a:lumOff val="60000"/>
+                  </a:schemeClr>
+                </a:solidFill>
+              </a:ln>
+            </p:spPr>
+            <p:style>
+              <a:lnRef idx="2">
+                <a:schemeClr val="accent1">
+                  <a:shade val="50000"/>
+                </a:schemeClr>
+              </a:lnRef>
+              <a:fillRef idx="1">
+                <a:schemeClr val="accent1"/>
+              </a:fillRef>
+              <a:effectRef idx="0">
+                <a:schemeClr val="accent1"/>
+              </a:effectRef>
+              <a:fontRef idx="minor">
+                <a:schemeClr val="lt1"/>
+              </a:fontRef>
+            </p:style>
+          </p:cxnSp>
+          <p:cxnSp>
+            <p:nvCxnSpPr>
+              <p:cNvPr id="11" name="Straight Connector 10"/>
+              <p:cNvCxnSpPr/>
+              <p:nvPr/>
+            </p:nvCxnSpPr>
+            <p:spPr>
+              <a:xfrm>
+                <a:off x="562842" y="3427528"/>
+                <a:ext cx="7982712" cy="1472"/>
+              </a:xfrm>
+              <a:prstGeom prst="line">
+                <a:avLst/>
+              </a:prstGeom>
+              <a:noFill/>
+              <a:ln w="12700">
+                <a:solidFill>
+                  <a:schemeClr val="tx2">
+                    <a:lumMod val="40000"/>
+                    <a:lumOff val="60000"/>
+                  </a:schemeClr>
+                </a:solidFill>
+              </a:ln>
+            </p:spPr>
+            <p:style>
+              <a:lnRef idx="2">
+                <a:schemeClr val="accent1">
+                  <a:shade val="50000"/>
+                </a:schemeClr>
+              </a:lnRef>
+              <a:fillRef idx="1">
+                <a:schemeClr val="accent1"/>
+              </a:fillRef>
+              <a:effectRef idx="0">
+                <a:schemeClr val="accent1"/>
+              </a:effectRef>
+              <a:fontRef idx="minor">
+                <a:schemeClr val="lt1"/>
+              </a:fontRef>
+            </p:style>
+          </p:cxnSp>
+        </p:grpSp>
+      </p:grpSp>
+      <p:sp>
+        <p:nvSpPr>
+          <p:cNvPr id="2" name="Title 1"/>
+          <p:cNvSpPr>
+            <a:spLocks noGrp="1"/>
+          </p:cNvSpPr>
+          <p:nvPr>
+            <p:ph type="ctrTitle"/>
+          </p:nvPr>
+        </p:nvSpPr>
+        <p:spPr>
+          <a:xfrm>
+            <a:off x="900113" y="3442447"/>
+            <a:ext cx="7345362" cy="1532965"/>
+          </a:xfrm>
+        </p:spPr>
+        <p:txBody>
+          <a:bodyPr anchor="b" anchorCtr="0">
+            <a:normAutofit/>
+          </a:bodyPr>
+          <a:lstStyle>
+            <a:lvl1pPr>
+              <a:defRPr sz="5400"/>
+            </a:lvl1pPr>
+          </a:lstStyle>
+          <a:p>
+            <a:r>
+              <a:rPr lang="en-US" smtClean="0"/>
+              <a:t>Click to edit Master title style</a:t>
+            </a:r>
+            <a:endParaRPr/>
+          </a:p>
+        </p:txBody>
+      </p:sp>
+      <p:sp>
+        <p:nvSpPr>
+          <p:cNvPr id="3" name="Subtitle 2"/>
+          <p:cNvSpPr>
+            <a:spLocks noGrp="1"/>
+          </p:cNvSpPr>
+          <p:nvPr>
+            <p:ph type="subTitle" idx="1"/>
+          </p:nvPr>
+        </p:nvSpPr>
+        <p:spPr>
+          <a:xfrm>
+            <a:off x="900113" y="5029200"/>
+            <a:ext cx="7345362" cy="990600"/>
+          </a:xfrm>
+        </p:spPr>
+        <p:txBody>
+          <a:bodyPr>
+            <a:normAutofit/>
+          </a:bodyPr>
+          <a:lstStyle>
+            <a:lvl1pPr marL="0" indent="0" algn="ctr">
+              <a:spcBef>
+                <a:spcPts val="300"/>
+              </a:spcBef>
+              <a:buNone/>
+              <a:defRPr sz="2000">
+                <a:solidFill>
+                  <a:schemeClr val="tx1">
+                    <a:lumMod val="75000"/>
+                    <a:lumOff val="25000"/>
+                  </a:schemeClr>
+                </a:solidFill>
+              </a:defRPr>
+            </a:lvl1pPr>
+            <a:lvl2pPr marL="457200" indent="0" algn="ctr">
+              <a:buNone/>
+              <a:defRPr>
+                <a:solidFill>
+                  <a:schemeClr val="tx1">
+                    <a:tint val="75000"/>
+                  </a:schemeClr>
+                </a:solidFill>
+              </a:defRPr>
+            </a:lvl2pPr>
+            <a:lvl3pPr marL="914400" indent="0" algn="ctr">
+              <a:buNone/>
+              <a:defRPr>
+                <a:solidFill>
+                  <a:schemeClr val="tx1">
+                    <a:tint val="75000"/>
+                  </a:schemeClr>
+                </a:solidFill>
+              </a:defRPr>
+            </a:lvl3pPr>
+            <a:lvl4pPr marL="1371600" indent="0" algn="ctr">
+              <a:buNone/>
+              <a:defRPr>
+                <a:solidFill>
+                  <a:schemeClr val="tx1">
+                    <a:tint val="75000"/>
+                  </a:schemeClr>
+                </a:solidFill>
+              </a:defRPr>
+            </a:lvl4pPr>
+            <a:lvl5pPr marL="1828800" indent="0" algn="ctr">
+              <a:buNone/>
+              <a:defRPr>
+                <a:solidFill>
+                  <a:schemeClr val="tx1">
+                    <a:tint val="75000"/>
+                  </a:schemeClr>
+                </a:solidFill>
+              </a:defRPr>
+            </a:lvl5pPr>
+            <a:lvl6pPr marL="2286000" indent="0" algn="ctr">
+              <a:buNone/>
+              <a:defRPr>
+                <a:solidFill>
+                  <a:schemeClr val="tx1">
+                    <a:tint val="75000"/>
+                  </a:schemeClr>
+                </a:solidFill>
+              </a:defRPr>
+            </a:lvl6pPr>
+            <a:lvl7pPr marL="2743200" indent="0" algn="ctr">
+              <a:buNone/>
+              <a:defRPr>
+                <a:solidFill>
+                  <a:schemeClr val="tx1">
+                    <a:tint val="75000"/>
+                  </a:schemeClr>
+                </a:solidFill>
+              </a:defRPr>
+            </a:lvl7pPr>
+            <a:lvl8pPr marL="3200400" indent="0" algn="ctr">
+              <a:buNone/>
+              <a:defRPr>
+                <a:solidFill>
+                  <a:schemeClr val="tx1">
+                    <a:tint val="75000"/>
+                  </a:schemeClr>
+                </a:solidFill>
+              </a:defRPr>
+            </a:lvl8pPr>
+            <a:lvl9pPr marL="3657600" indent="0" algn="ctr">
+              <a:buNone/>
+              <a:defRPr>
+                <a:solidFill>
+                  <a:schemeClr val="tx1">
+                    <a:tint val="75000"/>
+                  </a:schemeClr>
+                </a:solidFill>
+              </a:defRPr>
+            </a:lvl9pPr>
+          </a:lstStyle>
+          <a:p>
+            <a:r>
+              <a:rPr lang="en-US" smtClean="0"/>
+              <a:t>Click to edit Master subtitle style</a:t>
+            </a:r>
+            <a:endParaRPr dirty="0"/>
+          </a:p>
+        </p:txBody>
+      </p:sp>
+      <p:sp>
+        <p:nvSpPr>
+          <p:cNvPr id="4" name="Date Placeholder 3"/>
+          <p:cNvSpPr>
+            <a:spLocks noGrp="1"/>
+          </p:cNvSpPr>
+          <p:nvPr>
+            <p:ph type="dt" sz="half" idx="10"/>
+          </p:nvPr>
+        </p:nvSpPr>
+        <p:spPr>
+          <a:xfrm>
+            <a:off x="569259" y="6122894"/>
+            <a:ext cx="2133600" cy="259317"/>
+          </a:xfrm>
+        </p:spPr>
+        <p:txBody>
+          <a:bodyPr/>
+          <a:lstStyle/>
+          <a:p>
+            <a:fld id="{4671B44B-FB70-E747-B8B6-ADB8F11B392A}" type="datetimeFigureOut">
+              <a:rPr lang="en-US" smtClean="0"/>
+              <a:t>16-12-14</a:t>
+            </a:fld>
+            <a:endParaRPr lang="en-US"/>
+          </a:p>
+        </p:txBody>
+      </p:sp>
+      <p:sp>
+        <p:nvSpPr>
+          <p:cNvPr id="5" name="Footer Placeholder 4"/>
+          <p:cNvSpPr>
+            <a:spLocks noGrp="1"/>
+          </p:cNvSpPr>
+          <p:nvPr>
+            <p:ph type="ftr" sz="quarter" idx="11"/>
+          </p:nvPr>
+        </p:nvSpPr>
+        <p:spPr>
+          <a:xfrm>
+            <a:off x="5638800" y="6124401"/>
+            <a:ext cx="2895600" cy="257810"/>
+          </a:xfrm>
+        </p:spPr>
+        <p:txBody>
+          <a:bodyPr/>
+          <a:lstStyle/>
+          <a:p>
+            <a:endParaRPr lang="en-US"/>
+          </a:p>
+        </p:txBody>
+      </p:sp>
+      <p:sp>
+        <p:nvSpPr>
+          <p:cNvPr id="14" name="Picture Placeholder 13"/>
+          <p:cNvSpPr>
+            <a:spLocks noGrp="1"/>
+          </p:cNvSpPr>
+          <p:nvPr>
+            <p:ph type="pic" sz="quarter" idx="12"/>
+          </p:nvPr>
+        </p:nvSpPr>
+        <p:spPr>
+          <a:xfrm>
+            <a:off x="636493" y="533400"/>
+            <a:ext cx="7836408" cy="2828925"/>
+          </a:xfrm>
+        </p:spPr>
+        <p:txBody>
+          <a:bodyPr>
+            <a:normAutofit/>
+          </a:bodyPr>
+          <a:lstStyle>
+            <a:lvl1pPr>
+              <a:buNone/>
+              <a:defRPr sz="2000"/>
+            </a:lvl1pPr>
+          </a:lstStyle>
+          <a:p>
+            <a:r>
+              <a:rPr lang="en-US" smtClean="0"/>
+              <a:t>Drag picture to placeholder or click icon to add</a:t>
+            </a:r>
+            <a:endParaRPr/>
+          </a:p>
+        </p:txBody>
+      </p:sp>
+    </p:spTree>
+  </p:cSld>
+  <p:clrMapOvr>
+    <a:masterClrMapping/>
+  </p:clrMapOvr>
+</p:sldLayout>
+</file>
+
+<file path=ppt/slideLayouts/slideLayout4.xml><?xml version="1.0" encoding="utf-8"?>
 <p:sldLayout xmlns:a="http://schemas.openxmlformats.org/drawingml/2006/main" xmlns:r="http://schemas.openxmlformats.org/officeDocument/2006/relationships" xmlns:p="http://schemas.openxmlformats.org/presentationml/2006/main" type="secHead" preserve="1">
   <p:cSld name="Section Header">
     <p:spTree>
@@ -892,6 +4072,185 @@
           <a:chExt cx="0" cy="0"/>
         </a:xfrm>
       </p:grpSpPr>
+      <p:grpSp>
+        <p:nvGrpSpPr>
+          <p:cNvPr id="9" name="Group 8"/>
+          <p:cNvGrpSpPr/>
+          <p:nvPr/>
+        </p:nvGrpSpPr>
+        <p:grpSpPr>
+          <a:xfrm>
+            <a:off x="182880" y="173699"/>
+            <a:ext cx="8778240" cy="6510602"/>
+            <a:chOff x="182880" y="173699"/>
+            <a:chExt cx="8778240" cy="6510602"/>
+          </a:xfrm>
+        </p:grpSpPr>
+        <p:sp>
+          <p:nvSpPr>
+            <p:cNvPr id="12" name="Rectangle 11"/>
+            <p:cNvSpPr/>
+            <p:nvPr/>
+          </p:nvSpPr>
+          <p:spPr>
+            <a:xfrm>
+              <a:off x="182880" y="173699"/>
+              <a:ext cx="8778240" cy="6510602"/>
+            </a:xfrm>
+            <a:prstGeom prst="rect">
+              <a:avLst/>
+            </a:prstGeom>
+            <a:solidFill>
+              <a:schemeClr val="bg1">
+                <a:lumMod val="95000"/>
+              </a:schemeClr>
+            </a:solidFill>
+            <a:ln w="12700">
+              <a:noFill/>
+            </a:ln>
+            <a:effectLst>
+              <a:outerShdw blurRad="63500" sx="101000" sy="101000" algn="ctr" rotWithShape="0">
+                <a:prstClr val="black">
+                  <a:alpha val="40000"/>
+                </a:prstClr>
+              </a:outerShdw>
+            </a:effectLst>
+            <a:scene3d>
+              <a:camera prst="perspectiveFront" fov="4800000"/>
+              <a:lightRig rig="threePt" dir="t"/>
+            </a:scene3d>
+          </p:spPr>
+          <p:style>
+            <a:lnRef idx="1">
+              <a:schemeClr val="accent1"/>
+            </a:lnRef>
+            <a:fillRef idx="3">
+              <a:schemeClr val="accent1"/>
+            </a:fillRef>
+            <a:effectRef idx="2">
+              <a:schemeClr val="accent1"/>
+            </a:effectRef>
+            <a:fontRef idx="minor">
+              <a:schemeClr val="lt1"/>
+            </a:fontRef>
+          </p:style>
+          <p:txBody>
+            <a:bodyPr rtlCol="0" anchor="ctr"/>
+            <a:lstStyle/>
+            <a:p>
+              <a:pPr algn="ctr"/>
+              <a:endParaRPr lang="en-US"/>
+            </a:p>
+          </p:txBody>
+        </p:sp>
+        <p:grpSp>
+          <p:nvGrpSpPr>
+            <p:cNvPr id="8" name="Group 10"/>
+            <p:cNvGrpSpPr/>
+            <p:nvPr/>
+          </p:nvGrpSpPr>
+          <p:grpSpPr>
+            <a:xfrm>
+              <a:off x="256032" y="237744"/>
+              <a:ext cx="8622792" cy="6364224"/>
+              <a:chOff x="247157" y="247430"/>
+              <a:chExt cx="8622792" cy="6364224"/>
+            </a:xfrm>
+          </p:grpSpPr>
+          <p:sp>
+            <p:nvSpPr>
+              <p:cNvPr id="27" name="Rectangle 26"/>
+              <p:cNvSpPr>
+                <a:spLocks/>
+              </p:cNvSpPr>
+              <p:nvPr/>
+            </p:nvSpPr>
+            <p:spPr>
+              <a:xfrm>
+                <a:off x="247157" y="247430"/>
+                <a:ext cx="8622792" cy="6364224"/>
+              </a:xfrm>
+              <a:prstGeom prst="rect">
+                <a:avLst/>
+              </a:prstGeom>
+              <a:noFill/>
+              <a:ln w="12700">
+                <a:solidFill>
+                  <a:schemeClr val="tx2">
+                    <a:lumMod val="40000"/>
+                    <a:lumOff val="60000"/>
+                  </a:schemeClr>
+                </a:solidFill>
+              </a:ln>
+            </p:spPr>
+            <p:style>
+              <a:lnRef idx="2">
+                <a:schemeClr val="accent1">
+                  <a:shade val="50000"/>
+                </a:schemeClr>
+              </a:lnRef>
+              <a:fillRef idx="1">
+                <a:schemeClr val="accent1"/>
+              </a:fillRef>
+              <a:effectRef idx="0">
+                <a:schemeClr val="accent1"/>
+              </a:effectRef>
+              <a:fontRef idx="minor">
+                <a:schemeClr val="lt1"/>
+              </a:fontRef>
+            </p:style>
+            <p:txBody>
+              <a:bodyPr rtlCol="0" anchor="ctr"/>
+              <a:lstStyle/>
+              <a:p>
+                <a:pPr algn="ctr"/>
+                <a:endParaRPr/>
+              </a:p>
+            </p:txBody>
+          </p:sp>
+          <p:cxnSp>
+            <p:nvCxnSpPr>
+              <p:cNvPr id="28" name="Straight Connector 27"/>
+              <p:cNvCxnSpPr/>
+              <p:nvPr/>
+            </p:nvCxnSpPr>
+            <p:spPr>
+              <a:xfrm>
+                <a:off x="247157" y="6389024"/>
+                <a:ext cx="8622792" cy="1588"/>
+              </a:xfrm>
+              <a:prstGeom prst="line">
+                <a:avLst/>
+              </a:prstGeom>
+              <a:noFill/>
+              <a:ln w="12700">
+                <a:solidFill>
+                  <a:schemeClr val="tx2">
+                    <a:lumMod val="40000"/>
+                    <a:lumOff val="60000"/>
+                  </a:schemeClr>
+                </a:solidFill>
+              </a:ln>
+            </p:spPr>
+            <p:style>
+              <a:lnRef idx="2">
+                <a:schemeClr val="accent1">
+                  <a:shade val="50000"/>
+                </a:schemeClr>
+              </a:lnRef>
+              <a:fillRef idx="1">
+                <a:schemeClr val="accent1"/>
+              </a:fillRef>
+              <a:effectRef idx="0">
+                <a:schemeClr val="accent1"/>
+              </a:effectRef>
+              <a:fontRef idx="minor">
+                <a:schemeClr val="lt1"/>
+              </a:fontRef>
+            </p:style>
+          </p:cxnSp>
+        </p:grpSp>
+      </p:grpSp>
       <p:sp>
         <p:nvSpPr>
           <p:cNvPr id="2" name="Title 1"/>
@@ -904,15 +4263,24 @@
         </p:nvSpPr>
         <p:spPr>
           <a:xfrm>
-            <a:off x="722313" y="4406900"/>
-            <a:ext cx="7772400" cy="1362075"/>
+            <a:off x="900113" y="1371600"/>
+            <a:ext cx="7345362" cy="1676400"/>
           </a:xfrm>
         </p:spPr>
         <p:txBody>
-          <a:bodyPr anchor="t"/>
+          <a:bodyPr anchor="b" anchorCtr="0">
+            <a:noAutofit/>
+          </a:bodyPr>
           <a:lstStyle>
-            <a:lvl1pPr algn="l">
-              <a:defRPr sz="4000" b="1" cap="all"/>
+            <a:lvl1pPr algn="ctr">
+              <a:defRPr sz="5400" b="0" i="0" cap="none" baseline="0">
+                <a:solidFill>
+                  <a:schemeClr val="tx1">
+                    <a:lumMod val="75000"/>
+                    <a:lumOff val="25000"/>
+                  </a:schemeClr>
+                </a:solidFill>
+              </a:defRPr>
             </a:lvl1pPr>
           </a:lstStyle>
           <a:p>
@@ -920,7 +4288,7 @@
               <a:rPr lang="en-US" smtClean="0"/>
               <a:t>Click to edit Master title style</a:t>
             </a:r>
-            <a:endParaRPr lang="en-US"/>
+            <a:endParaRPr dirty="0"/>
           </a:p>
         </p:txBody>
       </p:sp>
@@ -936,19 +4304,23 @@
         </p:nvSpPr>
         <p:spPr>
           <a:xfrm>
-            <a:off x="722313" y="2906713"/>
-            <a:ext cx="7772400" cy="1500187"/>
+            <a:off x="900113" y="3134566"/>
+            <a:ext cx="7345362" cy="1500187"/>
           </a:xfrm>
         </p:spPr>
         <p:txBody>
-          <a:bodyPr anchor="b"/>
+          <a:bodyPr anchor="t" anchorCtr="0"/>
           <a:lstStyle>
-            <a:lvl1pPr marL="0" indent="0">
+            <a:lvl1pPr marL="0" indent="0" algn="ctr">
+              <a:spcBef>
+                <a:spcPts val="300"/>
+              </a:spcBef>
               <a:buNone/>
               <a:defRPr sz="2000">
                 <a:solidFill>
                   <a:schemeClr val="tx1">
-                    <a:tint val="75000"/>
+                    <a:lumMod val="75000"/>
+                    <a:lumOff val="25000"/>
                   </a:schemeClr>
                 </a:solidFill>
               </a:defRPr>
@@ -1060,7 +4432,7 @@
           <a:p>
             <a:fld id="{4671B44B-FB70-E747-B8B6-ADB8F11B392A}" type="datetimeFigureOut">
               <a:rPr lang="en-US" smtClean="0"/>
-              <a:t>18-11-14</a:t>
+              <a:t>16-12-14</a:t>
             </a:fld>
             <a:endParaRPr lang="en-US"/>
           </a:p>
@@ -1109,11 +4481,6 @@
         </p:txBody>
       </p:sp>
     </p:spTree>
-    <p:extLst>
-      <p:ext uri="{BB962C8B-B14F-4D97-AF65-F5344CB8AC3E}">
-        <p14:creationId xmlns:p14="http://schemas.microsoft.com/office/powerpoint/2010/main" val="3890313609"/>
-      </p:ext>
-    </p:extLst>
   </p:cSld>
   <p:clrMapOvr>
     <a:masterClrMapping/>
@@ -1121,7 +4488,7 @@
 </p:sldLayout>
 </file>
 
-<file path=ppt/slideLayouts/slideLayout4.xml><?xml version="1.0" encoding="utf-8"?>
+<file path=ppt/slideLayouts/slideLayout5.xml><?xml version="1.0" encoding="utf-8"?>
 <p:sldLayout xmlns:a="http://schemas.openxmlformats.org/drawingml/2006/main" xmlns:r="http://schemas.openxmlformats.org/officeDocument/2006/relationships" xmlns:p="http://schemas.openxmlformats.org/presentationml/2006/main" type="twoObj" preserve="1">
   <p:cSld name="Two Content">
     <p:spTree>
@@ -1138,6 +4505,239 @@
           <a:chExt cx="0" cy="0"/>
         </a:xfrm>
       </p:grpSpPr>
+      <p:grpSp>
+        <p:nvGrpSpPr>
+          <p:cNvPr id="20" name="Group 19"/>
+          <p:cNvGrpSpPr/>
+          <p:nvPr/>
+        </p:nvGrpSpPr>
+        <p:grpSpPr>
+          <a:xfrm>
+            <a:off x="182880" y="173699"/>
+            <a:ext cx="8778240" cy="6510602"/>
+            <a:chOff x="182880" y="173699"/>
+            <a:chExt cx="8778240" cy="6510602"/>
+          </a:xfrm>
+        </p:grpSpPr>
+        <p:sp>
+          <p:nvSpPr>
+            <p:cNvPr id="21" name="Rectangle 20"/>
+            <p:cNvSpPr/>
+            <p:nvPr/>
+          </p:nvSpPr>
+          <p:spPr>
+            <a:xfrm>
+              <a:off x="182880" y="173699"/>
+              <a:ext cx="8778240" cy="6510602"/>
+            </a:xfrm>
+            <a:prstGeom prst="rect">
+              <a:avLst/>
+            </a:prstGeom>
+            <a:solidFill>
+              <a:schemeClr val="bg1">
+                <a:lumMod val="95000"/>
+              </a:schemeClr>
+            </a:solidFill>
+            <a:ln w="12700">
+              <a:noFill/>
+            </a:ln>
+            <a:effectLst>
+              <a:outerShdw blurRad="63500" sx="101000" sy="101000" algn="ctr" rotWithShape="0">
+                <a:prstClr val="black">
+                  <a:alpha val="40000"/>
+                </a:prstClr>
+              </a:outerShdw>
+            </a:effectLst>
+            <a:scene3d>
+              <a:camera prst="perspectiveFront" fov="4800000"/>
+              <a:lightRig rig="threePt" dir="t"/>
+            </a:scene3d>
+          </p:spPr>
+          <p:style>
+            <a:lnRef idx="1">
+              <a:schemeClr val="accent1"/>
+            </a:lnRef>
+            <a:fillRef idx="3">
+              <a:schemeClr val="accent1"/>
+            </a:fillRef>
+            <a:effectRef idx="2">
+              <a:schemeClr val="accent1"/>
+            </a:effectRef>
+            <a:fontRef idx="minor">
+              <a:schemeClr val="lt1"/>
+            </a:fontRef>
+          </p:style>
+          <p:txBody>
+            <a:bodyPr rtlCol="0" anchor="ctr"/>
+            <a:lstStyle/>
+            <a:p>
+              <a:pPr algn="ctr"/>
+              <a:endParaRPr lang="en-US"/>
+            </a:p>
+          </p:txBody>
+        </p:sp>
+        <p:grpSp>
+          <p:nvGrpSpPr>
+            <p:cNvPr id="22" name="Group 10"/>
+            <p:cNvGrpSpPr/>
+            <p:nvPr/>
+          </p:nvGrpSpPr>
+          <p:grpSpPr>
+            <a:xfrm>
+              <a:off x="256032" y="237744"/>
+              <a:ext cx="8622792" cy="6364224"/>
+              <a:chOff x="247157" y="247430"/>
+              <a:chExt cx="8622792" cy="6364224"/>
+            </a:xfrm>
+          </p:grpSpPr>
+          <p:sp>
+            <p:nvSpPr>
+              <p:cNvPr id="23" name="Rectangle 22"/>
+              <p:cNvSpPr>
+                <a:spLocks/>
+              </p:cNvSpPr>
+              <p:nvPr/>
+            </p:nvSpPr>
+            <p:spPr>
+              <a:xfrm>
+                <a:off x="247157" y="247430"/>
+                <a:ext cx="8622792" cy="6364224"/>
+              </a:xfrm>
+              <a:prstGeom prst="rect">
+                <a:avLst/>
+              </a:prstGeom>
+              <a:noFill/>
+              <a:ln w="12700">
+                <a:solidFill>
+                  <a:schemeClr val="tx2">
+                    <a:lumMod val="40000"/>
+                    <a:lumOff val="60000"/>
+                  </a:schemeClr>
+                </a:solidFill>
+              </a:ln>
+            </p:spPr>
+            <p:style>
+              <a:lnRef idx="2">
+                <a:schemeClr val="accent1">
+                  <a:shade val="50000"/>
+                </a:schemeClr>
+              </a:lnRef>
+              <a:fillRef idx="1">
+                <a:schemeClr val="accent1"/>
+              </a:fillRef>
+              <a:effectRef idx="0">
+                <a:schemeClr val="accent1"/>
+              </a:effectRef>
+              <a:fontRef idx="minor">
+                <a:schemeClr val="lt1"/>
+              </a:fontRef>
+            </p:style>
+            <p:txBody>
+              <a:bodyPr rtlCol="0" anchor="ctr"/>
+              <a:lstStyle/>
+              <a:p>
+                <a:pPr algn="ctr"/>
+                <a:endParaRPr/>
+              </a:p>
+            </p:txBody>
+          </p:sp>
+          <p:cxnSp>
+            <p:nvCxnSpPr>
+              <p:cNvPr id="24" name="Straight Connector 23"/>
+              <p:cNvCxnSpPr/>
+              <p:nvPr/>
+            </p:nvCxnSpPr>
+            <p:spPr>
+              <a:xfrm>
+                <a:off x="247157" y="6389024"/>
+                <a:ext cx="8622792" cy="1588"/>
+              </a:xfrm>
+              <a:prstGeom prst="line">
+                <a:avLst/>
+              </a:prstGeom>
+              <a:noFill/>
+              <a:ln w="12700">
+                <a:solidFill>
+                  <a:schemeClr val="tx2">
+                    <a:lumMod val="40000"/>
+                    <a:lumOff val="60000"/>
+                  </a:schemeClr>
+                </a:solidFill>
+              </a:ln>
+            </p:spPr>
+            <p:style>
+              <a:lnRef idx="2">
+                <a:schemeClr val="accent1">
+                  <a:shade val="50000"/>
+                </a:schemeClr>
+              </a:lnRef>
+              <a:fillRef idx="1">
+                <a:schemeClr val="accent1"/>
+              </a:fillRef>
+              <a:effectRef idx="0">
+                <a:schemeClr val="accent1"/>
+              </a:effectRef>
+              <a:fontRef idx="minor">
+                <a:schemeClr val="lt1"/>
+              </a:fontRef>
+            </p:style>
+          </p:cxnSp>
+          <p:sp>
+            <p:nvSpPr>
+              <p:cNvPr id="25" name="Rectangle 24"/>
+              <p:cNvSpPr/>
+              <p:nvPr/>
+            </p:nvSpPr>
+            <p:spPr>
+              <a:xfrm>
+                <a:off x="247157" y="1612392"/>
+                <a:ext cx="8622792" cy="64008"/>
+              </a:xfrm>
+              <a:prstGeom prst="rect">
+                <a:avLst/>
+              </a:prstGeom>
+              <a:solidFill>
+                <a:schemeClr val="bg2">
+                  <a:lumMod val="40000"/>
+                  <a:lumOff val="60000"/>
+                </a:schemeClr>
+              </a:solidFill>
+              <a:ln w="3175">
+                <a:solidFill>
+                  <a:schemeClr val="tx2">
+                    <a:lumMod val="40000"/>
+                    <a:lumOff val="60000"/>
+                  </a:schemeClr>
+                </a:solidFill>
+              </a:ln>
+            </p:spPr>
+            <p:style>
+              <a:lnRef idx="2">
+                <a:schemeClr val="accent1">
+                  <a:shade val="50000"/>
+                </a:schemeClr>
+              </a:lnRef>
+              <a:fillRef idx="1">
+                <a:schemeClr val="accent1"/>
+              </a:fillRef>
+              <a:effectRef idx="0">
+                <a:schemeClr val="accent1"/>
+              </a:effectRef>
+              <a:fontRef idx="minor">
+                <a:schemeClr val="lt1"/>
+              </a:fontRef>
+            </p:style>
+            <p:txBody>
+              <a:bodyPr rtlCol="0" anchor="ctr"/>
+              <a:lstStyle/>
+              <a:p>
+                <a:pPr algn="ctr"/>
+                <a:endParaRPr/>
+              </a:p>
+            </p:txBody>
+          </p:sp>
+        </p:grpSp>
+      </p:grpSp>
       <p:sp>
         <p:nvSpPr>
           <p:cNvPr id="2" name="Title 1"/>
@@ -1157,7 +4757,7 @@
               <a:rPr lang="en-US" smtClean="0"/>
               <a:t>Click to edit Master title style</a:t>
             </a:r>
-            <a:endParaRPr lang="en-US"/>
+            <a:endParaRPr/>
           </a:p>
         </p:txBody>
       </p:sp>
@@ -1173,21 +4773,23 @@
         </p:nvSpPr>
         <p:spPr>
           <a:xfrm>
-            <a:off x="457200" y="1600200"/>
-            <a:ext cx="4038600" cy="4525963"/>
+            <a:off x="900111" y="2147888"/>
+            <a:ext cx="3566160" cy="3927475"/>
           </a:xfrm>
         </p:spPr>
         <p:txBody>
-          <a:bodyPr/>
+          <a:bodyPr>
+            <a:normAutofit/>
+          </a:bodyPr>
           <a:lstStyle>
             <a:lvl1pPr>
-              <a:defRPr sz="2800"/>
+              <a:defRPr sz="2000"/>
             </a:lvl1pPr>
             <a:lvl2pPr>
-              <a:defRPr sz="2400"/>
+              <a:defRPr sz="1800"/>
             </a:lvl2pPr>
             <a:lvl3pPr>
-              <a:defRPr sz="2000"/>
+              <a:defRPr sz="1800"/>
             </a:lvl3pPr>
             <a:lvl4pPr>
               <a:defRPr sz="1800"/>
@@ -1242,7 +4844,7 @@
               <a:rPr lang="en-US" smtClean="0"/>
               <a:t>Fifth level</a:t>
             </a:r>
-            <a:endParaRPr lang="en-US"/>
+            <a:endParaRPr/>
           </a:p>
         </p:txBody>
       </p:sp>
@@ -1258,21 +4860,23 @@
         </p:nvSpPr>
         <p:spPr>
           <a:xfrm>
-            <a:off x="4648200" y="1600200"/>
-            <a:ext cx="4038600" cy="4525963"/>
+            <a:off x="4648199" y="2147888"/>
+            <a:ext cx="3566160" cy="3927475"/>
           </a:xfrm>
         </p:spPr>
         <p:txBody>
-          <a:bodyPr/>
+          <a:bodyPr>
+            <a:normAutofit/>
+          </a:bodyPr>
           <a:lstStyle>
             <a:lvl1pPr>
-              <a:defRPr sz="2800"/>
+              <a:defRPr sz="2000"/>
             </a:lvl1pPr>
             <a:lvl2pPr>
-              <a:defRPr sz="2400"/>
+              <a:defRPr sz="1800"/>
             </a:lvl2pPr>
             <a:lvl3pPr>
-              <a:defRPr sz="2000"/>
+              <a:defRPr sz="1800"/>
             </a:lvl3pPr>
             <a:lvl4pPr>
               <a:defRPr sz="1800"/>
@@ -1327,7 +4931,7 @@
               <a:rPr lang="en-US" smtClean="0"/>
               <a:t>Fifth level</a:t>
             </a:r>
-            <a:endParaRPr lang="en-US"/>
+            <a:endParaRPr/>
           </a:p>
         </p:txBody>
       </p:sp>
@@ -1348,7 +4952,7 @@
           <a:p>
             <a:fld id="{4671B44B-FB70-E747-B8B6-ADB8F11B392A}" type="datetimeFigureOut">
               <a:rPr lang="en-US" smtClean="0"/>
-              <a:t>18-11-14</a:t>
+              <a:t>16-12-14</a:t>
             </a:fld>
             <a:endParaRPr lang="en-US"/>
           </a:p>
@@ -1397,11 +5001,6 @@
         </p:txBody>
       </p:sp>
     </p:spTree>
-    <p:extLst>
-      <p:ext uri="{BB962C8B-B14F-4D97-AF65-F5344CB8AC3E}">
-        <p14:creationId xmlns:p14="http://schemas.microsoft.com/office/powerpoint/2010/main" val="1259931913"/>
-      </p:ext>
-    </p:extLst>
   </p:cSld>
   <p:clrMapOvr>
     <a:masterClrMapping/>
@@ -1409,7 +5008,7 @@
 </p:sldLayout>
 </file>
 
-<file path=ppt/slideLayouts/slideLayout5.xml><?xml version="1.0" encoding="utf-8"?>
+<file path=ppt/slideLayouts/slideLayout6.xml><?xml version="1.0" encoding="utf-8"?>
 <p:sldLayout xmlns:a="http://schemas.openxmlformats.org/drawingml/2006/main" xmlns:r="http://schemas.openxmlformats.org/officeDocument/2006/relationships" xmlns:p="http://schemas.openxmlformats.org/presentationml/2006/main" type="twoTxTwoObj" preserve="1">
   <p:cSld name="Comparison">
     <p:spTree>
@@ -1426,6 +5025,295 @@
           <a:chExt cx="0" cy="0"/>
         </a:xfrm>
       </p:grpSpPr>
+      <p:grpSp>
+        <p:nvGrpSpPr>
+          <p:cNvPr id="10" name="Group 9"/>
+          <p:cNvGrpSpPr/>
+          <p:nvPr/>
+        </p:nvGrpSpPr>
+        <p:grpSpPr>
+          <a:xfrm>
+            <a:off x="182880" y="173699"/>
+            <a:ext cx="8778240" cy="6510602"/>
+            <a:chOff x="182880" y="173699"/>
+            <a:chExt cx="8778240" cy="6510602"/>
+          </a:xfrm>
+        </p:grpSpPr>
+        <p:grpSp>
+          <p:nvGrpSpPr>
+            <p:cNvPr id="26" name="Group 25"/>
+            <p:cNvGrpSpPr/>
+            <p:nvPr/>
+          </p:nvGrpSpPr>
+          <p:grpSpPr>
+            <a:xfrm>
+              <a:off x="182880" y="173699"/>
+              <a:ext cx="8778240" cy="6510602"/>
+              <a:chOff x="182880" y="173699"/>
+              <a:chExt cx="8778240" cy="6510602"/>
+            </a:xfrm>
+          </p:grpSpPr>
+          <p:sp>
+            <p:nvSpPr>
+              <p:cNvPr id="27" name="Rectangle 26"/>
+              <p:cNvSpPr/>
+              <p:nvPr/>
+            </p:nvSpPr>
+            <p:spPr>
+              <a:xfrm>
+                <a:off x="182880" y="173699"/>
+                <a:ext cx="8778240" cy="6510602"/>
+              </a:xfrm>
+              <a:prstGeom prst="rect">
+                <a:avLst/>
+              </a:prstGeom>
+              <a:solidFill>
+                <a:schemeClr val="bg1">
+                  <a:lumMod val="95000"/>
+                </a:schemeClr>
+              </a:solidFill>
+              <a:ln w="12700">
+                <a:noFill/>
+              </a:ln>
+              <a:effectLst>
+                <a:outerShdw blurRad="63500" sx="101000" sy="101000" algn="ctr" rotWithShape="0">
+                  <a:prstClr val="black">
+                    <a:alpha val="40000"/>
+                  </a:prstClr>
+                </a:outerShdw>
+              </a:effectLst>
+              <a:scene3d>
+                <a:camera prst="perspectiveFront" fov="4800000"/>
+                <a:lightRig rig="threePt" dir="t"/>
+              </a:scene3d>
+            </p:spPr>
+            <p:style>
+              <a:lnRef idx="1">
+                <a:schemeClr val="accent1"/>
+              </a:lnRef>
+              <a:fillRef idx="3">
+                <a:schemeClr val="accent1"/>
+              </a:fillRef>
+              <a:effectRef idx="2">
+                <a:schemeClr val="accent1"/>
+              </a:effectRef>
+              <a:fontRef idx="minor">
+                <a:schemeClr val="lt1"/>
+              </a:fontRef>
+            </p:style>
+            <p:txBody>
+              <a:bodyPr rtlCol="0" anchor="ctr"/>
+              <a:lstStyle/>
+              <a:p>
+                <a:pPr algn="ctr"/>
+                <a:endParaRPr lang="en-US"/>
+              </a:p>
+            </p:txBody>
+          </p:sp>
+          <p:grpSp>
+            <p:nvGrpSpPr>
+              <p:cNvPr id="28" name="Group 10"/>
+              <p:cNvGrpSpPr/>
+              <p:nvPr/>
+            </p:nvGrpSpPr>
+            <p:grpSpPr>
+              <a:xfrm>
+                <a:off x="256032" y="237744"/>
+                <a:ext cx="8622792" cy="6364224"/>
+                <a:chOff x="247157" y="247430"/>
+                <a:chExt cx="8622792" cy="6364224"/>
+              </a:xfrm>
+            </p:grpSpPr>
+            <p:sp>
+              <p:nvSpPr>
+                <p:cNvPr id="29" name="Rectangle 28"/>
+                <p:cNvSpPr>
+                  <a:spLocks/>
+                </p:cNvSpPr>
+                <p:nvPr/>
+              </p:nvSpPr>
+              <p:spPr>
+                <a:xfrm>
+                  <a:off x="247157" y="247430"/>
+                  <a:ext cx="8622792" cy="6364224"/>
+                </a:xfrm>
+                <a:prstGeom prst="rect">
+                  <a:avLst/>
+                </a:prstGeom>
+                <a:noFill/>
+                <a:ln w="12700">
+                  <a:solidFill>
+                    <a:schemeClr val="tx2">
+                      <a:lumMod val="40000"/>
+                      <a:lumOff val="60000"/>
+                    </a:schemeClr>
+                  </a:solidFill>
+                </a:ln>
+              </p:spPr>
+              <p:style>
+                <a:lnRef idx="2">
+                  <a:schemeClr val="accent1">
+                    <a:shade val="50000"/>
+                  </a:schemeClr>
+                </a:lnRef>
+                <a:fillRef idx="1">
+                  <a:schemeClr val="accent1"/>
+                </a:fillRef>
+                <a:effectRef idx="0">
+                  <a:schemeClr val="accent1"/>
+                </a:effectRef>
+                <a:fontRef idx="minor">
+                  <a:schemeClr val="lt1"/>
+                </a:fontRef>
+              </p:style>
+              <p:txBody>
+                <a:bodyPr rtlCol="0" anchor="ctr"/>
+                <a:lstStyle/>
+                <a:p>
+                  <a:pPr algn="ctr"/>
+                  <a:endParaRPr/>
+                </a:p>
+              </p:txBody>
+            </p:sp>
+            <p:cxnSp>
+              <p:nvCxnSpPr>
+                <p:cNvPr id="31" name="Straight Connector 30"/>
+                <p:cNvCxnSpPr/>
+                <p:nvPr/>
+              </p:nvCxnSpPr>
+              <p:spPr>
+                <a:xfrm>
+                  <a:off x="247157" y="6389024"/>
+                  <a:ext cx="8622792" cy="1588"/>
+                </a:xfrm>
+                <a:prstGeom prst="line">
+                  <a:avLst/>
+                </a:prstGeom>
+                <a:noFill/>
+                <a:ln w="12700">
+                  <a:solidFill>
+                    <a:schemeClr val="tx2">
+                      <a:lumMod val="40000"/>
+                      <a:lumOff val="60000"/>
+                    </a:schemeClr>
+                  </a:solidFill>
+                </a:ln>
+              </p:spPr>
+              <p:style>
+                <a:lnRef idx="2">
+                  <a:schemeClr val="accent1">
+                    <a:shade val="50000"/>
+                  </a:schemeClr>
+                </a:lnRef>
+                <a:fillRef idx="1">
+                  <a:schemeClr val="accent1"/>
+                </a:fillRef>
+                <a:effectRef idx="0">
+                  <a:schemeClr val="accent1"/>
+                </a:effectRef>
+                <a:fontRef idx="minor">
+                  <a:schemeClr val="lt1"/>
+                </a:fontRef>
+              </p:style>
+            </p:cxnSp>
+            <p:sp>
+              <p:nvSpPr>
+                <p:cNvPr id="32" name="Rectangle 31"/>
+                <p:cNvSpPr/>
+                <p:nvPr/>
+              </p:nvSpPr>
+              <p:spPr>
+                <a:xfrm>
+                  <a:off x="247157" y="1612392"/>
+                  <a:ext cx="8622792" cy="64008"/>
+                </a:xfrm>
+                <a:prstGeom prst="rect">
+                  <a:avLst/>
+                </a:prstGeom>
+                <a:solidFill>
+                  <a:schemeClr val="bg2">
+                    <a:lumMod val="40000"/>
+                    <a:lumOff val="60000"/>
+                  </a:schemeClr>
+                </a:solidFill>
+                <a:ln w="3175">
+                  <a:solidFill>
+                    <a:schemeClr val="tx2">
+                      <a:lumMod val="40000"/>
+                      <a:lumOff val="60000"/>
+                    </a:schemeClr>
+                  </a:solidFill>
+                </a:ln>
+              </p:spPr>
+              <p:style>
+                <a:lnRef idx="2">
+                  <a:schemeClr val="accent1">
+                    <a:shade val="50000"/>
+                  </a:schemeClr>
+                </a:lnRef>
+                <a:fillRef idx="1">
+                  <a:schemeClr val="accent1"/>
+                </a:fillRef>
+                <a:effectRef idx="0">
+                  <a:schemeClr val="accent1"/>
+                </a:effectRef>
+                <a:fontRef idx="minor">
+                  <a:schemeClr val="lt1"/>
+                </a:fontRef>
+              </p:style>
+              <p:txBody>
+                <a:bodyPr rtlCol="0" anchor="ctr"/>
+                <a:lstStyle/>
+                <a:p>
+                  <a:pPr algn="ctr"/>
+                  <a:endParaRPr/>
+                </a:p>
+              </p:txBody>
+            </p:sp>
+          </p:grpSp>
+        </p:grpSp>
+        <p:cxnSp>
+          <p:nvCxnSpPr>
+            <p:cNvPr id="23" name="Straight Connector 22"/>
+            <p:cNvCxnSpPr/>
+            <p:nvPr/>
+          </p:nvCxnSpPr>
+          <p:spPr>
+            <a:xfrm rot="16200000" flipH="1">
+              <a:off x="2217480" y="4026438"/>
+              <a:ext cx="4711326" cy="2286"/>
+            </a:xfrm>
+            <a:prstGeom prst="line">
+              <a:avLst/>
+            </a:prstGeom>
+            <a:noFill/>
+            <a:ln w="12700">
+              <a:solidFill>
+                <a:schemeClr val="tx2">
+                  <a:lumMod val="40000"/>
+                  <a:lumOff val="60000"/>
+                </a:schemeClr>
+              </a:solidFill>
+            </a:ln>
+          </p:spPr>
+          <p:style>
+            <a:lnRef idx="2">
+              <a:schemeClr val="accent1">
+                <a:shade val="50000"/>
+              </a:schemeClr>
+            </a:lnRef>
+            <a:fillRef idx="1">
+              <a:schemeClr val="accent1"/>
+            </a:fillRef>
+            <a:effectRef idx="0">
+              <a:schemeClr val="accent1"/>
+            </a:effectRef>
+            <a:fontRef idx="minor">
+              <a:schemeClr val="lt1"/>
+            </a:fontRef>
+          </p:style>
+        </p:cxnSp>
+      </p:grpSp>
       <p:sp>
         <p:nvSpPr>
           <p:cNvPr id="2" name="Title 1"/>
@@ -1449,7 +5337,7 @@
               <a:rPr lang="en-US" smtClean="0"/>
               <a:t>Click to edit Master title style</a:t>
             </a:r>
-            <a:endParaRPr lang="en-US"/>
+            <a:endParaRPr/>
           </a:p>
         </p:txBody>
       </p:sp>
@@ -1465,16 +5353,21 @@
         </p:nvSpPr>
         <p:spPr>
           <a:xfrm>
-            <a:off x="457200" y="1535113"/>
-            <a:ext cx="4040188" cy="639762"/>
+            <a:off x="632301" y="1708990"/>
+            <a:ext cx="3566160" cy="832503"/>
           </a:xfrm>
         </p:spPr>
         <p:txBody>
-          <a:bodyPr anchor="b"/>
+          <a:bodyPr anchor="ctr" anchorCtr="0">
+            <a:noAutofit/>
+          </a:bodyPr>
           <a:lstStyle>
-            <a:lvl1pPr marL="0" indent="0">
-              <a:buNone/>
-              <a:defRPr sz="2400" b="1"/>
+            <a:lvl1pPr marL="0" indent="0" algn="ctr">
+              <a:spcBef>
+                <a:spcPts val="300"/>
+              </a:spcBef>
+              <a:buNone/>
+              <a:defRPr sz="2800" b="0"/>
             </a:lvl1pPr>
             <a:lvl2pPr marL="457200" indent="0">
               <a:buNone/>
@@ -1530,27 +5423,29 @@
         </p:nvSpPr>
         <p:spPr>
           <a:xfrm>
-            <a:off x="457200" y="2174875"/>
-            <a:ext cx="4040188" cy="3951288"/>
+            <a:off x="632301" y="2590801"/>
+            <a:ext cx="3566160" cy="3484562"/>
           </a:xfrm>
         </p:spPr>
         <p:txBody>
-          <a:bodyPr/>
+          <a:bodyPr>
+            <a:normAutofit/>
+          </a:bodyPr>
           <a:lstStyle>
             <a:lvl1pPr>
-              <a:defRPr sz="2400"/>
+              <a:defRPr sz="2000"/>
             </a:lvl1pPr>
             <a:lvl2pPr>
-              <a:defRPr sz="2000"/>
+              <a:defRPr sz="1800"/>
             </a:lvl2pPr>
             <a:lvl3pPr>
               <a:defRPr sz="1800"/>
             </a:lvl3pPr>
             <a:lvl4pPr>
-              <a:defRPr sz="1600"/>
+              <a:defRPr sz="1800"/>
             </a:lvl4pPr>
             <a:lvl5pPr>
-              <a:defRPr sz="1600"/>
+              <a:defRPr sz="1800"/>
             </a:lvl5pPr>
             <a:lvl6pPr>
               <a:defRPr sz="1600"/>
@@ -1599,7 +5494,7 @@
               <a:rPr lang="en-US" smtClean="0"/>
               <a:t>Fifth level</a:t>
             </a:r>
-            <a:endParaRPr lang="en-US"/>
+            <a:endParaRPr dirty="0"/>
           </a:p>
         </p:txBody>
       </p:sp>
@@ -1615,16 +5510,21 @@
         </p:nvSpPr>
         <p:spPr>
           <a:xfrm>
-            <a:off x="4645025" y="1535113"/>
-            <a:ext cx="4041775" cy="639762"/>
+            <a:off x="4945539" y="1708990"/>
+            <a:ext cx="3566160" cy="832503"/>
           </a:xfrm>
         </p:spPr>
         <p:txBody>
-          <a:bodyPr anchor="b"/>
+          <a:bodyPr anchor="ctr" anchorCtr="0">
+            <a:noAutofit/>
+          </a:bodyPr>
           <a:lstStyle>
-            <a:lvl1pPr marL="0" indent="0">
-              <a:buNone/>
-              <a:defRPr sz="2400" b="1"/>
+            <a:lvl1pPr marL="0" indent="0" algn="ctr">
+              <a:spcBef>
+                <a:spcPts val="300"/>
+              </a:spcBef>
+              <a:buNone/>
+              <a:defRPr sz="2800" b="0"/>
             </a:lvl1pPr>
             <a:lvl2pPr marL="457200" indent="0">
               <a:buNone/>
@@ -1680,27 +5580,29 @@
         </p:nvSpPr>
         <p:spPr>
           <a:xfrm>
-            <a:off x="4645025" y="2174875"/>
-            <a:ext cx="4041775" cy="3951288"/>
+            <a:off x="4945539" y="2590801"/>
+            <a:ext cx="3566160" cy="3484562"/>
           </a:xfrm>
         </p:spPr>
         <p:txBody>
-          <a:bodyPr/>
+          <a:bodyPr>
+            <a:normAutofit/>
+          </a:bodyPr>
           <a:lstStyle>
             <a:lvl1pPr>
-              <a:defRPr sz="2400"/>
+              <a:defRPr sz="2000"/>
             </a:lvl1pPr>
             <a:lvl2pPr>
-              <a:defRPr sz="2000"/>
+              <a:defRPr sz="1800"/>
             </a:lvl2pPr>
             <a:lvl3pPr>
               <a:defRPr sz="1800"/>
             </a:lvl3pPr>
             <a:lvl4pPr>
-              <a:defRPr sz="1600"/>
+              <a:defRPr sz="1800"/>
             </a:lvl4pPr>
             <a:lvl5pPr>
-              <a:defRPr sz="1600"/>
+              <a:defRPr sz="1800"/>
             </a:lvl5pPr>
             <a:lvl6pPr>
               <a:defRPr sz="1600"/>
@@ -1749,7 +5651,7 @@
               <a:rPr lang="en-US" smtClean="0"/>
               <a:t>Fifth level</a:t>
             </a:r>
-            <a:endParaRPr lang="en-US"/>
+            <a:endParaRPr dirty="0"/>
           </a:p>
         </p:txBody>
       </p:sp>
@@ -1770,7 +5672,7 @@
           <a:p>
             <a:fld id="{4671B44B-FB70-E747-B8B6-ADB8F11B392A}" type="datetimeFigureOut">
               <a:rPr lang="en-US" smtClean="0"/>
-              <a:t>18-11-14</a:t>
+              <a:t>16-12-14</a:t>
             </a:fld>
             <a:endParaRPr lang="en-US"/>
           </a:p>
@@ -1819,11 +5721,6 @@
         </p:txBody>
       </p:sp>
     </p:spTree>
-    <p:extLst>
-      <p:ext uri="{BB962C8B-B14F-4D97-AF65-F5344CB8AC3E}">
-        <p14:creationId xmlns:p14="http://schemas.microsoft.com/office/powerpoint/2010/main" val="3519405971"/>
-      </p:ext>
-    </p:extLst>
   </p:cSld>
   <p:clrMapOvr>
     <a:masterClrMapping/>
@@ -1831,7 +5728,7 @@
 </p:sldLayout>
 </file>
 
-<file path=ppt/slideLayouts/slideLayout6.xml><?xml version="1.0" encoding="utf-8"?>
+<file path=ppt/slideLayouts/slideLayout7.xml><?xml version="1.0" encoding="utf-8"?>
 <p:sldLayout xmlns:a="http://schemas.openxmlformats.org/drawingml/2006/main" xmlns:r="http://schemas.openxmlformats.org/officeDocument/2006/relationships" xmlns:p="http://schemas.openxmlformats.org/presentationml/2006/main" type="titleOnly" preserve="1">
   <p:cSld name="Title Only">
     <p:spTree>
@@ -1848,6 +5745,239 @@
           <a:chExt cx="0" cy="0"/>
         </a:xfrm>
       </p:grpSpPr>
+      <p:grpSp>
+        <p:nvGrpSpPr>
+          <p:cNvPr id="12" name="Group 11"/>
+          <p:cNvGrpSpPr/>
+          <p:nvPr/>
+        </p:nvGrpSpPr>
+        <p:grpSpPr>
+          <a:xfrm>
+            <a:off x="182880" y="173699"/>
+            <a:ext cx="8778240" cy="6510602"/>
+            <a:chOff x="182880" y="173699"/>
+            <a:chExt cx="8778240" cy="6510602"/>
+          </a:xfrm>
+        </p:grpSpPr>
+        <p:sp>
+          <p:nvSpPr>
+            <p:cNvPr id="13" name="Rectangle 12"/>
+            <p:cNvSpPr/>
+            <p:nvPr/>
+          </p:nvSpPr>
+          <p:spPr>
+            <a:xfrm>
+              <a:off x="182880" y="173699"/>
+              <a:ext cx="8778240" cy="6510602"/>
+            </a:xfrm>
+            <a:prstGeom prst="rect">
+              <a:avLst/>
+            </a:prstGeom>
+            <a:solidFill>
+              <a:schemeClr val="bg1">
+                <a:lumMod val="95000"/>
+              </a:schemeClr>
+            </a:solidFill>
+            <a:ln w="12700">
+              <a:noFill/>
+            </a:ln>
+            <a:effectLst>
+              <a:outerShdw blurRad="63500" sx="101000" sy="101000" algn="ctr" rotWithShape="0">
+                <a:prstClr val="black">
+                  <a:alpha val="40000"/>
+                </a:prstClr>
+              </a:outerShdw>
+            </a:effectLst>
+            <a:scene3d>
+              <a:camera prst="perspectiveFront" fov="4800000"/>
+              <a:lightRig rig="threePt" dir="t"/>
+            </a:scene3d>
+          </p:spPr>
+          <p:style>
+            <a:lnRef idx="1">
+              <a:schemeClr val="accent1"/>
+            </a:lnRef>
+            <a:fillRef idx="3">
+              <a:schemeClr val="accent1"/>
+            </a:fillRef>
+            <a:effectRef idx="2">
+              <a:schemeClr val="accent1"/>
+            </a:effectRef>
+            <a:fontRef idx="minor">
+              <a:schemeClr val="lt1"/>
+            </a:fontRef>
+          </p:style>
+          <p:txBody>
+            <a:bodyPr rtlCol="0" anchor="ctr"/>
+            <a:lstStyle/>
+            <a:p>
+              <a:pPr algn="ctr"/>
+              <a:endParaRPr lang="en-US"/>
+            </a:p>
+          </p:txBody>
+        </p:sp>
+        <p:grpSp>
+          <p:nvGrpSpPr>
+            <p:cNvPr id="14" name="Group 10"/>
+            <p:cNvGrpSpPr/>
+            <p:nvPr/>
+          </p:nvGrpSpPr>
+          <p:grpSpPr>
+            <a:xfrm>
+              <a:off x="256032" y="237744"/>
+              <a:ext cx="8622792" cy="6364224"/>
+              <a:chOff x="247157" y="247430"/>
+              <a:chExt cx="8622792" cy="6364224"/>
+            </a:xfrm>
+          </p:grpSpPr>
+          <p:sp>
+            <p:nvSpPr>
+              <p:cNvPr id="15" name="Rectangle 14"/>
+              <p:cNvSpPr>
+                <a:spLocks/>
+              </p:cNvSpPr>
+              <p:nvPr/>
+            </p:nvSpPr>
+            <p:spPr>
+              <a:xfrm>
+                <a:off x="247157" y="247430"/>
+                <a:ext cx="8622792" cy="6364224"/>
+              </a:xfrm>
+              <a:prstGeom prst="rect">
+                <a:avLst/>
+              </a:prstGeom>
+              <a:noFill/>
+              <a:ln w="12700">
+                <a:solidFill>
+                  <a:schemeClr val="tx2">
+                    <a:lumMod val="40000"/>
+                    <a:lumOff val="60000"/>
+                  </a:schemeClr>
+                </a:solidFill>
+              </a:ln>
+            </p:spPr>
+            <p:style>
+              <a:lnRef idx="2">
+                <a:schemeClr val="accent1">
+                  <a:shade val="50000"/>
+                </a:schemeClr>
+              </a:lnRef>
+              <a:fillRef idx="1">
+                <a:schemeClr val="accent1"/>
+              </a:fillRef>
+              <a:effectRef idx="0">
+                <a:schemeClr val="accent1"/>
+              </a:effectRef>
+              <a:fontRef idx="minor">
+                <a:schemeClr val="lt1"/>
+              </a:fontRef>
+            </p:style>
+            <p:txBody>
+              <a:bodyPr rtlCol="0" anchor="ctr"/>
+              <a:lstStyle/>
+              <a:p>
+                <a:pPr algn="ctr"/>
+                <a:endParaRPr/>
+              </a:p>
+            </p:txBody>
+          </p:sp>
+          <p:cxnSp>
+            <p:nvCxnSpPr>
+              <p:cNvPr id="16" name="Straight Connector 15"/>
+              <p:cNvCxnSpPr/>
+              <p:nvPr/>
+            </p:nvCxnSpPr>
+            <p:spPr>
+              <a:xfrm>
+                <a:off x="247157" y="6389024"/>
+                <a:ext cx="8622792" cy="1588"/>
+              </a:xfrm>
+              <a:prstGeom prst="line">
+                <a:avLst/>
+              </a:prstGeom>
+              <a:noFill/>
+              <a:ln w="12700">
+                <a:solidFill>
+                  <a:schemeClr val="tx2">
+                    <a:lumMod val="40000"/>
+                    <a:lumOff val="60000"/>
+                  </a:schemeClr>
+                </a:solidFill>
+              </a:ln>
+            </p:spPr>
+            <p:style>
+              <a:lnRef idx="2">
+                <a:schemeClr val="accent1">
+                  <a:shade val="50000"/>
+                </a:schemeClr>
+              </a:lnRef>
+              <a:fillRef idx="1">
+                <a:schemeClr val="accent1"/>
+              </a:fillRef>
+              <a:effectRef idx="0">
+                <a:schemeClr val="accent1"/>
+              </a:effectRef>
+              <a:fontRef idx="minor">
+                <a:schemeClr val="lt1"/>
+              </a:fontRef>
+            </p:style>
+          </p:cxnSp>
+          <p:sp>
+            <p:nvSpPr>
+              <p:cNvPr id="17" name="Rectangle 16"/>
+              <p:cNvSpPr/>
+              <p:nvPr/>
+            </p:nvSpPr>
+            <p:spPr>
+              <a:xfrm>
+                <a:off x="247157" y="1612392"/>
+                <a:ext cx="8622792" cy="64008"/>
+              </a:xfrm>
+              <a:prstGeom prst="rect">
+                <a:avLst/>
+              </a:prstGeom>
+              <a:solidFill>
+                <a:schemeClr val="bg2">
+                  <a:lumMod val="40000"/>
+                  <a:lumOff val="60000"/>
+                </a:schemeClr>
+              </a:solidFill>
+              <a:ln w="3175">
+                <a:solidFill>
+                  <a:schemeClr val="tx2">
+                    <a:lumMod val="40000"/>
+                    <a:lumOff val="60000"/>
+                  </a:schemeClr>
+                </a:solidFill>
+              </a:ln>
+            </p:spPr>
+            <p:style>
+              <a:lnRef idx="2">
+                <a:schemeClr val="accent1">
+                  <a:shade val="50000"/>
+                </a:schemeClr>
+              </a:lnRef>
+              <a:fillRef idx="1">
+                <a:schemeClr val="accent1"/>
+              </a:fillRef>
+              <a:effectRef idx="0">
+                <a:schemeClr val="accent1"/>
+              </a:effectRef>
+              <a:fontRef idx="minor">
+                <a:schemeClr val="lt1"/>
+              </a:fontRef>
+            </p:style>
+            <p:txBody>
+              <a:bodyPr rtlCol="0" anchor="ctr"/>
+              <a:lstStyle/>
+              <a:p>
+                <a:pPr algn="ctr"/>
+                <a:endParaRPr/>
+              </a:p>
+            </p:txBody>
+          </p:sp>
+        </p:grpSp>
+      </p:grpSp>
       <p:sp>
         <p:nvSpPr>
           <p:cNvPr id="2" name="Title 1"/>
@@ -1867,7 +5997,7 @@
               <a:rPr lang="en-US" smtClean="0"/>
               <a:t>Click to edit Master title style</a:t>
             </a:r>
-            <a:endParaRPr lang="en-US"/>
+            <a:endParaRPr/>
           </a:p>
         </p:txBody>
       </p:sp>
@@ -1888,7 +6018,7 @@
           <a:p>
             <a:fld id="{4671B44B-FB70-E747-B8B6-ADB8F11B392A}" type="datetimeFigureOut">
               <a:rPr lang="en-US" smtClean="0"/>
-              <a:t>18-11-14</a:t>
+              <a:t>16-12-14</a:t>
             </a:fld>
             <a:endParaRPr lang="en-US"/>
           </a:p>
@@ -1937,11 +6067,6 @@
         </p:txBody>
       </p:sp>
     </p:spTree>
-    <p:extLst>
-      <p:ext uri="{BB962C8B-B14F-4D97-AF65-F5344CB8AC3E}">
-        <p14:creationId xmlns:p14="http://schemas.microsoft.com/office/powerpoint/2010/main" val="2325170998"/>
-      </p:ext>
-    </p:extLst>
   </p:cSld>
   <p:clrMapOvr>
     <a:masterClrMapping/>
@@ -1949,7 +6074,7 @@
 </p:sldLayout>
 </file>
 
-<file path=ppt/slideLayouts/slideLayout7.xml><?xml version="1.0" encoding="utf-8"?>
+<file path=ppt/slideLayouts/slideLayout8.xml><?xml version="1.0" encoding="utf-8"?>
 <p:sldLayout xmlns:a="http://schemas.openxmlformats.org/drawingml/2006/main" xmlns:r="http://schemas.openxmlformats.org/officeDocument/2006/relationships" xmlns:p="http://schemas.openxmlformats.org/presentationml/2006/main" type="blank" preserve="1">
   <p:cSld name="Blank">
     <p:spTree>
@@ -1966,6 +6091,185 @@
           <a:chExt cx="0" cy="0"/>
         </a:xfrm>
       </p:grpSpPr>
+      <p:grpSp>
+        <p:nvGrpSpPr>
+          <p:cNvPr id="10" name="Group 9"/>
+          <p:cNvGrpSpPr/>
+          <p:nvPr/>
+        </p:nvGrpSpPr>
+        <p:grpSpPr>
+          <a:xfrm>
+            <a:off x="182880" y="173699"/>
+            <a:ext cx="8778240" cy="6510602"/>
+            <a:chOff x="182880" y="173699"/>
+            <a:chExt cx="8778240" cy="6510602"/>
+          </a:xfrm>
+        </p:grpSpPr>
+        <p:sp>
+          <p:nvSpPr>
+            <p:cNvPr id="11" name="Rectangle 10"/>
+            <p:cNvSpPr/>
+            <p:nvPr/>
+          </p:nvSpPr>
+          <p:spPr>
+            <a:xfrm>
+              <a:off x="182880" y="173699"/>
+              <a:ext cx="8778240" cy="6510602"/>
+            </a:xfrm>
+            <a:prstGeom prst="rect">
+              <a:avLst/>
+            </a:prstGeom>
+            <a:solidFill>
+              <a:schemeClr val="bg1">
+                <a:lumMod val="95000"/>
+              </a:schemeClr>
+            </a:solidFill>
+            <a:ln w="12700">
+              <a:noFill/>
+            </a:ln>
+            <a:effectLst>
+              <a:outerShdw blurRad="63500" sx="101000" sy="101000" algn="ctr" rotWithShape="0">
+                <a:prstClr val="black">
+                  <a:alpha val="40000"/>
+                </a:prstClr>
+              </a:outerShdw>
+            </a:effectLst>
+            <a:scene3d>
+              <a:camera prst="perspectiveFront" fov="4800000"/>
+              <a:lightRig rig="threePt" dir="t"/>
+            </a:scene3d>
+          </p:spPr>
+          <p:style>
+            <a:lnRef idx="1">
+              <a:schemeClr val="accent1"/>
+            </a:lnRef>
+            <a:fillRef idx="3">
+              <a:schemeClr val="accent1"/>
+            </a:fillRef>
+            <a:effectRef idx="2">
+              <a:schemeClr val="accent1"/>
+            </a:effectRef>
+            <a:fontRef idx="minor">
+              <a:schemeClr val="lt1"/>
+            </a:fontRef>
+          </p:style>
+          <p:txBody>
+            <a:bodyPr rtlCol="0" anchor="ctr"/>
+            <a:lstStyle/>
+            <a:p>
+              <a:pPr algn="ctr"/>
+              <a:endParaRPr lang="en-US"/>
+            </a:p>
+          </p:txBody>
+        </p:sp>
+        <p:grpSp>
+          <p:nvGrpSpPr>
+            <p:cNvPr id="12" name="Group 10"/>
+            <p:cNvGrpSpPr/>
+            <p:nvPr/>
+          </p:nvGrpSpPr>
+          <p:grpSpPr>
+            <a:xfrm>
+              <a:off x="256032" y="237744"/>
+              <a:ext cx="8622792" cy="6364224"/>
+              <a:chOff x="247157" y="247430"/>
+              <a:chExt cx="8622792" cy="6364224"/>
+            </a:xfrm>
+          </p:grpSpPr>
+          <p:sp>
+            <p:nvSpPr>
+              <p:cNvPr id="13" name="Rectangle 12"/>
+              <p:cNvSpPr>
+                <a:spLocks/>
+              </p:cNvSpPr>
+              <p:nvPr/>
+            </p:nvSpPr>
+            <p:spPr>
+              <a:xfrm>
+                <a:off x="247157" y="247430"/>
+                <a:ext cx="8622792" cy="6364224"/>
+              </a:xfrm>
+              <a:prstGeom prst="rect">
+                <a:avLst/>
+              </a:prstGeom>
+              <a:noFill/>
+              <a:ln w="12700">
+                <a:solidFill>
+                  <a:schemeClr val="tx2">
+                    <a:lumMod val="40000"/>
+                    <a:lumOff val="60000"/>
+                  </a:schemeClr>
+                </a:solidFill>
+              </a:ln>
+            </p:spPr>
+            <p:style>
+              <a:lnRef idx="2">
+                <a:schemeClr val="accent1">
+                  <a:shade val="50000"/>
+                </a:schemeClr>
+              </a:lnRef>
+              <a:fillRef idx="1">
+                <a:schemeClr val="accent1"/>
+              </a:fillRef>
+              <a:effectRef idx="0">
+                <a:schemeClr val="accent1"/>
+              </a:effectRef>
+              <a:fontRef idx="minor">
+                <a:schemeClr val="lt1"/>
+              </a:fontRef>
+            </p:style>
+            <p:txBody>
+              <a:bodyPr rtlCol="0" anchor="ctr"/>
+              <a:lstStyle/>
+              <a:p>
+                <a:pPr algn="ctr"/>
+                <a:endParaRPr/>
+              </a:p>
+            </p:txBody>
+          </p:sp>
+          <p:cxnSp>
+            <p:nvCxnSpPr>
+              <p:cNvPr id="14" name="Straight Connector 13"/>
+              <p:cNvCxnSpPr/>
+              <p:nvPr/>
+            </p:nvCxnSpPr>
+            <p:spPr>
+              <a:xfrm>
+                <a:off x="247157" y="6389024"/>
+                <a:ext cx="8622792" cy="1588"/>
+              </a:xfrm>
+              <a:prstGeom prst="line">
+                <a:avLst/>
+              </a:prstGeom>
+              <a:noFill/>
+              <a:ln w="12700">
+                <a:solidFill>
+                  <a:schemeClr val="tx2">
+                    <a:lumMod val="40000"/>
+                    <a:lumOff val="60000"/>
+                  </a:schemeClr>
+                </a:solidFill>
+              </a:ln>
+            </p:spPr>
+            <p:style>
+              <a:lnRef idx="2">
+                <a:schemeClr val="accent1">
+                  <a:shade val="50000"/>
+                </a:schemeClr>
+              </a:lnRef>
+              <a:fillRef idx="1">
+                <a:schemeClr val="accent1"/>
+              </a:fillRef>
+              <a:effectRef idx="0">
+                <a:schemeClr val="accent1"/>
+              </a:effectRef>
+              <a:fontRef idx="minor">
+                <a:schemeClr val="lt1"/>
+              </a:fontRef>
+            </p:style>
+          </p:cxnSp>
+        </p:grpSp>
+      </p:grpSp>
       <p:sp>
         <p:nvSpPr>
           <p:cNvPr id="2" name="Date Placeholder 1"/>
@@ -1983,7 +6287,7 @@
           <a:p>
             <a:fld id="{4671B44B-FB70-E747-B8B6-ADB8F11B392A}" type="datetimeFigureOut">
               <a:rPr lang="en-US" smtClean="0"/>
-              <a:t>18-11-14</a:t>
+              <a:t>16-12-14</a:t>
             </a:fld>
             <a:endParaRPr lang="en-US"/>
           </a:p>
@@ -2032,11 +6336,6 @@
         </p:txBody>
       </p:sp>
     </p:spTree>
-    <p:extLst>
-      <p:ext uri="{BB962C8B-B14F-4D97-AF65-F5344CB8AC3E}">
-        <p14:creationId xmlns:p14="http://schemas.microsoft.com/office/powerpoint/2010/main" val="339722554"/>
-      </p:ext>
-    </p:extLst>
   </p:cSld>
   <p:clrMapOvr>
     <a:masterClrMapping/>
@@ -2044,7 +6343,7 @@
 </p:sldLayout>
 </file>
 
-<file path=ppt/slideLayouts/slideLayout8.xml><?xml version="1.0" encoding="utf-8"?>
+<file path=ppt/slideLayouts/slideLayout9.xml><?xml version="1.0" encoding="utf-8"?>
 <p:sldLayout xmlns:a="http://schemas.openxmlformats.org/drawingml/2006/main" xmlns:r="http://schemas.openxmlformats.org/officeDocument/2006/relationships" xmlns:p="http://schemas.openxmlformats.org/presentationml/2006/main" type="objTx" preserve="1">
   <p:cSld name="Content with Caption">
     <p:spTree>
@@ -2061,6 +6360,254 @@
           <a:chExt cx="0" cy="0"/>
         </a:xfrm>
       </p:grpSpPr>
+      <p:grpSp>
+        <p:nvGrpSpPr>
+          <p:cNvPr id="11" name="Group 10"/>
+          <p:cNvGrpSpPr/>
+          <p:nvPr/>
+        </p:nvGrpSpPr>
+        <p:grpSpPr>
+          <a:xfrm>
+            <a:off x="182880" y="173699"/>
+            <a:ext cx="8778240" cy="6510602"/>
+            <a:chOff x="182880" y="173699"/>
+            <a:chExt cx="8778240" cy="6510602"/>
+          </a:xfrm>
+        </p:grpSpPr>
+        <p:grpSp>
+          <p:nvGrpSpPr>
+            <p:cNvPr id="16" name="Group 15"/>
+            <p:cNvGrpSpPr/>
+            <p:nvPr/>
+          </p:nvGrpSpPr>
+          <p:grpSpPr>
+            <a:xfrm>
+              <a:off x="182880" y="173699"/>
+              <a:ext cx="8778240" cy="6510602"/>
+              <a:chOff x="182880" y="173699"/>
+              <a:chExt cx="8778240" cy="6510602"/>
+            </a:xfrm>
+          </p:grpSpPr>
+          <p:sp>
+            <p:nvSpPr>
+              <p:cNvPr id="17" name="Rectangle 16"/>
+              <p:cNvSpPr/>
+              <p:nvPr/>
+            </p:nvSpPr>
+            <p:spPr>
+              <a:xfrm>
+                <a:off x="182880" y="173699"/>
+                <a:ext cx="8778240" cy="6510602"/>
+              </a:xfrm>
+              <a:prstGeom prst="rect">
+                <a:avLst/>
+              </a:prstGeom>
+              <a:solidFill>
+                <a:schemeClr val="bg1">
+                  <a:lumMod val="95000"/>
+                </a:schemeClr>
+              </a:solidFill>
+              <a:ln w="12700">
+                <a:noFill/>
+              </a:ln>
+              <a:effectLst>
+                <a:outerShdw blurRad="63500" sx="101000" sy="101000" algn="ctr" rotWithShape="0">
+                  <a:prstClr val="black">
+                    <a:alpha val="40000"/>
+                  </a:prstClr>
+                </a:outerShdw>
+              </a:effectLst>
+              <a:scene3d>
+                <a:camera prst="perspectiveFront" fov="4800000"/>
+                <a:lightRig rig="threePt" dir="t"/>
+              </a:scene3d>
+            </p:spPr>
+            <p:style>
+              <a:lnRef idx="1">
+                <a:schemeClr val="accent1"/>
+              </a:lnRef>
+              <a:fillRef idx="3">
+                <a:schemeClr val="accent1"/>
+              </a:fillRef>
+              <a:effectRef idx="2">
+                <a:schemeClr val="accent1"/>
+              </a:effectRef>
+              <a:fontRef idx="minor">
+                <a:schemeClr val="lt1"/>
+              </a:fontRef>
+            </p:style>
+            <p:txBody>
+              <a:bodyPr rtlCol="0" anchor="ctr"/>
+              <a:lstStyle/>
+              <a:p>
+                <a:pPr algn="ctr"/>
+                <a:endParaRPr lang="en-US"/>
+              </a:p>
+            </p:txBody>
+          </p:sp>
+          <p:grpSp>
+            <p:nvGrpSpPr>
+              <p:cNvPr id="18" name="Group 10"/>
+              <p:cNvGrpSpPr/>
+              <p:nvPr/>
+            </p:nvGrpSpPr>
+            <p:grpSpPr>
+              <a:xfrm>
+                <a:off x="256032" y="237744"/>
+                <a:ext cx="8622792" cy="6364224"/>
+                <a:chOff x="247157" y="247430"/>
+                <a:chExt cx="8622792" cy="6364224"/>
+              </a:xfrm>
+            </p:grpSpPr>
+            <p:sp>
+              <p:nvSpPr>
+                <p:cNvPr id="19" name="Rectangle 18"/>
+                <p:cNvSpPr>
+                  <a:spLocks/>
+                </p:cNvSpPr>
+                <p:nvPr/>
+              </p:nvSpPr>
+              <p:spPr>
+                <a:xfrm>
+                  <a:off x="247157" y="247430"/>
+                  <a:ext cx="8622792" cy="6364224"/>
+                </a:xfrm>
+                <a:prstGeom prst="rect">
+                  <a:avLst/>
+                </a:prstGeom>
+                <a:noFill/>
+                <a:ln w="12700">
+                  <a:solidFill>
+                    <a:schemeClr val="tx2">
+                      <a:lumMod val="40000"/>
+                      <a:lumOff val="60000"/>
+                    </a:schemeClr>
+                  </a:solidFill>
+                </a:ln>
+              </p:spPr>
+              <p:style>
+                <a:lnRef idx="2">
+                  <a:schemeClr val="accent1">
+                    <a:shade val="50000"/>
+                  </a:schemeClr>
+                </a:lnRef>
+                <a:fillRef idx="1">
+                  <a:schemeClr val="accent1"/>
+                </a:fillRef>
+                <a:effectRef idx="0">
+                  <a:schemeClr val="accent1"/>
+                </a:effectRef>
+                <a:fontRef idx="minor">
+                  <a:schemeClr val="lt1"/>
+                </a:fontRef>
+              </p:style>
+              <p:txBody>
+                <a:bodyPr rtlCol="0" anchor="ctr"/>
+                <a:lstStyle/>
+                <a:p>
+                  <a:pPr algn="ctr"/>
+                  <a:endParaRPr/>
+                </a:p>
+              </p:txBody>
+            </p:sp>
+            <p:cxnSp>
+              <p:nvCxnSpPr>
+                <p:cNvPr id="20" name="Straight Connector 19"/>
+                <p:cNvCxnSpPr/>
+                <p:nvPr/>
+              </p:nvCxnSpPr>
+              <p:spPr>
+                <a:xfrm>
+                  <a:off x="247157" y="6389024"/>
+                  <a:ext cx="8622792" cy="1588"/>
+                </a:xfrm>
+                <a:prstGeom prst="line">
+                  <a:avLst/>
+                </a:prstGeom>
+                <a:noFill/>
+                <a:ln w="12700">
+                  <a:solidFill>
+                    <a:schemeClr val="tx2">
+                      <a:lumMod val="40000"/>
+                      <a:lumOff val="60000"/>
+                    </a:schemeClr>
+                  </a:solidFill>
+                </a:ln>
+              </p:spPr>
+              <p:style>
+                <a:lnRef idx="2">
+                  <a:schemeClr val="accent1">
+                    <a:shade val="50000"/>
+                  </a:schemeClr>
+                </a:lnRef>
+                <a:fillRef idx="1">
+                  <a:schemeClr val="accent1"/>
+                </a:fillRef>
+                <a:effectRef idx="0">
+                  <a:schemeClr val="accent1"/>
+                </a:effectRef>
+                <a:fontRef idx="minor">
+                  <a:schemeClr val="lt1"/>
+                </a:fontRef>
+              </p:style>
+            </p:cxnSp>
+          </p:grpSp>
+        </p:grpSp>
+        <p:sp>
+          <p:nvSpPr>
+            <p:cNvPr id="33" name="Rectangle 32"/>
+            <p:cNvSpPr/>
+            <p:nvPr/>
+          </p:nvSpPr>
+          <p:spPr>
+            <a:xfrm rot="5400000">
+              <a:off x="801086" y="3274090"/>
+              <a:ext cx="6135624" cy="64008"/>
+            </a:xfrm>
+            <a:prstGeom prst="rect">
+              <a:avLst/>
+            </a:prstGeom>
+            <a:solidFill>
+              <a:schemeClr val="bg2">
+                <a:lumMod val="40000"/>
+                <a:lumOff val="60000"/>
+              </a:schemeClr>
+            </a:solidFill>
+            <a:ln w="3175">
+              <a:solidFill>
+                <a:schemeClr val="tx2">
+                  <a:lumMod val="40000"/>
+                  <a:lumOff val="60000"/>
+                </a:schemeClr>
+              </a:solidFill>
+            </a:ln>
+          </p:spPr>
+          <p:style>
+            <a:lnRef idx="2">
+              <a:schemeClr val="accent1">
+                <a:shade val="50000"/>
+              </a:schemeClr>
+            </a:lnRef>
+            <a:fillRef idx="1">
+              <a:schemeClr val="accent1"/>
+            </a:fillRef>
+            <a:effectRef idx="0">
+              <a:schemeClr val="accent1"/>
+            </a:effectRef>
+            <a:fontRef idx="minor">
+              <a:schemeClr val="lt1"/>
+            </a:fontRef>
+          </p:style>
+          <p:txBody>
+            <a:bodyPr rtlCol="0" anchor="ctr"/>
+            <a:lstStyle/>
+            <a:p>
+              <a:pPr algn="ctr"/>
+              <a:endParaRPr/>
+            </a:p>
+          </p:txBody>
+        </p:sp>
+      </p:grpSp>
       <p:sp>
         <p:nvSpPr>
           <p:cNvPr id="2" name="Title 1"/>
@@ -2073,15 +6620,17 @@
         </p:nvSpPr>
         <p:spPr>
           <a:xfrm>
-            <a:off x="457200" y="273050"/>
-            <a:ext cx="3008313" cy="1162050"/>
+            <a:off x="530225" y="1169892"/>
+            <a:ext cx="3008313" cy="914400"/>
           </a:xfrm>
         </p:spPr>
         <p:txBody>
-          <a:bodyPr anchor="b"/>
+          <a:bodyPr anchor="b">
+            <a:normAutofit/>
+          </a:bodyPr>
           <a:lstStyle>
             <a:lvl1pPr algn="l">
-              <a:defRPr sz="2000" b="1"/>
+              <a:defRPr sz="2800" b="0"/>
             </a:lvl1pPr>
           </a:lstStyle>
           <a:p>
@@ -2089,7 +6638,7 @@
               <a:rPr lang="en-US" smtClean="0"/>
               <a:t>Click to edit Master title style</a:t>
             </a:r>
-            <a:endParaRPr lang="en-US"/>
+            <a:endParaRPr dirty="0"/>
           </a:p>
         </p:txBody>
       </p:sp>
@@ -2105,39 +6654,41 @@
         </p:nvSpPr>
         <p:spPr>
           <a:xfrm>
-            <a:off x="3575050" y="273050"/>
-            <a:ext cx="5111750" cy="5853113"/>
+            <a:off x="4328319" y="609600"/>
+            <a:ext cx="4114800" cy="5465763"/>
           </a:xfrm>
         </p:spPr>
         <p:txBody>
-          <a:bodyPr/>
+          <a:bodyPr>
+            <a:normAutofit/>
+          </a:bodyPr>
           <a:lstStyle>
             <a:lvl1pPr>
-              <a:defRPr sz="3200"/>
+              <a:defRPr sz="2400" baseline="0"/>
             </a:lvl1pPr>
             <a:lvl2pPr>
-              <a:defRPr sz="2800"/>
+              <a:defRPr sz="2200" baseline="0"/>
             </a:lvl2pPr>
             <a:lvl3pPr>
-              <a:defRPr sz="2400"/>
+              <a:defRPr sz="2000" baseline="0"/>
             </a:lvl3pPr>
             <a:lvl4pPr>
-              <a:defRPr sz="2000"/>
+              <a:defRPr sz="1800" baseline="0"/>
             </a:lvl4pPr>
             <a:lvl5pPr>
-              <a:defRPr sz="2000"/>
+              <a:defRPr sz="1800" baseline="0"/>
             </a:lvl5pPr>
             <a:lvl6pPr>
-              <a:defRPr sz="2000"/>
+              <a:defRPr sz="1800"/>
             </a:lvl6pPr>
             <a:lvl7pPr>
-              <a:defRPr sz="2000"/>
+              <a:defRPr sz="1800"/>
             </a:lvl7pPr>
             <a:lvl8pPr>
-              <a:defRPr sz="2000"/>
+              <a:defRPr sz="1800"/>
             </a:lvl8pPr>
             <a:lvl9pPr>
-              <a:defRPr sz="2000"/>
+              <a:defRPr sz="1800"/>
             </a:lvl9pPr>
           </a:lstStyle>
           <a:p>
@@ -2174,7 +6725,7 @@
               <a:rPr lang="en-US" smtClean="0"/>
               <a:t>Fifth level</a:t>
             </a:r>
-            <a:endParaRPr lang="en-US"/>
+            <a:endParaRPr dirty="0"/>
           </a:p>
         </p:txBody>
       </p:sp>
@@ -2190,16 +6741,34 @@
         </p:nvSpPr>
         <p:spPr>
           <a:xfrm>
-            <a:off x="457200" y="1435100"/>
-            <a:ext cx="3008313" cy="4691063"/>
+            <a:off x="530225" y="2147888"/>
+            <a:ext cx="3008313" cy="3262313"/>
           </a:xfrm>
         </p:spPr>
         <p:txBody>
-          <a:bodyPr/>
+          <a:bodyPr vert="horz" lIns="91440" tIns="45720" rIns="91440" bIns="45720" rtlCol="0">
+            <a:normAutofit/>
+          </a:bodyPr>
           <a:lstStyle>
             <a:lvl1pPr marL="0" indent="0">
-              <a:buNone/>
-              <a:defRPr sz="1400"/>
+              <a:lnSpc>
+                <a:spcPct val="120000"/>
+              </a:lnSpc>
+              <a:spcBef>
+                <a:spcPts val="600"/>
+              </a:spcBef>
+              <a:buNone/>
+              <a:defRPr sz="1600" kern="1200">
+                <a:solidFill>
+                  <a:schemeClr val="tx1">
+                    <a:lumMod val="75000"/>
+                    <a:lumOff val="25000"/>
+                  </a:schemeClr>
+                </a:solidFill>
+                <a:latin typeface="+mn-lt"/>
+                <a:ea typeface="+mn-ea"/>
+                <a:cs typeface="+mn-cs"/>
+              </a:defRPr>
             </a:lvl1pPr>
             <a:lvl2pPr marL="457200" indent="0">
               <a:buNone/>
@@ -2235,7 +6804,22 @@
             </a:lvl9pPr>
           </a:lstStyle>
           <a:p>
-            <a:pPr lvl="0"/>
+            <a:pPr marL="0" lvl="0" indent="0" algn="l" defTabSz="914400" rtl="0" eaLnBrk="1" latinLnBrk="0" hangingPunct="1">
+              <a:lnSpc>
+                <a:spcPct val="110000"/>
+              </a:lnSpc>
+              <a:spcBef>
+                <a:spcPts val="2000"/>
+              </a:spcBef>
+              <a:buClr>
+                <a:schemeClr val="bg1">
+                  <a:lumMod val="75000"/>
+                  <a:lumOff val="25000"/>
+                </a:schemeClr>
+              </a:buClr>
+              <a:buFont typeface="Arial" pitchFamily="34" charset="0"/>
+              <a:buNone/>
+            </a:pPr>
             <a:r>
               <a:rPr lang="en-US" smtClean="0"/>
               <a:t>Click to edit Master text styles</a:t>
@@ -2260,7 +6844,7 @@
           <a:p>
             <a:fld id="{4671B44B-FB70-E747-B8B6-ADB8F11B392A}" type="datetimeFigureOut">
               <a:rPr lang="en-US" smtClean="0"/>
-              <a:t>18-11-14</a:t>
+              <a:t>16-12-14</a:t>
             </a:fld>
             <a:endParaRPr lang="en-US"/>
           </a:p>
@@ -2309,264 +6893,6 @@
         </p:txBody>
       </p:sp>
     </p:spTree>
-    <p:extLst>
-      <p:ext uri="{BB962C8B-B14F-4D97-AF65-F5344CB8AC3E}">
-        <p14:creationId xmlns:p14="http://schemas.microsoft.com/office/powerpoint/2010/main" val="3610362345"/>
-      </p:ext>
-    </p:extLst>
-  </p:cSld>
-  <p:clrMapOvr>
-    <a:masterClrMapping/>
-  </p:clrMapOvr>
-</p:sldLayout>
-</file>
-
-<file path=ppt/slideLayouts/slideLayout9.xml><?xml version="1.0" encoding="utf-8"?>
-<p:sldLayout xmlns:a="http://schemas.openxmlformats.org/drawingml/2006/main" xmlns:r="http://schemas.openxmlformats.org/officeDocument/2006/relationships" xmlns:p="http://schemas.openxmlformats.org/presentationml/2006/main" type="picTx" preserve="1">
-  <p:cSld name="Picture with Caption">
-    <p:spTree>
-      <p:nvGrpSpPr>
-        <p:cNvPr id="1" name=""/>
-        <p:cNvGrpSpPr/>
-        <p:nvPr/>
-      </p:nvGrpSpPr>
-      <p:grpSpPr>
-        <a:xfrm>
-          <a:off x="0" y="0"/>
-          <a:ext cx="0" cy="0"/>
-          <a:chOff x="0" y="0"/>
-          <a:chExt cx="0" cy="0"/>
-        </a:xfrm>
-      </p:grpSpPr>
-      <p:sp>
-        <p:nvSpPr>
-          <p:cNvPr id="2" name="Title 1"/>
-          <p:cNvSpPr>
-            <a:spLocks noGrp="1"/>
-          </p:cNvSpPr>
-          <p:nvPr>
-            <p:ph type="title"/>
-          </p:nvPr>
-        </p:nvSpPr>
-        <p:spPr>
-          <a:xfrm>
-            <a:off x="1792288" y="4800600"/>
-            <a:ext cx="5486400" cy="566738"/>
-          </a:xfrm>
-        </p:spPr>
-        <p:txBody>
-          <a:bodyPr anchor="b"/>
-          <a:lstStyle>
-            <a:lvl1pPr algn="l">
-              <a:defRPr sz="2000" b="1"/>
-            </a:lvl1pPr>
-          </a:lstStyle>
-          <a:p>
-            <a:r>
-              <a:rPr lang="en-US" smtClean="0"/>
-              <a:t>Click to edit Master title style</a:t>
-            </a:r>
-            <a:endParaRPr lang="en-US"/>
-          </a:p>
-        </p:txBody>
-      </p:sp>
-      <p:sp>
-        <p:nvSpPr>
-          <p:cNvPr id="3" name="Picture Placeholder 2"/>
-          <p:cNvSpPr>
-            <a:spLocks noGrp="1"/>
-          </p:cNvSpPr>
-          <p:nvPr>
-            <p:ph type="pic" idx="1"/>
-          </p:nvPr>
-        </p:nvSpPr>
-        <p:spPr>
-          <a:xfrm>
-            <a:off x="1792288" y="612775"/>
-            <a:ext cx="5486400" cy="4114800"/>
-          </a:xfrm>
-        </p:spPr>
-        <p:txBody>
-          <a:bodyPr/>
-          <a:lstStyle>
-            <a:lvl1pPr marL="0" indent="0">
-              <a:buNone/>
-              <a:defRPr sz="3200"/>
-            </a:lvl1pPr>
-            <a:lvl2pPr marL="457200" indent="0">
-              <a:buNone/>
-              <a:defRPr sz="2800"/>
-            </a:lvl2pPr>
-            <a:lvl3pPr marL="914400" indent="0">
-              <a:buNone/>
-              <a:defRPr sz="2400"/>
-            </a:lvl3pPr>
-            <a:lvl4pPr marL="1371600" indent="0">
-              <a:buNone/>
-              <a:defRPr sz="2000"/>
-            </a:lvl4pPr>
-            <a:lvl5pPr marL="1828800" indent="0">
-              <a:buNone/>
-              <a:defRPr sz="2000"/>
-            </a:lvl5pPr>
-            <a:lvl6pPr marL="2286000" indent="0">
-              <a:buNone/>
-              <a:defRPr sz="2000"/>
-            </a:lvl6pPr>
-            <a:lvl7pPr marL="2743200" indent="0">
-              <a:buNone/>
-              <a:defRPr sz="2000"/>
-            </a:lvl7pPr>
-            <a:lvl8pPr marL="3200400" indent="0">
-              <a:buNone/>
-              <a:defRPr sz="2000"/>
-            </a:lvl8pPr>
-            <a:lvl9pPr marL="3657600" indent="0">
-              <a:buNone/>
-              <a:defRPr sz="2000"/>
-            </a:lvl9pPr>
-          </a:lstStyle>
-          <a:p>
-            <a:endParaRPr lang="en-US"/>
-          </a:p>
-        </p:txBody>
-      </p:sp>
-      <p:sp>
-        <p:nvSpPr>
-          <p:cNvPr id="4" name="Text Placeholder 3"/>
-          <p:cNvSpPr>
-            <a:spLocks noGrp="1"/>
-          </p:cNvSpPr>
-          <p:nvPr>
-            <p:ph type="body" sz="half" idx="2"/>
-          </p:nvPr>
-        </p:nvSpPr>
-        <p:spPr>
-          <a:xfrm>
-            <a:off x="1792288" y="5367338"/>
-            <a:ext cx="5486400" cy="804862"/>
-          </a:xfrm>
-        </p:spPr>
-        <p:txBody>
-          <a:bodyPr/>
-          <a:lstStyle>
-            <a:lvl1pPr marL="0" indent="0">
-              <a:buNone/>
-              <a:defRPr sz="1400"/>
-            </a:lvl1pPr>
-            <a:lvl2pPr marL="457200" indent="0">
-              <a:buNone/>
-              <a:defRPr sz="1200"/>
-            </a:lvl2pPr>
-            <a:lvl3pPr marL="914400" indent="0">
-              <a:buNone/>
-              <a:defRPr sz="1000"/>
-            </a:lvl3pPr>
-            <a:lvl4pPr marL="1371600" indent="0">
-              <a:buNone/>
-              <a:defRPr sz="900"/>
-            </a:lvl4pPr>
-            <a:lvl5pPr marL="1828800" indent="0">
-              <a:buNone/>
-              <a:defRPr sz="900"/>
-            </a:lvl5pPr>
-            <a:lvl6pPr marL="2286000" indent="0">
-              <a:buNone/>
-              <a:defRPr sz="900"/>
-            </a:lvl6pPr>
-            <a:lvl7pPr marL="2743200" indent="0">
-              <a:buNone/>
-              <a:defRPr sz="900"/>
-            </a:lvl7pPr>
-            <a:lvl8pPr marL="3200400" indent="0">
-              <a:buNone/>
-              <a:defRPr sz="900"/>
-            </a:lvl8pPr>
-            <a:lvl9pPr marL="3657600" indent="0">
-              <a:buNone/>
-              <a:defRPr sz="900"/>
-            </a:lvl9pPr>
-          </a:lstStyle>
-          <a:p>
-            <a:pPr lvl="0"/>
-            <a:r>
-              <a:rPr lang="en-US" smtClean="0"/>
-              <a:t>Click to edit Master text styles</a:t>
-            </a:r>
-          </a:p>
-        </p:txBody>
-      </p:sp>
-      <p:sp>
-        <p:nvSpPr>
-          <p:cNvPr id="5" name="Date Placeholder 4"/>
-          <p:cNvSpPr>
-            <a:spLocks noGrp="1"/>
-          </p:cNvSpPr>
-          <p:nvPr>
-            <p:ph type="dt" sz="half" idx="10"/>
-          </p:nvPr>
-        </p:nvSpPr>
-        <p:spPr/>
-        <p:txBody>
-          <a:bodyPr/>
-          <a:lstStyle/>
-          <a:p>
-            <a:fld id="{4671B44B-FB70-E747-B8B6-ADB8F11B392A}" type="datetimeFigureOut">
-              <a:rPr lang="en-US" smtClean="0"/>
-              <a:t>18-11-14</a:t>
-            </a:fld>
-            <a:endParaRPr lang="en-US"/>
-          </a:p>
-        </p:txBody>
-      </p:sp>
-      <p:sp>
-        <p:nvSpPr>
-          <p:cNvPr id="6" name="Footer Placeholder 5"/>
-          <p:cNvSpPr>
-            <a:spLocks noGrp="1"/>
-          </p:cNvSpPr>
-          <p:nvPr>
-            <p:ph type="ftr" sz="quarter" idx="11"/>
-          </p:nvPr>
-        </p:nvSpPr>
-        <p:spPr/>
-        <p:txBody>
-          <a:bodyPr/>
-          <a:lstStyle/>
-          <a:p>
-            <a:endParaRPr lang="en-US"/>
-          </a:p>
-        </p:txBody>
-      </p:sp>
-      <p:sp>
-        <p:nvSpPr>
-          <p:cNvPr id="7" name="Slide Number Placeholder 6"/>
-          <p:cNvSpPr>
-            <a:spLocks noGrp="1"/>
-          </p:cNvSpPr>
-          <p:nvPr>
-            <p:ph type="sldNum" sz="quarter" idx="12"/>
-          </p:nvPr>
-        </p:nvSpPr>
-        <p:spPr/>
-        <p:txBody>
-          <a:bodyPr/>
-          <a:lstStyle/>
-          <a:p>
-            <a:fld id="{53C7CC39-DB3E-5D4E-B18C-FAACE5FDA6BF}" type="slidenum">
-              <a:rPr lang="en-US" smtClean="0"/>
-              <a:t>‹#›</a:t>
-            </a:fld>
-            <a:endParaRPr lang="en-US"/>
-          </a:p>
-        </p:txBody>
-      </p:sp>
-    </p:spTree>
-    <p:extLst>
-      <p:ext uri="{BB962C8B-B14F-4D97-AF65-F5344CB8AC3E}">
-        <p14:creationId xmlns:p14="http://schemas.microsoft.com/office/powerpoint/2010/main" val="3809085410"/>
-      </p:ext>
-    </p:extLst>
   </p:cSld>
   <p:clrMapOvr>
     <a:masterClrMapping/>
@@ -2578,8 +6904,8 @@
 <p:sldMaster xmlns:a="http://schemas.openxmlformats.org/drawingml/2006/main" xmlns:r="http://schemas.openxmlformats.org/officeDocument/2006/relationships" xmlns:p="http://schemas.openxmlformats.org/presentationml/2006/main">
   <p:cSld>
     <p:bg>
-      <p:bgRef idx="1001">
-        <a:schemeClr val="bg1"/>
+      <p:bgRef idx="1003">
+        <a:schemeClr val="bg2"/>
       </p:bgRef>
     </p:bg>
     <p:spTree>
@@ -2608,8 +6934,8 @@
         </p:nvSpPr>
         <p:spPr>
           <a:xfrm>
-            <a:off x="457200" y="274638"/>
-            <a:ext cx="8229600" cy="1143000"/>
+            <a:off x="900113" y="244158"/>
+            <a:ext cx="7345362" cy="1339850"/>
           </a:xfrm>
           <a:prstGeom prst="rect">
             <a:avLst/>
@@ -2625,7 +6951,7 @@
               <a:rPr lang="en-US" smtClean="0"/>
               <a:t>Click to edit Master title style</a:t>
             </a:r>
-            <a:endParaRPr lang="en-US"/>
+            <a:endParaRPr dirty="0"/>
           </a:p>
         </p:txBody>
       </p:sp>
@@ -2641,8 +6967,8 @@
         </p:nvSpPr>
         <p:spPr>
           <a:xfrm>
-            <a:off x="457200" y="1600200"/>
-            <a:ext cx="8229600" cy="4525963"/>
+            <a:off x="900112" y="2133601"/>
+            <a:ext cx="7345363" cy="3931920"/>
           </a:xfrm>
           <a:prstGeom prst="rect">
             <a:avLst/>
@@ -2687,7 +7013,7 @@
               <a:rPr lang="en-US" smtClean="0"/>
               <a:t>Fifth level</a:t>
             </a:r>
-            <a:endParaRPr lang="en-US"/>
+            <a:endParaRPr dirty="0"/>
           </a:p>
         </p:txBody>
       </p:sp>
@@ -2703,8 +7029,8 @@
         </p:nvSpPr>
         <p:spPr>
           <a:xfrm>
-            <a:off x="457200" y="6356350"/>
-            <a:ext cx="2133600" cy="365125"/>
+            <a:off x="243840" y="6371591"/>
+            <a:ext cx="2133600" cy="259317"/>
           </a:xfrm>
           <a:prstGeom prst="rect">
             <a:avLst/>
@@ -2716,17 +7042,19 @@
             <a:lvl1pPr algn="l">
               <a:defRPr sz="1200">
                 <a:solidFill>
-                  <a:schemeClr val="tx1">
-                    <a:tint val="75000"/>
+                  <a:schemeClr val="bg2">
+                    <a:lumMod val="60000"/>
+                    <a:lumOff val="40000"/>
                   </a:schemeClr>
                 </a:solidFill>
+                <a:latin typeface="Brush Script MT" pitchFamily="66" charset="0"/>
               </a:defRPr>
             </a:lvl1pPr>
           </a:lstStyle>
           <a:p>
             <a:fld id="{4671B44B-FB70-E747-B8B6-ADB8F11B392A}" type="datetimeFigureOut">
               <a:rPr lang="en-US" smtClean="0"/>
-              <a:t>18-11-14</a:t>
+              <a:t>16-12-14</a:t>
             </a:fld>
             <a:endParaRPr lang="en-US"/>
           </a:p>
@@ -2744,8 +7072,8 @@
         </p:nvSpPr>
         <p:spPr>
           <a:xfrm>
-            <a:off x="3124200" y="6356350"/>
-            <a:ext cx="2895600" cy="365125"/>
+            <a:off x="5958840" y="6371591"/>
+            <a:ext cx="2895600" cy="257810"/>
           </a:xfrm>
           <a:prstGeom prst="rect">
             <a:avLst/>
@@ -2754,13 +7082,17 @@
         <p:txBody>
           <a:bodyPr vert="horz" lIns="91440" tIns="45720" rIns="91440" bIns="45720" rtlCol="0" anchor="ctr"/>
           <a:lstStyle>
-            <a:lvl1pPr algn="ctr">
-              <a:defRPr sz="1200">
+            <a:lvl1pPr marL="0" algn="r" defTabSz="914400" rtl="0" eaLnBrk="1" latinLnBrk="0" hangingPunct="1">
+              <a:defRPr sz="1200" kern="1200">
                 <a:solidFill>
-                  <a:schemeClr val="tx1">
-                    <a:tint val="75000"/>
+                  <a:schemeClr val="bg2">
+                    <a:lumMod val="60000"/>
+                    <a:lumOff val="40000"/>
                   </a:schemeClr>
                 </a:solidFill>
+                <a:latin typeface="Brush Script MT" pitchFamily="66" charset="0"/>
+                <a:ea typeface="+mn-ea"/>
+                <a:cs typeface="+mn-cs"/>
               </a:defRPr>
             </a:lvl1pPr>
           </a:lstStyle>
@@ -2781,8 +7113,8 @@
         </p:nvSpPr>
         <p:spPr>
           <a:xfrm>
-            <a:off x="6553200" y="6356350"/>
-            <a:ext cx="2133600" cy="365125"/>
+            <a:off x="4191000" y="6356350"/>
+            <a:ext cx="762000" cy="271463"/>
           </a:xfrm>
           <a:prstGeom prst="rect">
             <a:avLst/>
@@ -2791,13 +7123,17 @@
         <p:txBody>
           <a:bodyPr vert="horz" lIns="91440" tIns="45720" rIns="91440" bIns="45720" rtlCol="0" anchor="ctr"/>
           <a:lstStyle>
-            <a:lvl1pPr algn="r">
-              <a:defRPr sz="1200">
+            <a:lvl1pPr marL="0" algn="ctr" defTabSz="914400" rtl="0" eaLnBrk="1" latinLnBrk="0" hangingPunct="1">
+              <a:defRPr sz="1200" kern="1200">
                 <a:solidFill>
-                  <a:schemeClr val="tx1">
-                    <a:tint val="75000"/>
+                  <a:schemeClr val="bg2">
+                    <a:lumMod val="60000"/>
+                    <a:lumOff val="40000"/>
                   </a:schemeClr>
                 </a:solidFill>
+                <a:latin typeface="+mn-lt"/>
+                <a:ea typeface="+mn-ea"/>
+                <a:cs typeface="+mn-cs"/>
               </a:defRPr>
             </a:lvl1pPr>
           </a:lstStyle>
@@ -2811,36 +7147,37 @@
         </p:txBody>
       </p:sp>
     </p:spTree>
-    <p:extLst>
-      <p:ext uri="{BB962C8B-B14F-4D97-AF65-F5344CB8AC3E}">
-        <p14:creationId xmlns:p14="http://schemas.microsoft.com/office/powerpoint/2010/main" val="3168462731"/>
-      </p:ext>
-    </p:extLst>
   </p:cSld>
   <p:clrMap bg1="lt1" tx1="dk1" bg2="lt2" tx2="dk2" accent1="accent1" accent2="accent2" accent3="accent3" accent4="accent4" accent5="accent5" accent6="accent6" hlink="hlink" folHlink="folHlink"/>
   <p:sldLayoutIdLst>
-    <p:sldLayoutId id="2147483649" r:id="rId1"/>
-    <p:sldLayoutId id="2147483650" r:id="rId2"/>
-    <p:sldLayoutId id="2147483651" r:id="rId3"/>
-    <p:sldLayoutId id="2147483652" r:id="rId4"/>
-    <p:sldLayoutId id="2147483653" r:id="rId5"/>
-    <p:sldLayoutId id="2147483654" r:id="rId6"/>
-    <p:sldLayoutId id="2147483655" r:id="rId7"/>
-    <p:sldLayoutId id="2147483656" r:id="rId8"/>
-    <p:sldLayoutId id="2147483657" r:id="rId9"/>
-    <p:sldLayoutId id="2147483658" r:id="rId10"/>
-    <p:sldLayoutId id="2147483659" r:id="rId11"/>
+    <p:sldLayoutId id="2147483752" r:id="rId1"/>
+    <p:sldLayoutId id="2147483753" r:id="rId2"/>
+    <p:sldLayoutId id="2147483754" r:id="rId3"/>
+    <p:sldLayoutId id="2147483755" r:id="rId4"/>
+    <p:sldLayoutId id="2147483756" r:id="rId5"/>
+    <p:sldLayoutId id="2147483757" r:id="rId6"/>
+    <p:sldLayoutId id="2147483758" r:id="rId7"/>
+    <p:sldLayoutId id="2147483759" r:id="rId8"/>
+    <p:sldLayoutId id="2147483760" r:id="rId9"/>
+    <p:sldLayoutId id="2147483761" r:id="rId10"/>
+    <p:sldLayoutId id="2147483762" r:id="rId11"/>
+    <p:sldLayoutId id="2147483763" r:id="rId12"/>
+    <p:sldLayoutId id="2147483764" r:id="rId13"/>
+    <p:sldLayoutId id="2147483765" r:id="rId14"/>
   </p:sldLayoutIdLst>
   <p:txStyles>
     <p:titleStyle>
-      <a:lvl1pPr algn="ctr" defTabSz="457200" rtl="0" eaLnBrk="1" latinLnBrk="0" hangingPunct="1">
+      <a:lvl1pPr algn="ctr" defTabSz="914400" rtl="0" eaLnBrk="1" latinLnBrk="0" hangingPunct="1">
         <a:spcBef>
           <a:spcPct val="0"/>
         </a:spcBef>
         <a:buNone/>
-        <a:defRPr sz="4400" kern="1200">
+        <a:defRPr sz="4800" kern="1200">
           <a:solidFill>
-            <a:schemeClr val="tx1"/>
+            <a:schemeClr val="tx1">
+              <a:lumMod val="75000"/>
+              <a:lumOff val="25000"/>
+            </a:schemeClr>
           </a:solidFill>
           <a:latin typeface="+mj-lt"/>
           <a:ea typeface="+mj-ea"/>
@@ -2849,135 +7186,216 @@
       </a:lvl1pPr>
     </p:titleStyle>
     <p:bodyStyle>
-      <a:lvl1pPr marL="342900" indent="-342900" algn="l" defTabSz="457200" rtl="0" eaLnBrk="1" latinLnBrk="0" hangingPunct="1">
+      <a:lvl1pPr marL="342900" indent="-342900" algn="l" defTabSz="914400" rtl="0" eaLnBrk="1" latinLnBrk="0" hangingPunct="1">
         <a:spcBef>
-          <a:spcPct val="20000"/>
+          <a:spcPts val="2000"/>
         </a:spcBef>
-        <a:buFont typeface="Arial"/>
+        <a:buClr>
+          <a:schemeClr val="tx1">
+            <a:lumMod val="75000"/>
+            <a:lumOff val="25000"/>
+          </a:schemeClr>
+        </a:buClr>
+        <a:buFont typeface="Arial" pitchFamily="34" charset="0"/>
         <a:buChar char="•"/>
-        <a:defRPr sz="3200" kern="1200">
+        <a:defRPr sz="2400" kern="1200">
           <a:solidFill>
-            <a:schemeClr val="tx1"/>
+            <a:schemeClr val="tx1">
+              <a:lumMod val="75000"/>
+              <a:lumOff val="25000"/>
+            </a:schemeClr>
           </a:solidFill>
           <a:latin typeface="+mn-lt"/>
           <a:ea typeface="+mn-ea"/>
           <a:cs typeface="+mn-cs"/>
         </a:defRPr>
       </a:lvl1pPr>
-      <a:lvl2pPr marL="742950" indent="-285750" algn="l" defTabSz="457200" rtl="0" eaLnBrk="1" latinLnBrk="0" hangingPunct="1">
+      <a:lvl2pPr marL="579438" indent="-228600" algn="l" defTabSz="914400" rtl="0" eaLnBrk="1" latinLnBrk="0" hangingPunct="1">
         <a:spcBef>
-          <a:spcPct val="20000"/>
+          <a:spcPts val="600"/>
         </a:spcBef>
-        <a:buFont typeface="Arial"/>
-        <a:buChar char="–"/>
-        <a:defRPr sz="2800" kern="1200">
+        <a:buClr>
+          <a:schemeClr val="bg2">
+            <a:lumMod val="60000"/>
+            <a:lumOff val="40000"/>
+          </a:schemeClr>
+        </a:buClr>
+        <a:buFont typeface="Arial" pitchFamily="34" charset="0"/>
+        <a:buChar char="•"/>
+        <a:defRPr sz="2200" kern="1200">
           <a:solidFill>
-            <a:schemeClr val="tx1"/>
+            <a:schemeClr val="tx1">
+              <a:lumMod val="75000"/>
+              <a:lumOff val="25000"/>
+            </a:schemeClr>
           </a:solidFill>
           <a:latin typeface="+mn-lt"/>
           <a:ea typeface="+mn-ea"/>
           <a:cs typeface="+mn-cs"/>
         </a:defRPr>
       </a:lvl2pPr>
-      <a:lvl3pPr marL="1143000" indent="-228600" algn="l" defTabSz="457200" rtl="0" eaLnBrk="1" latinLnBrk="0" hangingPunct="1">
+      <a:lvl3pPr marL="808038" indent="-228600" algn="l" defTabSz="914400" rtl="0" eaLnBrk="1" latinLnBrk="0" hangingPunct="1">
         <a:spcBef>
-          <a:spcPct val="20000"/>
+          <a:spcPts val="600"/>
         </a:spcBef>
-        <a:buFont typeface="Arial"/>
+        <a:buClr>
+          <a:schemeClr val="tx1">
+            <a:lumMod val="75000"/>
+            <a:lumOff val="25000"/>
+          </a:schemeClr>
+        </a:buClr>
+        <a:buFont typeface="Arial" pitchFamily="34" charset="0"/>
         <a:buChar char="•"/>
-        <a:defRPr sz="2400" kern="1200">
+        <a:defRPr sz="2000" kern="1200">
           <a:solidFill>
-            <a:schemeClr val="tx1"/>
+            <a:schemeClr val="tx1">
+              <a:lumMod val="75000"/>
+              <a:lumOff val="25000"/>
+            </a:schemeClr>
           </a:solidFill>
           <a:latin typeface="+mn-lt"/>
           <a:ea typeface="+mn-ea"/>
           <a:cs typeface="+mn-cs"/>
         </a:defRPr>
       </a:lvl3pPr>
-      <a:lvl4pPr marL="1600200" indent="-228600" algn="l" defTabSz="457200" rtl="0" eaLnBrk="1" latinLnBrk="0" hangingPunct="1">
+      <a:lvl4pPr marL="1036638" indent="-228600" algn="l" defTabSz="914400" rtl="0" eaLnBrk="1" latinLnBrk="0" hangingPunct="1">
         <a:spcBef>
-          <a:spcPct val="20000"/>
+          <a:spcPts val="600"/>
         </a:spcBef>
-        <a:buFont typeface="Arial"/>
-        <a:buChar char="–"/>
-        <a:defRPr sz="2000" kern="1200">
+        <a:buClr>
+          <a:schemeClr val="bg2">
+            <a:lumMod val="60000"/>
+            <a:lumOff val="40000"/>
+          </a:schemeClr>
+        </a:buClr>
+        <a:buFont typeface="Arial" pitchFamily="34" charset="0"/>
+        <a:buChar char="•"/>
+        <a:defRPr sz="1800" kern="1200">
           <a:solidFill>
-            <a:schemeClr val="tx1"/>
+            <a:schemeClr val="tx1">
+              <a:lumMod val="75000"/>
+              <a:lumOff val="25000"/>
+            </a:schemeClr>
           </a:solidFill>
           <a:latin typeface="+mn-lt"/>
           <a:ea typeface="+mn-ea"/>
           <a:cs typeface="+mn-cs"/>
         </a:defRPr>
       </a:lvl4pPr>
-      <a:lvl5pPr marL="2057400" indent="-228600" algn="l" defTabSz="457200" rtl="0" eaLnBrk="1" latinLnBrk="0" hangingPunct="1">
+      <a:lvl5pPr marL="1265238" indent="-228600" algn="l" defTabSz="914400" rtl="0" eaLnBrk="1" latinLnBrk="0" hangingPunct="1">
         <a:spcBef>
-          <a:spcPct val="20000"/>
+          <a:spcPts val="600"/>
         </a:spcBef>
-        <a:buFont typeface="Arial"/>
-        <a:buChar char="»"/>
-        <a:defRPr sz="2000" kern="1200">
+        <a:buClr>
+          <a:schemeClr val="tx1">
+            <a:lumMod val="75000"/>
+            <a:lumOff val="25000"/>
+          </a:schemeClr>
+        </a:buClr>
+        <a:buFont typeface="Arial" pitchFamily="34" charset="0"/>
+        <a:buChar char="•"/>
+        <a:defRPr sz="1800" kern="1200">
           <a:solidFill>
-            <a:schemeClr val="tx1"/>
+            <a:schemeClr val="tx1">
+              <a:lumMod val="75000"/>
+              <a:lumOff val="25000"/>
+            </a:schemeClr>
           </a:solidFill>
           <a:latin typeface="+mn-lt"/>
           <a:ea typeface="+mn-ea"/>
           <a:cs typeface="+mn-cs"/>
         </a:defRPr>
       </a:lvl5pPr>
-      <a:lvl6pPr marL="2514600" indent="-228600" algn="l" defTabSz="457200" rtl="0" eaLnBrk="1" latinLnBrk="0" hangingPunct="1">
+      <a:lvl6pPr marL="1485900" indent="-228600" algn="l" defTabSz="914400" rtl="0" eaLnBrk="1" latinLnBrk="0" hangingPunct="1">
         <a:spcBef>
           <a:spcPct val="20000"/>
         </a:spcBef>
-        <a:buFont typeface="Arial"/>
+        <a:buClr>
+          <a:schemeClr val="bg2">
+            <a:lumMod val="60000"/>
+            <a:lumOff val="40000"/>
+          </a:schemeClr>
+        </a:buClr>
+        <a:buFont typeface="Arial" pitchFamily="34" charset="0"/>
         <a:buChar char="•"/>
-        <a:defRPr sz="2000" kern="1200">
+        <a:defRPr lang="en-US" sz="1800" kern="1200" dirty="0" smtClean="0">
           <a:solidFill>
-            <a:schemeClr val="tx1"/>
+            <a:schemeClr val="tx1">
+              <a:lumMod val="75000"/>
+              <a:lumOff val="25000"/>
+            </a:schemeClr>
           </a:solidFill>
           <a:latin typeface="+mn-lt"/>
           <a:ea typeface="+mn-ea"/>
           <a:cs typeface="+mn-cs"/>
         </a:defRPr>
       </a:lvl6pPr>
-      <a:lvl7pPr marL="2971800" indent="-228600" algn="l" defTabSz="457200" rtl="0" eaLnBrk="1" latinLnBrk="0" hangingPunct="1">
+      <a:lvl7pPr marL="1712913" indent="-228600" algn="l" defTabSz="914400" rtl="0" eaLnBrk="1" latinLnBrk="0" hangingPunct="1">
         <a:spcBef>
           <a:spcPct val="20000"/>
         </a:spcBef>
-        <a:buFont typeface="Arial"/>
+        <a:buClr>
+          <a:schemeClr val="tx1">
+            <a:lumMod val="75000"/>
+            <a:lumOff val="25000"/>
+          </a:schemeClr>
+        </a:buClr>
+        <a:buFont typeface="Arial" pitchFamily="34" charset="0"/>
         <a:buChar char="•"/>
-        <a:defRPr sz="2000" kern="1200">
+        <a:defRPr lang="en-US" sz="1800" kern="1200" dirty="0" smtClean="0">
           <a:solidFill>
-            <a:schemeClr val="tx1"/>
+            <a:schemeClr val="tx1">
+              <a:lumMod val="75000"/>
+              <a:lumOff val="25000"/>
+            </a:schemeClr>
           </a:solidFill>
           <a:latin typeface="+mn-lt"/>
           <a:ea typeface="+mn-ea"/>
           <a:cs typeface="+mn-cs"/>
         </a:defRPr>
       </a:lvl7pPr>
-      <a:lvl8pPr marL="3429000" indent="-228600" algn="l" defTabSz="457200" rtl="0" eaLnBrk="1" latinLnBrk="0" hangingPunct="1">
+      <a:lvl8pPr marL="1947863" indent="-228600" algn="l" defTabSz="914400" rtl="0" eaLnBrk="1" latinLnBrk="0" hangingPunct="1">
         <a:spcBef>
           <a:spcPct val="20000"/>
         </a:spcBef>
-        <a:buFont typeface="Arial"/>
+        <a:buClr>
+          <a:schemeClr val="bg2">
+            <a:lumMod val="60000"/>
+            <a:lumOff val="40000"/>
+          </a:schemeClr>
+        </a:buClr>
+        <a:buFont typeface="Arial" pitchFamily="34" charset="0"/>
         <a:buChar char="•"/>
-        <a:defRPr sz="2000" kern="1200">
+        <a:defRPr lang="en-US" sz="1800" kern="1200" dirty="0" smtClean="0">
           <a:solidFill>
-            <a:schemeClr val="tx1"/>
+            <a:schemeClr val="tx1">
+              <a:lumMod val="75000"/>
+              <a:lumOff val="25000"/>
+            </a:schemeClr>
           </a:solidFill>
           <a:latin typeface="+mn-lt"/>
           <a:ea typeface="+mn-ea"/>
           <a:cs typeface="+mn-cs"/>
         </a:defRPr>
       </a:lvl8pPr>
-      <a:lvl9pPr marL="3886200" indent="-228600" algn="l" defTabSz="457200" rtl="0" eaLnBrk="1" latinLnBrk="0" hangingPunct="1">
+      <a:lvl9pPr marL="2174875" indent="-228600" algn="l" defTabSz="914400" rtl="0" eaLnBrk="1" latinLnBrk="0" hangingPunct="1">
         <a:spcBef>
           <a:spcPct val="20000"/>
         </a:spcBef>
-        <a:buFont typeface="Arial"/>
+        <a:buClr>
+          <a:schemeClr val="tx1">
+            <a:lumMod val="75000"/>
+            <a:lumOff val="25000"/>
+          </a:schemeClr>
+        </a:buClr>
+        <a:buFont typeface="Arial" pitchFamily="34" charset="0"/>
         <a:buChar char="•"/>
-        <a:defRPr sz="2000" kern="1200">
+        <a:defRPr lang="en-US" sz="1800" kern="1200" dirty="0">
           <a:solidFill>
-            <a:schemeClr val="tx1"/>
+            <a:schemeClr val="tx1">
+              <a:lumMod val="75000"/>
+              <a:lumOff val="25000"/>
+            </a:schemeClr>
           </a:solidFill>
           <a:latin typeface="+mn-lt"/>
           <a:ea typeface="+mn-ea"/>
@@ -2987,9 +7405,9 @@
     </p:bodyStyle>
     <p:otherStyle>
       <a:defPPr>
-        <a:defRPr lang="en-US"/>
+        <a:defRPr/>
       </a:defPPr>
-      <a:lvl1pPr marL="0" algn="l" defTabSz="457200" rtl="0" eaLnBrk="1" latinLnBrk="0" hangingPunct="1">
+      <a:lvl1pPr marL="0" algn="l" defTabSz="914400" rtl="0" eaLnBrk="1" latinLnBrk="0" hangingPunct="1">
         <a:defRPr sz="1800" kern="1200">
           <a:solidFill>
             <a:schemeClr val="tx1"/>
@@ -2999,7 +7417,7 @@
           <a:cs typeface="+mn-cs"/>
         </a:defRPr>
       </a:lvl1pPr>
-      <a:lvl2pPr marL="457200" algn="l" defTabSz="457200" rtl="0" eaLnBrk="1" latinLnBrk="0" hangingPunct="1">
+      <a:lvl2pPr marL="457200" algn="l" defTabSz="914400" rtl="0" eaLnBrk="1" latinLnBrk="0" hangingPunct="1">
         <a:defRPr sz="1800" kern="1200">
           <a:solidFill>
             <a:schemeClr val="tx1"/>
@@ -3009,7 +7427,7 @@
           <a:cs typeface="+mn-cs"/>
         </a:defRPr>
       </a:lvl2pPr>
-      <a:lvl3pPr marL="914400" algn="l" defTabSz="457200" rtl="0" eaLnBrk="1" latinLnBrk="0" hangingPunct="1">
+      <a:lvl3pPr marL="914400" algn="l" defTabSz="914400" rtl="0" eaLnBrk="1" latinLnBrk="0" hangingPunct="1">
         <a:defRPr sz="1800" kern="1200">
           <a:solidFill>
             <a:schemeClr val="tx1"/>
@@ -3019,7 +7437,7 @@
           <a:cs typeface="+mn-cs"/>
         </a:defRPr>
       </a:lvl3pPr>
-      <a:lvl4pPr marL="1371600" algn="l" defTabSz="457200" rtl="0" eaLnBrk="1" latinLnBrk="0" hangingPunct="1">
+      <a:lvl4pPr marL="1371600" algn="l" defTabSz="914400" rtl="0" eaLnBrk="1" latinLnBrk="0" hangingPunct="1">
         <a:defRPr sz="1800" kern="1200">
           <a:solidFill>
             <a:schemeClr val="tx1"/>
@@ -3029,7 +7447,7 @@
           <a:cs typeface="+mn-cs"/>
         </a:defRPr>
       </a:lvl4pPr>
-      <a:lvl5pPr marL="1828800" algn="l" defTabSz="457200" rtl="0" eaLnBrk="1" latinLnBrk="0" hangingPunct="1">
+      <a:lvl5pPr marL="1828800" algn="l" defTabSz="914400" rtl="0" eaLnBrk="1" latinLnBrk="0" hangingPunct="1">
         <a:defRPr sz="1800" kern="1200">
           <a:solidFill>
             <a:schemeClr val="tx1"/>
@@ -3039,7 +7457,7 @@
           <a:cs typeface="+mn-cs"/>
         </a:defRPr>
       </a:lvl5pPr>
-      <a:lvl6pPr marL="2286000" algn="l" defTabSz="457200" rtl="0" eaLnBrk="1" latinLnBrk="0" hangingPunct="1">
+      <a:lvl6pPr marL="2286000" algn="l" defTabSz="914400" rtl="0" eaLnBrk="1" latinLnBrk="0" hangingPunct="1">
         <a:defRPr sz="1800" kern="1200">
           <a:solidFill>
             <a:schemeClr val="tx1"/>
@@ -3049,7 +7467,7 @@
           <a:cs typeface="+mn-cs"/>
         </a:defRPr>
       </a:lvl6pPr>
-      <a:lvl7pPr marL="2743200" algn="l" defTabSz="457200" rtl="0" eaLnBrk="1" latinLnBrk="0" hangingPunct="1">
+      <a:lvl7pPr marL="2743200" algn="l" defTabSz="914400" rtl="0" eaLnBrk="1" latinLnBrk="0" hangingPunct="1">
         <a:defRPr sz="1800" kern="1200">
           <a:solidFill>
             <a:schemeClr val="tx1"/>
@@ -3059,7 +7477,7 @@
           <a:cs typeface="+mn-cs"/>
         </a:defRPr>
       </a:lvl7pPr>
-      <a:lvl8pPr marL="3200400" algn="l" defTabSz="457200" rtl="0" eaLnBrk="1" latinLnBrk="0" hangingPunct="1">
+      <a:lvl8pPr marL="3200400" algn="l" defTabSz="914400" rtl="0" eaLnBrk="1" latinLnBrk="0" hangingPunct="1">
         <a:defRPr sz="1800" kern="1200">
           <a:solidFill>
             <a:schemeClr val="tx1"/>
@@ -3069,7 +7487,7 @@
           <a:cs typeface="+mn-cs"/>
         </a:defRPr>
       </a:lvl8pPr>
-      <a:lvl9pPr marL="3657600" algn="l" defTabSz="457200" rtl="0" eaLnBrk="1" latinLnBrk="0" hangingPunct="1">
+      <a:lvl9pPr marL="3657600" algn="l" defTabSz="914400" rtl="0" eaLnBrk="1" latinLnBrk="0" hangingPunct="1">
         <a:defRPr sz="1800" kern="1200">
           <a:solidFill>
             <a:schemeClr val="tx1"/>
@@ -3136,7 +7554,9 @@
         </p:nvSpPr>
         <p:spPr/>
         <p:txBody>
-          <a:bodyPr/>
+          <a:bodyPr>
+            <a:normAutofit/>
+          </a:bodyPr>
           <a:lstStyle/>
           <a:p>
             <a:r>
@@ -3199,6 +7619,365 @@
 </p:sld>
 </file>
 
+<file path=ppt/slides/slide10.xml><?xml version="1.0" encoding="utf-8"?>
+<p:sld xmlns:a="http://schemas.openxmlformats.org/drawingml/2006/main" xmlns:r="http://schemas.openxmlformats.org/officeDocument/2006/relationships" xmlns:p="http://schemas.openxmlformats.org/presentationml/2006/main">
+  <p:cSld>
+    <p:spTree>
+      <p:nvGrpSpPr>
+        <p:cNvPr id="1" name=""/>
+        <p:cNvGrpSpPr/>
+        <p:nvPr/>
+      </p:nvGrpSpPr>
+      <p:grpSpPr>
+        <a:xfrm>
+          <a:off x="0" y="0"/>
+          <a:ext cx="0" cy="0"/>
+          <a:chOff x="0" y="0"/>
+          <a:chExt cx="0" cy="0"/>
+        </a:xfrm>
+      </p:grpSpPr>
+      <p:sp>
+        <p:nvSpPr>
+          <p:cNvPr id="2" name="Title 1"/>
+          <p:cNvSpPr>
+            <a:spLocks noGrp="1"/>
+          </p:cNvSpPr>
+          <p:nvPr>
+            <p:ph type="title"/>
+          </p:nvPr>
+        </p:nvSpPr>
+        <p:spPr/>
+        <p:txBody>
+          <a:bodyPr/>
+          <a:lstStyle/>
+          <a:p>
+            <a:r>
+              <a:rPr lang="en-US" dirty="0" smtClean="0"/>
+              <a:t>Results</a:t>
+            </a:r>
+            <a:endParaRPr lang="en-US" dirty="0"/>
+          </a:p>
+        </p:txBody>
+      </p:sp>
+      <p:sp>
+        <p:nvSpPr>
+          <p:cNvPr id="3" name="Content Placeholder 2"/>
+          <p:cNvSpPr>
+            <a:spLocks noGrp="1"/>
+          </p:cNvSpPr>
+          <p:nvPr>
+            <p:ph idx="1"/>
+          </p:nvPr>
+        </p:nvSpPr>
+        <p:spPr/>
+        <p:txBody>
+          <a:bodyPr>
+            <a:normAutofit lnSpcReduction="10000"/>
+          </a:bodyPr>
+          <a:lstStyle/>
+          <a:p>
+            <a:r>
+              <a:rPr lang="en-US" dirty="0"/>
+              <a:t>Grid </a:t>
+            </a:r>
+            <a:r>
+              <a:rPr lang="en-US" dirty="0" smtClean="0"/>
+              <a:t>2</a:t>
+            </a:r>
+          </a:p>
+          <a:p>
+            <a:pPr lvl="1"/>
+            <a:r>
+              <a:rPr lang="en-US" dirty="0" smtClean="0"/>
+              <a:t>Net list 1 (lines = 50)</a:t>
+            </a:r>
+            <a:endParaRPr lang="en-US" dirty="0"/>
+          </a:p>
+          <a:p>
+            <a:pPr lvl="2"/>
+            <a:r>
+              <a:rPr lang="en-US" dirty="0"/>
+              <a:t>A</a:t>
+            </a:r>
+            <a:r>
+              <a:rPr lang="en-US" dirty="0" smtClean="0"/>
+              <a:t>* - 8 layers, 1236 wires</a:t>
+            </a:r>
+            <a:endParaRPr lang="en-US" dirty="0"/>
+          </a:p>
+          <a:p>
+            <a:pPr lvl="2"/>
+            <a:r>
+              <a:rPr lang="en-US" dirty="0" smtClean="0"/>
+              <a:t>Other - </a:t>
+            </a:r>
+            <a:endParaRPr lang="en-US" dirty="0"/>
+          </a:p>
+          <a:p>
+            <a:pPr lvl="1"/>
+            <a:r>
+              <a:rPr lang="en-US" dirty="0" smtClean="0"/>
+              <a:t>Net list 2 (lines = 60)</a:t>
+            </a:r>
+            <a:endParaRPr lang="en-US" dirty="0"/>
+          </a:p>
+          <a:p>
+            <a:pPr lvl="2"/>
+            <a:r>
+              <a:rPr lang="en-US" dirty="0"/>
+              <a:t>A</a:t>
+            </a:r>
+            <a:r>
+              <a:rPr lang="en-US" dirty="0" smtClean="0"/>
+              <a:t>* - 8 layers, 1350 wires</a:t>
+            </a:r>
+            <a:endParaRPr lang="en-US" dirty="0"/>
+          </a:p>
+          <a:p>
+            <a:pPr lvl="2"/>
+            <a:r>
+              <a:rPr lang="en-US" dirty="0" smtClean="0"/>
+              <a:t>Other - </a:t>
+            </a:r>
+            <a:endParaRPr lang="en-US" dirty="0"/>
+          </a:p>
+          <a:p>
+            <a:pPr lvl="1"/>
+            <a:r>
+              <a:rPr lang="en-US" dirty="0" smtClean="0"/>
+              <a:t>Net list 3 (lines = 70)</a:t>
+            </a:r>
+            <a:endParaRPr lang="en-US" dirty="0"/>
+          </a:p>
+          <a:p>
+            <a:pPr lvl="2"/>
+            <a:r>
+              <a:rPr lang="en-US" dirty="0"/>
+              <a:t>A</a:t>
+            </a:r>
+            <a:r>
+              <a:rPr lang="en-US" dirty="0" smtClean="0"/>
+              <a:t>* - 8 layers, </a:t>
+            </a:r>
+            <a:endParaRPr lang="en-US" dirty="0"/>
+          </a:p>
+          <a:p>
+            <a:pPr lvl="2"/>
+            <a:r>
+              <a:rPr lang="en-US" dirty="0" smtClean="0"/>
+              <a:t>Other - </a:t>
+            </a:r>
+            <a:endParaRPr lang="en-US" dirty="0"/>
+          </a:p>
+          <a:p>
+            <a:endParaRPr lang="en-US" dirty="0"/>
+          </a:p>
+          <a:p>
+            <a:endParaRPr lang="en-US" dirty="0"/>
+          </a:p>
+        </p:txBody>
+      </p:sp>
+    </p:spTree>
+    <p:extLst>
+      <p:ext uri="{BB962C8B-B14F-4D97-AF65-F5344CB8AC3E}">
+        <p14:creationId xmlns:p14="http://schemas.microsoft.com/office/powerpoint/2010/main" val="3823920264"/>
+      </p:ext>
+    </p:extLst>
+  </p:cSld>
+  <p:clrMapOvr>
+    <a:masterClrMapping/>
+  </p:clrMapOvr>
+</p:sld>
+</file>
+
+<file path=ppt/slides/slide11.xml><?xml version="1.0" encoding="utf-8"?>
+<p:sld xmlns:a="http://schemas.openxmlformats.org/drawingml/2006/main" xmlns:r="http://schemas.openxmlformats.org/officeDocument/2006/relationships" xmlns:p="http://schemas.openxmlformats.org/presentationml/2006/main">
+  <p:cSld>
+    <p:spTree>
+      <p:nvGrpSpPr>
+        <p:cNvPr id="1" name=""/>
+        <p:cNvGrpSpPr/>
+        <p:nvPr/>
+      </p:nvGrpSpPr>
+      <p:grpSpPr>
+        <a:xfrm>
+          <a:off x="0" y="0"/>
+          <a:ext cx="0" cy="0"/>
+          <a:chOff x="0" y="0"/>
+          <a:chExt cx="0" cy="0"/>
+        </a:xfrm>
+      </p:grpSpPr>
+      <p:sp>
+        <p:nvSpPr>
+          <p:cNvPr id="2" name="Title 1"/>
+          <p:cNvSpPr>
+            <a:spLocks noGrp="1"/>
+          </p:cNvSpPr>
+          <p:nvPr>
+            <p:ph type="title"/>
+          </p:nvPr>
+        </p:nvSpPr>
+        <p:spPr/>
+        <p:txBody>
+          <a:bodyPr/>
+          <a:lstStyle/>
+          <a:p>
+            <a:r>
+              <a:rPr lang="en-US" dirty="0" smtClean="0"/>
+              <a:t>Conclusion</a:t>
+            </a:r>
+            <a:endParaRPr lang="en-US" dirty="0"/>
+          </a:p>
+        </p:txBody>
+      </p:sp>
+      <p:sp>
+        <p:nvSpPr>
+          <p:cNvPr id="3" name="Content Placeholder 2"/>
+          <p:cNvSpPr>
+            <a:spLocks noGrp="1"/>
+          </p:cNvSpPr>
+          <p:nvPr>
+            <p:ph idx="1"/>
+          </p:nvPr>
+        </p:nvSpPr>
+        <p:spPr/>
+        <p:txBody>
+          <a:bodyPr/>
+          <a:lstStyle/>
+          <a:p>
+            <a:r>
+              <a:rPr lang="en-US" dirty="0" smtClean="0"/>
+              <a:t>Other finds no solutions</a:t>
+            </a:r>
+          </a:p>
+          <a:p>
+            <a:r>
+              <a:rPr lang="en-US" dirty="0" smtClean="0"/>
+              <a:t>A* find solutions for 5/6 net list</a:t>
+            </a:r>
+          </a:p>
+          <a:p>
+            <a:r>
+              <a:rPr lang="en-US" dirty="0" smtClean="0"/>
+              <a:t>A* better than other</a:t>
+            </a:r>
+          </a:p>
+          <a:p>
+            <a:endParaRPr lang="en-US" dirty="0" smtClean="0"/>
+          </a:p>
+        </p:txBody>
+      </p:sp>
+    </p:spTree>
+    <p:extLst>
+      <p:ext uri="{BB962C8B-B14F-4D97-AF65-F5344CB8AC3E}">
+        <p14:creationId xmlns:p14="http://schemas.microsoft.com/office/powerpoint/2010/main" val="111652012"/>
+      </p:ext>
+    </p:extLst>
+  </p:cSld>
+  <p:clrMapOvr>
+    <a:masterClrMapping/>
+  </p:clrMapOvr>
+</p:sld>
+</file>
+
+<file path=ppt/slides/slide12.xml><?xml version="1.0" encoding="utf-8"?>
+<p:sld xmlns:a="http://schemas.openxmlformats.org/drawingml/2006/main" xmlns:r="http://schemas.openxmlformats.org/officeDocument/2006/relationships" xmlns:p="http://schemas.openxmlformats.org/presentationml/2006/main">
+  <p:cSld>
+    <p:spTree>
+      <p:nvGrpSpPr>
+        <p:cNvPr id="1" name=""/>
+        <p:cNvGrpSpPr/>
+        <p:nvPr/>
+      </p:nvGrpSpPr>
+      <p:grpSpPr>
+        <a:xfrm>
+          <a:off x="0" y="0"/>
+          <a:ext cx="0" cy="0"/>
+          <a:chOff x="0" y="0"/>
+          <a:chExt cx="0" cy="0"/>
+        </a:xfrm>
+      </p:grpSpPr>
+      <p:sp>
+        <p:nvSpPr>
+          <p:cNvPr id="2" name="Title 1"/>
+          <p:cNvSpPr>
+            <a:spLocks noGrp="1"/>
+          </p:cNvSpPr>
+          <p:nvPr>
+            <p:ph type="title"/>
+          </p:nvPr>
+        </p:nvSpPr>
+        <p:spPr/>
+        <p:txBody>
+          <a:bodyPr/>
+          <a:lstStyle/>
+          <a:p>
+            <a:r>
+              <a:rPr lang="en-US" dirty="0" smtClean="0"/>
+              <a:t>Further research</a:t>
+            </a:r>
+            <a:endParaRPr lang="en-US" dirty="0"/>
+          </a:p>
+        </p:txBody>
+      </p:sp>
+      <p:sp>
+        <p:nvSpPr>
+          <p:cNvPr id="3" name="Content Placeholder 2"/>
+          <p:cNvSpPr>
+            <a:spLocks noGrp="1"/>
+          </p:cNvSpPr>
+          <p:nvPr>
+            <p:ph idx="1"/>
+          </p:nvPr>
+        </p:nvSpPr>
+        <p:spPr/>
+        <p:txBody>
+          <a:bodyPr/>
+          <a:lstStyle/>
+          <a:p>
+            <a:r>
+              <a:rPr lang="en-US" dirty="0" smtClean="0"/>
+              <a:t>Finding solution Grid 2 Net list 3</a:t>
+            </a:r>
+          </a:p>
+          <a:p>
+            <a:r>
+              <a:rPr lang="en-US" dirty="0" smtClean="0"/>
+              <a:t>Find the optimal reading of the net lists, now small to big</a:t>
+            </a:r>
+          </a:p>
+          <a:p>
+            <a:r>
+              <a:rPr lang="en-US" dirty="0" smtClean="0"/>
+              <a:t>Hill climber, Simulated Annealing and </a:t>
+            </a:r>
+            <a:r>
+              <a:rPr lang="en-US" dirty="0"/>
+              <a:t>G</a:t>
+            </a:r>
+            <a:r>
+              <a:rPr lang="en-US" dirty="0" smtClean="0"/>
+              <a:t>enetic algorithm</a:t>
+            </a:r>
+          </a:p>
+          <a:p>
+            <a:endParaRPr lang="en-US" dirty="0"/>
+          </a:p>
+        </p:txBody>
+      </p:sp>
+    </p:spTree>
+    <p:extLst>
+      <p:ext uri="{BB962C8B-B14F-4D97-AF65-F5344CB8AC3E}">
+        <p14:creationId xmlns:p14="http://schemas.microsoft.com/office/powerpoint/2010/main" val="712727057"/>
+      </p:ext>
+    </p:extLst>
+  </p:cSld>
+  <p:clrMapOvr>
+    <a:masterClrMapping/>
+  </p:clrMapOvr>
+</p:sld>
+</file>
+
 <file path=ppt/slides/slide2.xml><?xml version="1.0" encoding="utf-8"?>
 <p:sld xmlns:a="http://schemas.openxmlformats.org/drawingml/2006/main" xmlns:r="http://schemas.openxmlformats.org/officeDocument/2006/relationships" xmlns:p="http://schemas.openxmlformats.org/presentationml/2006/main">
   <p:cSld>
@@ -3252,7 +8031,7 @@
         <p:spPr/>
         <p:txBody>
           <a:bodyPr>
-            <a:normAutofit fontScale="92500" lnSpcReduction="20000"/>
+            <a:normAutofit fontScale="92500" lnSpcReduction="10000"/>
           </a:bodyPr>
           <a:lstStyle/>
           <a:p>
@@ -3275,18 +8054,23 @@
           <a:p>
             <a:r>
               <a:rPr lang="en-US" dirty="0" smtClean="0"/>
-              <a:t>Create routes/layers</a:t>
+              <a:t>Create routes/</a:t>
+            </a:r>
+            <a:r>
+              <a:rPr lang="en-US" dirty="0" smtClean="0"/>
+              <a:t>layers</a:t>
             </a:r>
           </a:p>
           <a:p>
             <a:pPr lvl="1"/>
             <a:r>
+              <a:rPr lang="en-US" dirty="0"/>
+              <a:t>M</a:t>
+            </a:r>
+            <a:r>
               <a:rPr lang="en-US" dirty="0" smtClean="0"/>
-              <a:t>Least amount of layers desirable (max 8)</a:t>
-            </a:r>
-          </a:p>
-          <a:p>
-            <a:pPr lvl="1"/>
+              <a:t>aximum 8 layers</a:t>
+            </a:r>
             <a:endParaRPr lang="en-US" dirty="0" smtClean="0"/>
           </a:p>
           <a:p>
@@ -3299,7 +8083,11 @@
             <a:pPr lvl="1"/>
             <a:r>
               <a:rPr lang="en-US" dirty="0"/>
-              <a:t>Shortest route </a:t>
+              <a:t>Shortest </a:t>
+            </a:r>
+            <a:r>
+              <a:rPr lang="en-US" dirty="0" smtClean="0"/>
+              <a:t>total of wires </a:t>
             </a:r>
             <a:r>
               <a:rPr lang="en-US" dirty="0" smtClean="0"/>
@@ -3395,7 +8183,9 @@
         </p:nvSpPr>
         <p:spPr/>
         <p:txBody>
-          <a:bodyPr/>
+          <a:bodyPr>
+            <a:normAutofit lnSpcReduction="10000"/>
+          </a:bodyPr>
           <a:lstStyle/>
           <a:p>
             <a:r>
@@ -3421,8 +8211,9 @@
             <a:pPr lvl="1"/>
             <a:r>
               <a:rPr lang="en-US" dirty="0" smtClean="0"/>
-              <a:t>Connections from A to B (routes)</a:t>
-            </a:r>
+              <a:t>Net list (a -&gt; b, c -&gt; d, b -&gt; c)</a:t>
+            </a:r>
+            <a:endParaRPr lang="en-US" dirty="0" smtClean="0"/>
           </a:p>
           <a:p>
             <a:pPr lvl="1"/>
@@ -3438,8 +8229,20 @@
             <a:pPr lvl="1"/>
             <a:r>
               <a:rPr lang="en-US" dirty="0" smtClean="0"/>
-              <a:t>Layers with routes</a:t>
-            </a:r>
+              <a:t>Layers with </a:t>
+            </a:r>
+            <a:r>
+              <a:rPr lang="en-US" dirty="0" smtClean="0"/>
+              <a:t>routes</a:t>
+            </a:r>
+          </a:p>
+          <a:p>
+            <a:pPr lvl="1"/>
+            <a:r>
+              <a:rPr lang="en-US" dirty="0" smtClean="0"/>
+              <a:t>Amount of wires</a:t>
+            </a:r>
+            <a:endParaRPr lang="en-US" dirty="0" smtClean="0"/>
           </a:p>
           <a:p>
             <a:pPr lvl="1"/>
@@ -3651,8 +8454,8 @@
         </p:blipFill>
         <p:spPr>
           <a:xfrm>
-            <a:off x="1007534" y="1255888"/>
-            <a:ext cx="6965244" cy="4971902"/>
+            <a:off x="1509219" y="2039883"/>
+            <a:ext cx="6104542" cy="4357519"/>
           </a:xfrm>
         </p:spPr>
       </p:pic>
@@ -3710,7 +8513,7 @@
           <a:p>
             <a:r>
               <a:rPr lang="en-US" dirty="0" smtClean="0"/>
-              <a:t>Routes</a:t>
+              <a:t>Algorithms</a:t>
             </a:r>
             <a:endParaRPr lang="en-US" dirty="0"/>
           </a:p>
@@ -3718,7 +8521,7 @@
       </p:sp>
       <p:sp>
         <p:nvSpPr>
-          <p:cNvPr id="3" name="Content Placeholder 2"/>
+          <p:cNvPr id="5" name="Content Placeholder 4"/>
           <p:cNvSpPr>
             <a:spLocks noGrp="1"/>
           </p:cNvSpPr>
@@ -3728,72 +8531,32 @@
         </p:nvSpPr>
         <p:spPr/>
         <p:txBody>
-          <a:bodyPr/>
+          <a:bodyPr>
+            <a:normAutofit/>
+          </a:bodyPr>
           <a:lstStyle/>
           <a:p>
             <a:r>
               <a:rPr lang="en-US" dirty="0" smtClean="0"/>
-              <a:t>Class Routes</a:t>
-            </a:r>
-          </a:p>
-          <a:p>
-            <a:pPr lvl="1"/>
+              <a:t>Other</a:t>
+            </a:r>
+          </a:p>
+          <a:p>
+            <a:endParaRPr lang="en-US" dirty="0"/>
+          </a:p>
+          <a:p>
             <a:r>
               <a:rPr lang="en-US" dirty="0" smtClean="0"/>
-              <a:t>Start and finish coordinate</a:t>
-            </a:r>
-          </a:p>
-          <a:p>
-            <a:pPr lvl="1"/>
-            <a:r>
-              <a:rPr lang="en-US" dirty="0" smtClean="0"/>
-              <a:t>Go left, right, up or down</a:t>
-            </a:r>
-          </a:p>
-          <a:p>
-            <a:pPr lvl="1"/>
-            <a:endParaRPr lang="en-US" dirty="0"/>
-          </a:p>
-          <a:p>
-            <a:pPr lvl="1"/>
-            <a:r>
-              <a:rPr lang="en-US" dirty="0" smtClean="0"/>
-              <a:t>If step collides with gate try another </a:t>
-            </a:r>
-            <a:r>
-              <a:rPr lang="en-US" dirty="0" smtClean="0"/>
-              <a:t>step</a:t>
-            </a:r>
-          </a:p>
-          <a:p>
-            <a:pPr lvl="1"/>
-            <a:endParaRPr lang="en-US" dirty="0"/>
-          </a:p>
-          <a:p>
-            <a:pPr lvl="1"/>
-            <a:r>
-              <a:rPr lang="en-US" dirty="0" smtClean="0"/>
-              <a:t>Layers</a:t>
-            </a:r>
-          </a:p>
-          <a:p>
-            <a:pPr lvl="2"/>
-            <a:r>
-              <a:rPr lang="en-US" dirty="0" smtClean="0"/>
-              <a:t>Go down when lines cross</a:t>
+              <a:t>A*</a:t>
             </a:r>
             <a:endParaRPr lang="en-US" dirty="0" smtClean="0"/>
-          </a:p>
-          <a:p>
-            <a:pPr lvl="1"/>
-            <a:endParaRPr lang="en-US" dirty="0"/>
           </a:p>
         </p:txBody>
       </p:sp>
     </p:spTree>
     <p:extLst>
       <p:ext uri="{BB962C8B-B14F-4D97-AF65-F5344CB8AC3E}">
-        <p14:creationId xmlns:p14="http://schemas.microsoft.com/office/powerpoint/2010/main" val="2640160733"/>
+        <p14:creationId xmlns:p14="http://schemas.microsoft.com/office/powerpoint/2010/main" val="2594291099"/>
       </p:ext>
     </p:extLst>
   </p:cSld>
@@ -3844,7 +8607,7 @@
           <a:p>
             <a:r>
               <a:rPr lang="en-US" dirty="0" smtClean="0"/>
-              <a:t>Algorithms?</a:t>
+              <a:t>Routes</a:t>
             </a:r>
             <a:endParaRPr lang="en-US" dirty="0"/>
           </a:p>
@@ -3852,7 +8615,7 @@
       </p:sp>
       <p:sp>
         <p:nvSpPr>
-          <p:cNvPr id="5" name="Content Placeholder 4"/>
+          <p:cNvPr id="3" name="Content Placeholder 2"/>
           <p:cNvSpPr>
             <a:spLocks noGrp="1"/>
           </p:cNvSpPr>
@@ -3863,77 +8626,68 @@
         <p:spPr/>
         <p:txBody>
           <a:bodyPr>
-            <a:normAutofit fontScale="92500" lnSpcReduction="10000"/>
+            <a:normAutofit/>
           </a:bodyPr>
           <a:lstStyle/>
           <a:p>
             <a:r>
               <a:rPr lang="en-US" dirty="0" smtClean="0"/>
-              <a:t>If route crosses another move it down a layer</a:t>
+              <a:t>Class Routes</a:t>
             </a:r>
           </a:p>
           <a:p>
             <a:pPr lvl="1"/>
             <a:r>
               <a:rPr lang="en-US" dirty="0" smtClean="0"/>
-              <a:t>best </a:t>
-            </a:r>
+              <a:t>Start and finish coordinate</a:t>
+            </a:r>
+          </a:p>
+          <a:p>
+            <a:pPr lvl="1"/>
             <a:r>
               <a:rPr lang="en-US" dirty="0" smtClean="0"/>
-              <a:t>about 13 </a:t>
-            </a:r>
-            <a:r>
-              <a:rPr lang="en-US" dirty="0" smtClean="0"/>
-              <a:t>layers</a:t>
-            </a:r>
-            <a:endParaRPr lang="en-US" dirty="0" smtClean="0"/>
+              <a:t>Go left, right, up or down</a:t>
+            </a:r>
           </a:p>
           <a:p>
             <a:pPr lvl="1"/>
             <a:endParaRPr lang="en-US" dirty="0"/>
           </a:p>
           <a:p>
+            <a:pPr lvl="1"/>
             <a:r>
               <a:rPr lang="en-US" dirty="0" smtClean="0"/>
-              <a:t>Move down at the </a:t>
-            </a:r>
+              <a:t>If step collides with gate try another step</a:t>
+            </a:r>
+          </a:p>
+          <a:p>
+            <a:pPr lvl="1"/>
+            <a:endParaRPr lang="en-US" dirty="0"/>
+          </a:p>
+          <a:p>
+            <a:pPr lvl="1"/>
             <a:r>
               <a:rPr lang="en-US" dirty="0" smtClean="0"/>
-              <a:t>cross</a:t>
+              <a:t>Layers</a:t>
+            </a:r>
+          </a:p>
+          <a:p>
+            <a:pPr lvl="2"/>
+            <a:r>
+              <a:rPr lang="en-US" dirty="0" smtClean="0"/>
+              <a:t>Go down when lines cross</a:t>
             </a:r>
           </a:p>
           <a:p>
             <a:pPr lvl="1"/>
-            <a:r>
-              <a:rPr lang="en-US" dirty="0" smtClean="0"/>
-              <a:t>best 10 layers with some crosses (??)</a:t>
-            </a:r>
-            <a:endParaRPr lang="en-US" dirty="0" smtClean="0"/>
-          </a:p>
-          <a:p>
-            <a:endParaRPr lang="en-US" dirty="0" smtClean="0"/>
-          </a:p>
-          <a:p>
-            <a:r>
-              <a:rPr lang="en-US" dirty="0" smtClean="0"/>
-              <a:t>Move the lines down in quadrants</a:t>
-            </a:r>
-          </a:p>
-          <a:p>
             <a:endParaRPr lang="en-US" dirty="0"/>
-          </a:p>
-          <a:p>
-            <a:r>
-              <a:rPr lang="en-US" dirty="0" smtClean="0"/>
-              <a:t>More ideas?</a:t>
-            </a:r>
           </a:p>
         </p:txBody>
       </p:sp>
     </p:spTree>
     <p:extLst>
       <p:ext uri="{BB962C8B-B14F-4D97-AF65-F5344CB8AC3E}">
-        <p14:creationId xmlns:p14="http://schemas.microsoft.com/office/powerpoint/2010/main" val="2594291099"/>
+        <p14:creationId xmlns:p14="http://schemas.microsoft.com/office/powerpoint/2010/main" val="2640160733"/>
       </p:ext>
     </p:extLst>
   </p:cSld>
@@ -3950,169 +8704,336 @@
 </p:sld>
 </file>
 
+<file path=ppt/slides/slide8.xml><?xml version="1.0" encoding="utf-8"?>
+<p:sld xmlns:a="http://schemas.openxmlformats.org/drawingml/2006/main" xmlns:r="http://schemas.openxmlformats.org/officeDocument/2006/relationships" xmlns:p="http://schemas.openxmlformats.org/presentationml/2006/main">
+  <p:cSld>
+    <p:spTree>
+      <p:nvGrpSpPr>
+        <p:cNvPr id="1" name=""/>
+        <p:cNvGrpSpPr/>
+        <p:nvPr/>
+      </p:nvGrpSpPr>
+      <p:grpSpPr>
+        <a:xfrm>
+          <a:off x="0" y="0"/>
+          <a:ext cx="0" cy="0"/>
+          <a:chOff x="0" y="0"/>
+          <a:chExt cx="0" cy="0"/>
+        </a:xfrm>
+      </p:grpSpPr>
+      <p:sp>
+        <p:nvSpPr>
+          <p:cNvPr id="2" name="Title 1"/>
+          <p:cNvSpPr>
+            <a:spLocks noGrp="1"/>
+          </p:cNvSpPr>
+          <p:nvPr>
+            <p:ph type="title"/>
+          </p:nvPr>
+        </p:nvSpPr>
+        <p:spPr/>
+        <p:txBody>
+          <a:bodyPr/>
+          <a:lstStyle/>
+          <a:p>
+            <a:r>
+              <a:rPr lang="en-US" dirty="0" smtClean="0"/>
+              <a:t>A*</a:t>
+            </a:r>
+            <a:endParaRPr lang="en-US" dirty="0"/>
+          </a:p>
+        </p:txBody>
+      </p:sp>
+      <p:sp>
+        <p:nvSpPr>
+          <p:cNvPr id="3" name="Content Placeholder 2"/>
+          <p:cNvSpPr>
+            <a:spLocks noGrp="1"/>
+          </p:cNvSpPr>
+          <p:nvPr>
+            <p:ph idx="1"/>
+          </p:nvPr>
+        </p:nvSpPr>
+        <p:spPr/>
+        <p:txBody>
+          <a:bodyPr/>
+          <a:lstStyle/>
+          <a:p>
+            <a:r>
+              <a:rPr lang="en-US" dirty="0" smtClean="0"/>
+              <a:t>Searching optimal route</a:t>
+            </a:r>
+          </a:p>
+          <a:p>
+            <a:r>
+              <a:rPr lang="en-US" dirty="0" smtClean="0"/>
+              <a:t>Neighbors</a:t>
+            </a:r>
+          </a:p>
+          <a:p>
+            <a:r>
+              <a:rPr lang="en-US" dirty="0" smtClean="0"/>
+              <a:t>Score</a:t>
+            </a:r>
+          </a:p>
+          <a:p>
+            <a:r>
+              <a:rPr lang="en-US" dirty="0" smtClean="0"/>
+              <a:t>If no options are available cross a line</a:t>
+            </a:r>
+          </a:p>
+        </p:txBody>
+      </p:sp>
+    </p:spTree>
+    <p:extLst>
+      <p:ext uri="{BB962C8B-B14F-4D97-AF65-F5344CB8AC3E}">
+        <p14:creationId xmlns:p14="http://schemas.microsoft.com/office/powerpoint/2010/main" val="3072253330"/>
+      </p:ext>
+    </p:extLst>
+  </p:cSld>
+  <p:clrMapOvr>
+    <a:masterClrMapping/>
+  </p:clrMapOvr>
+</p:sld>
+</file>
+
+<file path=ppt/slides/slide9.xml><?xml version="1.0" encoding="utf-8"?>
+<p:sld xmlns:a="http://schemas.openxmlformats.org/drawingml/2006/main" xmlns:r="http://schemas.openxmlformats.org/officeDocument/2006/relationships" xmlns:p="http://schemas.openxmlformats.org/presentationml/2006/main">
+  <p:cSld>
+    <p:spTree>
+      <p:nvGrpSpPr>
+        <p:cNvPr id="1" name=""/>
+        <p:cNvGrpSpPr/>
+        <p:nvPr/>
+      </p:nvGrpSpPr>
+      <p:grpSpPr>
+        <a:xfrm>
+          <a:off x="0" y="0"/>
+          <a:ext cx="0" cy="0"/>
+          <a:chOff x="0" y="0"/>
+          <a:chExt cx="0" cy="0"/>
+        </a:xfrm>
+      </p:grpSpPr>
+      <p:sp>
+        <p:nvSpPr>
+          <p:cNvPr id="2" name="Title 1"/>
+          <p:cNvSpPr>
+            <a:spLocks noGrp="1"/>
+          </p:cNvSpPr>
+          <p:nvPr>
+            <p:ph type="title"/>
+          </p:nvPr>
+        </p:nvSpPr>
+        <p:spPr/>
+        <p:txBody>
+          <a:bodyPr/>
+          <a:lstStyle/>
+          <a:p>
+            <a:r>
+              <a:rPr lang="en-US" dirty="0"/>
+              <a:t>R</a:t>
+            </a:r>
+            <a:r>
+              <a:rPr lang="en-US" dirty="0" smtClean="0"/>
+              <a:t>esults</a:t>
+            </a:r>
+            <a:endParaRPr lang="en-US" dirty="0"/>
+          </a:p>
+        </p:txBody>
+      </p:sp>
+      <p:sp>
+        <p:nvSpPr>
+          <p:cNvPr id="3" name="Content Placeholder 2"/>
+          <p:cNvSpPr>
+            <a:spLocks noGrp="1"/>
+          </p:cNvSpPr>
+          <p:nvPr>
+            <p:ph idx="1"/>
+          </p:nvPr>
+        </p:nvSpPr>
+        <p:spPr/>
+        <p:txBody>
+          <a:bodyPr>
+            <a:normAutofit lnSpcReduction="10000"/>
+          </a:bodyPr>
+          <a:lstStyle/>
+          <a:p>
+            <a:r>
+              <a:rPr lang="en-US" dirty="0" smtClean="0"/>
+              <a:t>Grid 1</a:t>
+            </a:r>
+          </a:p>
+          <a:p>
+            <a:pPr lvl="1"/>
+            <a:r>
+              <a:rPr lang="en-US" dirty="0" smtClean="0"/>
+              <a:t>Net list 1 (lines = 30)</a:t>
+            </a:r>
+          </a:p>
+          <a:p>
+            <a:pPr lvl="2"/>
+            <a:r>
+              <a:rPr lang="en-US" dirty="0" smtClean="0"/>
+              <a:t>A* - 7 layers, 557 wires</a:t>
+            </a:r>
+          </a:p>
+          <a:p>
+            <a:pPr lvl="2"/>
+            <a:r>
+              <a:rPr lang="en-US" dirty="0" smtClean="0"/>
+              <a:t>Other - </a:t>
+            </a:r>
+          </a:p>
+          <a:p>
+            <a:pPr lvl="1"/>
+            <a:r>
+              <a:rPr lang="en-US" dirty="0" smtClean="0"/>
+              <a:t>Net list 2 (lines = 40)</a:t>
+            </a:r>
+          </a:p>
+          <a:p>
+            <a:pPr lvl="2"/>
+            <a:r>
+              <a:rPr lang="en-US" dirty="0" smtClean="0"/>
+              <a:t>A* - 7 layers, 657 wires</a:t>
+            </a:r>
+          </a:p>
+          <a:p>
+            <a:pPr lvl="2"/>
+            <a:r>
+              <a:rPr lang="en-US" dirty="0" smtClean="0"/>
+              <a:t>Other –</a:t>
+            </a:r>
+          </a:p>
+          <a:p>
+            <a:pPr lvl="1"/>
+            <a:r>
+              <a:rPr lang="en-US" dirty="0" smtClean="0"/>
+              <a:t>Net list 3 (lines = 50)</a:t>
+            </a:r>
+          </a:p>
+          <a:p>
+            <a:pPr lvl="2"/>
+            <a:r>
+              <a:rPr lang="en-US" dirty="0" smtClean="0"/>
+              <a:t>A* - 8 layers, 1019 wires</a:t>
+            </a:r>
+          </a:p>
+          <a:p>
+            <a:pPr lvl="2"/>
+            <a:r>
+              <a:rPr lang="en-US" dirty="0" smtClean="0"/>
+              <a:t>Other -</a:t>
+            </a:r>
+          </a:p>
+        </p:txBody>
+      </p:sp>
+    </p:spTree>
+    <p:extLst>
+      <p:ext uri="{BB962C8B-B14F-4D97-AF65-F5344CB8AC3E}">
+        <p14:creationId xmlns:p14="http://schemas.microsoft.com/office/powerpoint/2010/main" val="3597744673"/>
+      </p:ext>
+    </p:extLst>
+  </p:cSld>
+  <p:clrMapOvr>
+    <a:masterClrMapping/>
+  </p:clrMapOvr>
+</p:sld>
+</file>
+
 <file path=ppt/theme/theme1.xml><?xml version="1.0" encoding="utf-8"?>
-<a:theme xmlns:a="http://schemas.openxmlformats.org/drawingml/2006/main" name="Office Theme">
+<a:theme xmlns:a="http://schemas.openxmlformats.org/drawingml/2006/main" name="Capital">
   <a:themeElements>
-    <a:clrScheme name="Office">
+    <a:clrScheme name="Capital">
       <a:dk1>
-        <a:sysClr val="windowText" lastClr="000000"/>
+        <a:srgbClr val="000000"/>
       </a:dk1>
       <a:lt1>
-        <a:sysClr val="window" lastClr="FFFFFF"/>
+        <a:srgbClr val="FFFFFF"/>
       </a:lt1>
       <a:dk2>
-        <a:srgbClr val="1F497D"/>
+        <a:srgbClr val="6F6D5D"/>
       </a:dk2>
       <a:lt2>
-        <a:srgbClr val="EEECE1"/>
+        <a:srgbClr val="7C8F97"/>
       </a:lt2>
       <a:accent1>
-        <a:srgbClr val="4F81BD"/>
+        <a:srgbClr val="4B5A60"/>
       </a:accent1>
       <a:accent2>
-        <a:srgbClr val="C0504D"/>
+        <a:srgbClr val="9C5238"/>
       </a:accent2>
       <a:accent3>
-        <a:srgbClr val="9BBB59"/>
+        <a:srgbClr val="504539"/>
       </a:accent3>
       <a:accent4>
-        <a:srgbClr val="8064A2"/>
+        <a:srgbClr val="C1AD79"/>
       </a:accent4>
       <a:accent5>
-        <a:srgbClr val="4BACC6"/>
+        <a:srgbClr val="667559"/>
       </a:accent5>
       <a:accent6>
-        <a:srgbClr val="F79646"/>
+        <a:srgbClr val="BAD6AD"/>
       </a:accent6>
       <a:hlink>
-        <a:srgbClr val="0000FF"/>
+        <a:srgbClr val="524A82"/>
       </a:hlink>
       <a:folHlink>
-        <a:srgbClr val="800080"/>
+        <a:srgbClr val="8F9954"/>
       </a:folHlink>
     </a:clrScheme>
-    <a:fontScheme name="Office">
+    <a:fontScheme name="Capital">
       <a:majorFont>
-        <a:latin typeface="Calibri"/>
+        <a:latin typeface="Calisto MT"/>
         <a:ea typeface=""/>
         <a:cs typeface=""/>
-        <a:font script="Jpan" typeface="ＭＳ Ｐゴシック"/>
-        <a:font script="Hang" typeface="맑은 고딕"/>
-        <a:font script="Hans" typeface="宋体"/>
-        <a:font script="Hant" typeface="新細明體"/>
-        <a:font script="Arab" typeface="Times New Roman"/>
-        <a:font script="Hebr" typeface="Times New Roman"/>
-        <a:font script="Thai" typeface="Angsana New"/>
-        <a:font script="Ethi" typeface="Nyala"/>
-        <a:font script="Beng" typeface="Vrinda"/>
-        <a:font script="Gujr" typeface="Shruti"/>
-        <a:font script="Khmr" typeface="MoolBoran"/>
-        <a:font script="Knda" typeface="Tunga"/>
-        <a:font script="Guru" typeface="Raavi"/>
-        <a:font script="Cans" typeface="Euphemia"/>
-        <a:font script="Cher" typeface="Plantagenet Cherokee"/>
-        <a:font script="Yiii" typeface="Microsoft Yi Baiti"/>
-        <a:font script="Tibt" typeface="Microsoft Himalaya"/>
-        <a:font script="Thaa" typeface="MV Boli"/>
-        <a:font script="Deva" typeface="Mangal"/>
-        <a:font script="Telu" typeface="Gautami"/>
-        <a:font script="Taml" typeface="Latha"/>
-        <a:font script="Syrc" typeface="Estrangelo Edessa"/>
-        <a:font script="Orya" typeface="Kalinga"/>
-        <a:font script="Mlym" typeface="Kartika"/>
-        <a:font script="Laoo" typeface="DokChampa"/>
-        <a:font script="Sinh" typeface="Iskoola Pota"/>
-        <a:font script="Mong" typeface="Mongolian Baiti"/>
-        <a:font script="Viet" typeface="Times New Roman"/>
-        <a:font script="Uigh" typeface="Microsoft Uighur"/>
-        <a:font script="Geor" typeface="Sylfaen"/>
+        <a:font script="Jpan" typeface="ＭＳ 明朝"/>
       </a:majorFont>
       <a:minorFont>
-        <a:latin typeface="Calibri"/>
+        <a:latin typeface="Calisto MT"/>
         <a:ea typeface=""/>
         <a:cs typeface=""/>
-        <a:font script="Jpan" typeface="ＭＳ Ｐゴシック"/>
-        <a:font script="Hang" typeface="맑은 고딕"/>
-        <a:font script="Hans" typeface="宋体"/>
-        <a:font script="Hant" typeface="新細明體"/>
-        <a:font script="Arab" typeface="Arial"/>
-        <a:font script="Hebr" typeface="Arial"/>
-        <a:font script="Thai" typeface="Cordia New"/>
-        <a:font script="Ethi" typeface="Nyala"/>
-        <a:font script="Beng" typeface="Vrinda"/>
-        <a:font script="Gujr" typeface="Shruti"/>
-        <a:font script="Khmr" typeface="DaunPenh"/>
-        <a:font script="Knda" typeface="Tunga"/>
-        <a:font script="Guru" typeface="Raavi"/>
-        <a:font script="Cans" typeface="Euphemia"/>
-        <a:font script="Cher" typeface="Plantagenet Cherokee"/>
-        <a:font script="Yiii" typeface="Microsoft Yi Baiti"/>
-        <a:font script="Tibt" typeface="Microsoft Himalaya"/>
-        <a:font script="Thaa" typeface="MV Boli"/>
-        <a:font script="Deva" typeface="Mangal"/>
-        <a:font script="Telu" typeface="Gautami"/>
-        <a:font script="Taml" typeface="Latha"/>
-        <a:font script="Syrc" typeface="Estrangelo Edessa"/>
-        <a:font script="Orya" typeface="Kalinga"/>
-        <a:font script="Mlym" typeface="Kartika"/>
-        <a:font script="Laoo" typeface="DokChampa"/>
-        <a:font script="Sinh" typeface="Iskoola Pota"/>
-        <a:font script="Mong" typeface="Mongolian Baiti"/>
-        <a:font script="Viet" typeface="Arial"/>
-        <a:font script="Uigh" typeface="Microsoft Uighur"/>
-        <a:font script="Geor" typeface="Sylfaen"/>
+        <a:font script="Jpan" typeface="ＭＳ 明朝"/>
       </a:minorFont>
     </a:fontScheme>
-    <a:fmtScheme name="Office">
+    <a:fmtScheme name="Capital">
       <a:fillStyleLst>
         <a:solidFill>
           <a:schemeClr val="phClr"/>
         </a:solidFill>
-        <a:gradFill rotWithShape="1">
-          <a:gsLst>
-            <a:gs pos="0">
+        <a:blipFill rotWithShape="1">
+          <a:blip xmlns:r="http://schemas.openxmlformats.org/officeDocument/2006/relationships" r:embed="rId1">
+            <a:duotone>
               <a:schemeClr val="phClr">
-                <a:tint val="50000"/>
+                <a:satMod val="150000"/>
+                <a:lumMod val="50000"/>
+              </a:schemeClr>
+              <a:schemeClr val="phClr">
                 <a:satMod val="300000"/>
+                <a:lumMod val="125000"/>
               </a:schemeClr>
-            </a:gs>
-            <a:gs pos="35000">
+            </a:duotone>
+          </a:blip>
+          <a:tile tx="0" ty="0" sx="100000" sy="100000" flip="none" algn="tl"/>
+        </a:blipFill>
+        <a:blipFill rotWithShape="1">
+          <a:blip xmlns:r="http://schemas.openxmlformats.org/officeDocument/2006/relationships" r:embed="rId2">
+            <a:duotone>
               <a:schemeClr val="phClr">
-                <a:tint val="37000"/>
-                <a:satMod val="300000"/>
+                <a:satMod val="135000"/>
+                <a:lumMod val="80000"/>
               </a:schemeClr>
-            </a:gs>
-            <a:gs pos="100000">
               <a:schemeClr val="phClr">
-                <a:tint val="15000"/>
-                <a:satMod val="350000"/>
+                <a:satMod val="250000"/>
+                <a:lumMod val="150000"/>
               </a:schemeClr>
-            </a:gs>
-          </a:gsLst>
-          <a:lin ang="16200000" scaled="1"/>
-        </a:gradFill>
-        <a:gradFill rotWithShape="1">
-          <a:gsLst>
-            <a:gs pos="0">
-              <a:schemeClr val="phClr">
-                <a:tint val="100000"/>
-                <a:shade val="100000"/>
-                <a:satMod val="130000"/>
-              </a:schemeClr>
-            </a:gs>
-            <a:gs pos="100000">
-              <a:schemeClr val="phClr">
-                <a:tint val="50000"/>
-                <a:shade val="100000"/>
-                <a:satMod val="350000"/>
-              </a:schemeClr>
-            </a:gs>
-          </a:gsLst>
-          <a:lin ang="16200000" scaled="0"/>
-        </a:gradFill>
+            </a:duotone>
+          </a:blip>
+          <a:stretch/>
+        </a:blipFill>
       </a:fillStyleLst>
       <a:lnStyleLst>
-        <a:ln w="9525" cap="flat" cmpd="sng" algn="ctr">
+        <a:ln w="12700" cap="flat" cmpd="sng" algn="ctr">
           <a:solidFill>
             <a:schemeClr val="phClr">
               <a:shade val="95000"/>
@@ -4121,56 +9042,59 @@
           </a:solidFill>
           <a:prstDash val="solid"/>
         </a:ln>
-        <a:ln w="25400" cap="flat" cmpd="sng" algn="ctr">
+        <a:ln w="31750" cap="flat" cmpd="sng" algn="ctr">
           <a:solidFill>
-            <a:schemeClr val="phClr"/>
+            <a:schemeClr val="phClr">
+              <a:shade val="90000"/>
+            </a:schemeClr>
           </a:solidFill>
           <a:prstDash val="solid"/>
         </a:ln>
-        <a:ln w="38100" cap="flat" cmpd="sng" algn="ctr">
+        <a:ln w="44450" cap="flat" cmpd="sng" algn="ctr">
           <a:solidFill>
-            <a:schemeClr val="phClr"/>
+            <a:schemeClr val="phClr">
+              <a:shade val="85000"/>
+            </a:schemeClr>
           </a:solidFill>
           <a:prstDash val="solid"/>
         </a:ln>
       </a:lnStyleLst>
       <a:effectStyleLst>
         <a:effectStyle>
-          <a:effectLst>
-            <a:outerShdw blurRad="40000" dist="20000" dir="5400000" rotWithShape="0">
-              <a:srgbClr val="000000">
-                <a:alpha val="38000"/>
-              </a:srgbClr>
-            </a:outerShdw>
-          </a:effectLst>
+          <a:effectLst/>
         </a:effectStyle>
         <a:effectStyle>
           <a:effectLst>
-            <a:outerShdw blurRad="40000" dist="23000" dir="5400000" rotWithShape="0">
+            <a:outerShdw blurRad="63500" sx="101000" sy="101000" algn="ctr" rotWithShape="0">
               <a:srgbClr val="000000">
-                <a:alpha val="35000"/>
-              </a:srgbClr>
-            </a:outerShdw>
-          </a:effectLst>
-        </a:effectStyle>
-        <a:effectStyle>
-          <a:effectLst>
-            <a:outerShdw blurRad="40000" dist="23000" dir="5400000" rotWithShape="0">
-              <a:srgbClr val="000000">
-                <a:alpha val="35000"/>
+                <a:alpha val="40000"/>
               </a:srgbClr>
             </a:outerShdw>
           </a:effectLst>
           <a:scene3d>
-            <a:camera prst="orthographicFront">
-              <a:rot lat="0" lon="0" rev="0"/>
-            </a:camera>
-            <a:lightRig rig="threePt" dir="t">
-              <a:rot lat="0" lon="0" rev="1200000"/>
+            <a:camera prst="perspectiveFront" fov="3000000"/>
+            <a:lightRig rig="threePt" dir="tl"/>
+          </a:scene3d>
+          <a:sp3d>
+            <a:bevelT w="0" h="0"/>
+          </a:sp3d>
+        </a:effectStyle>
+        <a:effectStyle>
+          <a:effectLst>
+            <a:innerShdw blurRad="190500">
+              <a:srgbClr val="000000">
+                <a:alpha val="50000"/>
+              </a:srgbClr>
+            </a:innerShdw>
+          </a:effectLst>
+          <a:scene3d>
+            <a:camera prst="perspectiveFront" fov="4800000"/>
+            <a:lightRig rig="twoPt" dir="t">
+              <a:rot lat="0" lon="0" rev="4800000"/>
             </a:lightRig>
           </a:scene3d>
           <a:sp3d>
-            <a:bevelT w="63500" h="25400"/>
+            <a:bevelT w="0" h="0"/>
           </a:sp3d>
         </a:effectStyle>
       </a:effectStyleLst>
@@ -4204,33 +9128,33 @@
             <a:fillToRect l="50000" t="-80000" r="50000" b="180000"/>
           </a:path>
         </a:gradFill>
-        <a:gradFill rotWithShape="1">
-          <a:gsLst>
-            <a:gs pos="0">
+        <a:blipFill rotWithShape="1">
+          <a:blip xmlns:r="http://schemas.openxmlformats.org/officeDocument/2006/relationships" r:embed="rId3">
+            <a:duotone>
               <a:schemeClr val="phClr">
-                <a:tint val="80000"/>
-                <a:satMod val="300000"/>
+                <a:satMod val="150000"/>
+                <a:lumMod val="50000"/>
               </a:schemeClr>
-            </a:gs>
-            <a:gs pos="100000">
               <a:schemeClr val="phClr">
-                <a:shade val="30000"/>
-                <a:satMod val="200000"/>
+                <a:satMod val="400000"/>
+                <a:lumMod val="160000"/>
               </a:schemeClr>
-            </a:gs>
-          </a:gsLst>
-          <a:path path="circle">
-            <a:fillToRect l="50000" t="50000" r="50000" b="50000"/>
-          </a:path>
-        </a:gradFill>
+            </a:duotone>
+          </a:blip>
+          <a:stretch/>
+        </a:blipFill>
       </a:bgFillStyleLst>
     </a:fmtScheme>
   </a:themeElements>
   <a:objectDefaults>
     <a:spDef>
       <a:spPr/>
-      <a:bodyPr/>
-      <a:lstStyle/>
+      <a:bodyPr rtlCol="0" anchor="ctr"/>
+      <a:lstStyle>
+        <a:defPPr algn="ctr">
+          <a:defRPr/>
+        </a:defPPr>
+      </a:lstStyle>
       <a:style>
         <a:lnRef idx="1">
           <a:schemeClr val="accent1"/>

--- a/Presentatie chips and circuits.pptx
+++ b/Presentatie chips and circuits.pptx
@@ -116,6 +116,224 @@
     </a:lvl9pPr>
   </p:defaultTextStyle>
 </p:presentation>
+</file>
+
+<file path=ppt/charts/chart1.xml><?xml version="1.0" encoding="utf-8"?>
+<c:chartSpace xmlns:c="http://schemas.openxmlformats.org/drawingml/2006/chart" xmlns:a="http://schemas.openxmlformats.org/drawingml/2006/main" xmlns:r="http://schemas.openxmlformats.org/officeDocument/2006/relationships">
+  <c:date1904 val="0"/>
+  <c:lang val="en-US"/>
+  <c:roundedCorners val="0"/>
+  <mc:AlternateContent xmlns:mc="http://schemas.openxmlformats.org/markup-compatibility/2006">
+    <mc:Choice xmlns:c14="http://schemas.microsoft.com/office/drawing/2007/8/2/chart" Requires="c14">
+      <c14:style val="118"/>
+    </mc:Choice>
+    <mc:Fallback>
+      <c:style val="18"/>
+    </mc:Fallback>
+  </mc:AlternateContent>
+  <c:chart>
+    <c:autoTitleDeleted val="0"/>
+    <c:plotArea>
+      <c:layout/>
+      <c:barChart>
+        <c:barDir val="col"/>
+        <c:grouping val="clustered"/>
+        <c:varyColors val="0"/>
+        <c:ser>
+          <c:idx val="0"/>
+          <c:order val="0"/>
+          <c:tx>
+            <c:strRef>
+              <c:f>Sheet1!$A$2</c:f>
+              <c:strCache>
+                <c:ptCount val="1"/>
+                <c:pt idx="0">
+                  <c:v>Scheme 1</c:v>
+                </c:pt>
+              </c:strCache>
+            </c:strRef>
+          </c:tx>
+          <c:invertIfNegative val="0"/>
+          <c:cat>
+            <c:strRef>
+              <c:f>Sheet1!$B$1:$C$1</c:f>
+              <c:strCache>
+                <c:ptCount val="2"/>
+                <c:pt idx="0">
+                  <c:v>Grid 1</c:v>
+                </c:pt>
+                <c:pt idx="1">
+                  <c:v>Grid 2</c:v>
+                </c:pt>
+              </c:strCache>
+            </c:strRef>
+          </c:cat>
+          <c:val>
+            <c:numRef>
+              <c:f>Sheet1!$B$2:$C$2</c:f>
+              <c:numCache>
+                <c:formatCode>General</c:formatCode>
+                <c:ptCount val="2"/>
+                <c:pt idx="0">
+                  <c:v>587.0</c:v>
+                </c:pt>
+                <c:pt idx="1">
+                  <c:v>1236.0</c:v>
+                </c:pt>
+              </c:numCache>
+            </c:numRef>
+          </c:val>
+        </c:ser>
+        <c:ser>
+          <c:idx val="1"/>
+          <c:order val="1"/>
+          <c:tx>
+            <c:strRef>
+              <c:f>Sheet1!$A$3</c:f>
+              <c:strCache>
+                <c:ptCount val="1"/>
+                <c:pt idx="0">
+                  <c:v>Scheme 2</c:v>
+                </c:pt>
+              </c:strCache>
+            </c:strRef>
+          </c:tx>
+          <c:invertIfNegative val="0"/>
+          <c:cat>
+            <c:strRef>
+              <c:f>Sheet1!$B$1:$C$1</c:f>
+              <c:strCache>
+                <c:ptCount val="2"/>
+                <c:pt idx="0">
+                  <c:v>Grid 1</c:v>
+                </c:pt>
+                <c:pt idx="1">
+                  <c:v>Grid 2</c:v>
+                </c:pt>
+              </c:strCache>
+            </c:strRef>
+          </c:cat>
+          <c:val>
+            <c:numRef>
+              <c:f>Sheet1!$B$3:$C$3</c:f>
+              <c:numCache>
+                <c:formatCode>General</c:formatCode>
+                <c:ptCount val="2"/>
+                <c:pt idx="0">
+                  <c:v>657.0</c:v>
+                </c:pt>
+                <c:pt idx="1">
+                  <c:v>1350.0</c:v>
+                </c:pt>
+              </c:numCache>
+            </c:numRef>
+          </c:val>
+        </c:ser>
+        <c:ser>
+          <c:idx val="2"/>
+          <c:order val="2"/>
+          <c:tx>
+            <c:strRef>
+              <c:f>Sheet1!$A$4</c:f>
+              <c:strCache>
+                <c:ptCount val="1"/>
+                <c:pt idx="0">
+                  <c:v>Scheme 3</c:v>
+                </c:pt>
+              </c:strCache>
+            </c:strRef>
+          </c:tx>
+          <c:invertIfNegative val="0"/>
+          <c:cat>
+            <c:strRef>
+              <c:f>Sheet1!$B$1:$C$1</c:f>
+              <c:strCache>
+                <c:ptCount val="2"/>
+                <c:pt idx="0">
+                  <c:v>Grid 1</c:v>
+                </c:pt>
+                <c:pt idx="1">
+                  <c:v>Grid 2</c:v>
+                </c:pt>
+              </c:strCache>
+            </c:strRef>
+          </c:cat>
+          <c:val>
+            <c:numRef>
+              <c:f>Sheet1!$B$4:$C$4</c:f>
+              <c:numCache>
+                <c:formatCode>General</c:formatCode>
+                <c:ptCount val="2"/>
+                <c:pt idx="0">
+                  <c:v>1019.0</c:v>
+                </c:pt>
+                <c:pt idx="1">
+                  <c:v>1955.0</c:v>
+                </c:pt>
+              </c:numCache>
+            </c:numRef>
+          </c:val>
+        </c:ser>
+        <c:dLbls>
+          <c:showLegendKey val="0"/>
+          <c:showVal val="0"/>
+          <c:showCatName val="0"/>
+          <c:showSerName val="0"/>
+          <c:showPercent val="0"/>
+          <c:showBubbleSize val="0"/>
+        </c:dLbls>
+        <c:gapWidth val="150"/>
+        <c:axId val="2085300824"/>
+        <c:axId val="2085490136"/>
+      </c:barChart>
+      <c:catAx>
+        <c:axId val="2085300824"/>
+        <c:scaling>
+          <c:orientation val="minMax"/>
+        </c:scaling>
+        <c:delete val="0"/>
+        <c:axPos val="b"/>
+        <c:numFmt formatCode="General" sourceLinked="1"/>
+        <c:majorTickMark val="out"/>
+        <c:minorTickMark val="none"/>
+        <c:tickLblPos val="nextTo"/>
+        <c:crossAx val="2085490136"/>
+        <c:crosses val="autoZero"/>
+        <c:auto val="1"/>
+        <c:lblAlgn val="ctr"/>
+        <c:lblOffset val="100"/>
+        <c:noMultiLvlLbl val="0"/>
+      </c:catAx>
+      <c:valAx>
+        <c:axId val="2085490136"/>
+        <c:scaling>
+          <c:orientation val="minMax"/>
+        </c:scaling>
+        <c:delete val="0"/>
+        <c:axPos val="l"/>
+        <c:majorGridlines/>
+        <c:numFmt formatCode="General" sourceLinked="1"/>
+        <c:majorTickMark val="out"/>
+        <c:minorTickMark val="none"/>
+        <c:tickLblPos val="nextTo"/>
+        <c:crossAx val="2085300824"/>
+        <c:crosses val="autoZero"/>
+        <c:crossBetween val="between"/>
+      </c:valAx>
+    </c:plotArea>
+    <c:legend>
+      <c:legendPos val="r"/>
+      <c:layout/>
+      <c:overlay val="0"/>
+    </c:legend>
+    <c:plotVisOnly val="1"/>
+    <c:dispBlanksAs val="gap"/>
+    <c:showDLblsOverMax val="0"/>
+  </c:chart>
+  <c:externalData r:id="rId1">
+    <c:autoUpdate val="0"/>
+  </c:externalData>
+</c:chartSpace>
 </file>
 
 <file path=ppt/slideLayouts/slideLayout1.xml><?xml version="1.0" encoding="utf-8"?>
@@ -7659,124 +7877,30 @@
           </a:p>
         </p:txBody>
       </p:sp>
-      <p:sp>
-        <p:nvSpPr>
-          <p:cNvPr id="3" name="Content Placeholder 2"/>
-          <p:cNvSpPr>
-            <a:spLocks noGrp="1"/>
-          </p:cNvSpPr>
-          <p:nvPr>
-            <p:ph idx="1"/>
-          </p:nvPr>
-        </p:nvSpPr>
-        <p:spPr/>
-        <p:txBody>
-          <a:bodyPr>
-            <a:normAutofit lnSpcReduction="10000"/>
-          </a:bodyPr>
-          <a:lstStyle/>
-          <a:p>
-            <a:r>
-              <a:rPr lang="en-US" dirty="0"/>
-              <a:t>Grid </a:t>
-            </a:r>
-            <a:r>
-              <a:rPr lang="en-US" dirty="0" smtClean="0"/>
-              <a:t>2</a:t>
-            </a:r>
-          </a:p>
-          <a:p>
-            <a:pPr lvl="1"/>
-            <a:r>
-              <a:rPr lang="en-US" dirty="0" smtClean="0"/>
-              <a:t>Net list 1 (lines = 50)</a:t>
-            </a:r>
-            <a:endParaRPr lang="en-US" dirty="0"/>
-          </a:p>
-          <a:p>
-            <a:pPr lvl="2"/>
-            <a:r>
-              <a:rPr lang="en-US" dirty="0"/>
-              <a:t>A</a:t>
-            </a:r>
-            <a:r>
-              <a:rPr lang="en-US" dirty="0" smtClean="0"/>
-              <a:t>* - 8 layers, 1236 wires</a:t>
-            </a:r>
-            <a:endParaRPr lang="en-US" dirty="0"/>
-          </a:p>
-          <a:p>
-            <a:pPr lvl="2"/>
-            <a:r>
-              <a:rPr lang="en-US" dirty="0" smtClean="0"/>
-              <a:t>Other - </a:t>
-            </a:r>
-            <a:endParaRPr lang="en-US" dirty="0"/>
-          </a:p>
-          <a:p>
-            <a:pPr lvl="1"/>
-            <a:r>
-              <a:rPr lang="en-US" dirty="0" smtClean="0"/>
-              <a:t>Net list 2 (lines = 60)</a:t>
-            </a:r>
-            <a:endParaRPr lang="en-US" dirty="0"/>
-          </a:p>
-          <a:p>
-            <a:pPr lvl="2"/>
-            <a:r>
-              <a:rPr lang="en-US" dirty="0"/>
-              <a:t>A</a:t>
-            </a:r>
-            <a:r>
-              <a:rPr lang="en-US" dirty="0" smtClean="0"/>
-              <a:t>* - 8 layers, 1350 wires</a:t>
-            </a:r>
-            <a:endParaRPr lang="en-US" dirty="0"/>
-          </a:p>
-          <a:p>
-            <a:pPr lvl="2"/>
-            <a:r>
-              <a:rPr lang="en-US" dirty="0" smtClean="0"/>
-              <a:t>Other - </a:t>
-            </a:r>
-            <a:endParaRPr lang="en-US" dirty="0"/>
-          </a:p>
-          <a:p>
-            <a:pPr lvl="1"/>
-            <a:r>
-              <a:rPr lang="en-US" dirty="0" smtClean="0"/>
-              <a:t>Net list 3 (lines = 70)</a:t>
-            </a:r>
-            <a:endParaRPr lang="en-US" dirty="0"/>
-          </a:p>
-          <a:p>
-            <a:pPr lvl="2"/>
-            <a:r>
-              <a:rPr lang="en-US" dirty="0"/>
-              <a:t>A</a:t>
-            </a:r>
-            <a:r>
-              <a:rPr lang="en-US" dirty="0" smtClean="0"/>
-              <a:t>* - 8 layers, </a:t>
-            </a:r>
-            <a:endParaRPr lang="en-US" dirty="0"/>
-          </a:p>
-          <a:p>
-            <a:pPr lvl="2"/>
-            <a:r>
-              <a:rPr lang="en-US" dirty="0" smtClean="0"/>
-              <a:t>Other - </a:t>
-            </a:r>
-            <a:endParaRPr lang="en-US" dirty="0"/>
-          </a:p>
-          <a:p>
-            <a:endParaRPr lang="en-US" dirty="0"/>
-          </a:p>
-          <a:p>
-            <a:endParaRPr lang="en-US" dirty="0"/>
-          </a:p>
-        </p:txBody>
-      </p:sp>
+      <p:graphicFrame>
+        <p:nvGraphicFramePr>
+          <p:cNvPr id="5" name="Chart 4"/>
+          <p:cNvGraphicFramePr>
+            <a:graphicFrameLocks/>
+          </p:cNvGraphicFramePr>
+          <p:nvPr>
+            <p:extLst>
+              <p:ext uri="{D42A27DB-BD31-4B8C-83A1-F6EECF244321}">
+                <p14:modId xmlns:p14="http://schemas.microsoft.com/office/powerpoint/2010/main" val="3704910542"/>
+              </p:ext>
+            </p:extLst>
+          </p:nvPr>
+        </p:nvGraphicFramePr>
+        <p:xfrm>
+          <a:off x="900113" y="1803400"/>
+          <a:ext cx="7345362" cy="4330700"/>
+        </p:xfrm>
+        <a:graphic>
+          <a:graphicData uri="http://schemas.openxmlformats.org/drawingml/2006/chart">
+            <c:chart xmlns:c="http://schemas.openxmlformats.org/drawingml/2006/chart" xmlns:r="http://schemas.openxmlformats.org/officeDocument/2006/relationships" r:id="rId2"/>
+          </a:graphicData>
+        </a:graphic>
+      </p:graphicFrame>
     </p:spTree>
     <p:extLst>
       <p:ext uri="{BB962C8B-B14F-4D97-AF65-F5344CB8AC3E}">
@@ -8054,11 +8178,7 @@
           <a:p>
             <a:r>
               <a:rPr lang="en-US" dirty="0" smtClean="0"/>
-              <a:t>Create routes/</a:t>
-            </a:r>
-            <a:r>
-              <a:rPr lang="en-US" dirty="0" smtClean="0"/>
-              <a:t>layers</a:t>
+              <a:t>Create routes/layers</a:t>
             </a:r>
           </a:p>
           <a:p>
@@ -8071,7 +8191,6 @@
               <a:rPr lang="en-US" dirty="0" smtClean="0"/>
               <a:t>aximum 8 layers</a:t>
             </a:r>
-            <a:endParaRPr lang="en-US" dirty="0" smtClean="0"/>
           </a:p>
           <a:p>
             <a:r>
@@ -8087,11 +8206,7 @@
             </a:r>
             <a:r>
               <a:rPr lang="en-US" dirty="0" smtClean="0"/>
-              <a:t>total of wires </a:t>
-            </a:r>
-            <a:r>
-              <a:rPr lang="en-US" dirty="0" smtClean="0"/>
-              <a:t>desirable</a:t>
+              <a:t>total of wires desirable</a:t>
             </a:r>
           </a:p>
           <a:p>
@@ -8213,7 +8328,6 @@
               <a:rPr lang="en-US" dirty="0" smtClean="0"/>
               <a:t>Net list (a -&gt; b, c -&gt; d, b -&gt; c)</a:t>
             </a:r>
-            <a:endParaRPr lang="en-US" dirty="0" smtClean="0"/>
           </a:p>
           <a:p>
             <a:pPr lvl="1"/>
@@ -8229,11 +8343,7 @@
             <a:pPr lvl="1"/>
             <a:r>
               <a:rPr lang="en-US" dirty="0" smtClean="0"/>
-              <a:t>Layers with </a:t>
-            </a:r>
-            <a:r>
-              <a:rPr lang="en-US" dirty="0" smtClean="0"/>
-              <a:t>routes</a:t>
+              <a:t>Layers with routes</a:t>
             </a:r>
           </a:p>
           <a:p>
@@ -8242,7 +8352,6 @@
               <a:rPr lang="en-US" dirty="0" smtClean="0"/>
               <a:t>Amount of wires</a:t>
             </a:r>
-            <a:endParaRPr lang="en-US" dirty="0" smtClean="0"/>
           </a:p>
           <a:p>
             <a:pPr lvl="1"/>
@@ -8549,7 +8658,6 @@
               <a:rPr lang="en-US" dirty="0" smtClean="0"/>
               <a:t>A*</a:t>
             </a:r>
-            <a:endParaRPr lang="en-US" dirty="0" smtClean="0"/>
           </a:p>
         </p:txBody>
       </p:sp>
